--- a/git.pptx
+++ b/git.pptx
@@ -6,7 +6,7 @@
     <p:sldMasterId id="2147483671" r:id="rId2"/>
   </p:sldMasterIdLst>
   <p:notesMasterIdLst>
-    <p:notesMasterId r:id="rId12"/>
+    <p:notesMasterId r:id="rId14"/>
   </p:notesMasterIdLst>
   <p:sldIdLst>
     <p:sldId id="275" r:id="rId3"/>
@@ -17,7 +17,9 @@
     <p:sldId id="301" r:id="rId8"/>
     <p:sldId id="302" r:id="rId9"/>
     <p:sldId id="281" r:id="rId10"/>
-    <p:sldId id="304" r:id="rId11"/>
+    <p:sldId id="305" r:id="rId11"/>
+    <p:sldId id="306" r:id="rId12"/>
+    <p:sldId id="304" r:id="rId13"/>
   </p:sldIdLst>
   <p:sldSz cx="9144000" cy="5143500" type="screen16x9"/>
   <p:notesSz cx="6858000" cy="9144000"/>
@@ -344,7 +346,7 @@
                 <a:cs typeface="Calibri" pitchFamily="34" charset="0"/>
               </a:rPr>
               <a:pPr algn="r"/>
-              <a:t>2018/12/20</a:t>
+              <a:t>2018/12/22</a:t>
             </a:fld>
             <a:endParaRPr lang="zh-CN" altLang="en-US" sz="1200">
               <a:latin typeface="Calibri" pitchFamily="34" charset="0"/>
@@ -868,7 +870,7 @@
                 <a:cs typeface="Calibri" pitchFamily="34" charset="0"/>
               </a:rPr>
               <a:pPr algn="r"/>
-              <a:t>2018/12/20</a:t>
+              <a:t>2018/12/22</a:t>
             </a:fld>
             <a:endParaRPr lang="zh-CN" altLang="en-US" sz="1200">
               <a:latin typeface="Calibri" pitchFamily="34" charset="0"/>
@@ -882,6 +884,236 @@
     <p:extLst>
       <p:ext uri="{BB962C8B-B14F-4D97-AF65-F5344CB8AC3E}">
         <p14:creationId xmlns:p14="http://schemas.microsoft.com/office/powerpoint/2010/main" val="349448754"/>
+      </p:ext>
+    </p:extLst>
+  </p:cSld>
+  <p:clrMapOvr>
+    <a:masterClrMapping/>
+  </p:clrMapOvr>
+</p:notes>
+</file>
+
+<file path=ppt/notesSlides/notesSlide10.xml><?xml version="1.0" encoding="utf-8"?>
+<p:notes xmlns:a="http://schemas.openxmlformats.org/drawingml/2006/main" xmlns:r="http://schemas.openxmlformats.org/officeDocument/2006/relationships" xmlns:p="http://schemas.openxmlformats.org/presentationml/2006/main">
+  <p:cSld>
+    <p:spTree>
+      <p:nvGrpSpPr>
+        <p:cNvPr id="1" name=""/>
+        <p:cNvGrpSpPr/>
+        <p:nvPr/>
+      </p:nvGrpSpPr>
+      <p:grpSpPr>
+        <a:xfrm>
+          <a:off x="0" y="0"/>
+          <a:ext cx="0" cy="0"/>
+          <a:chOff x="0" y="0"/>
+          <a:chExt cx="0" cy="0"/>
+        </a:xfrm>
+      </p:grpSpPr>
+      <p:sp>
+        <p:nvSpPr>
+          <p:cNvPr id="2" name="文本框"/>
+          <p:cNvSpPr>
+            <a:spLocks noGrp="1" noRot="1" noChangeAspect="1"/>
+          </p:cNvSpPr>
+          <p:nvPr>
+            <p:ph type="sldImg"/>
+          </p:nvPr>
+        </p:nvSpPr>
+        <p:spPr/>
+      </p:sp>
+      <p:sp>
+        <p:nvSpPr>
+          <p:cNvPr id="3" name="文本框"/>
+          <p:cNvSpPr>
+            <a:spLocks noGrp="1"/>
+          </p:cNvSpPr>
+          <p:nvPr>
+            <p:ph type="body" idx="1"/>
+          </p:nvPr>
+        </p:nvSpPr>
+        <p:spPr/>
+        <p:txBody>
+          <a:bodyPr/>
+          <a:lstStyle/>
+          <a:p>
+            <a:endParaRPr lang="zh-CN" altLang="en-US"/>
+          </a:p>
+        </p:txBody>
+      </p:sp>
+      <p:sp>
+        <p:nvSpPr>
+          <p:cNvPr id="9" name="文本框"/>
+          <p:cNvSpPr>
+            <a:spLocks noGrp="1"/>
+          </p:cNvSpPr>
+          <p:nvPr>
+            <p:ph type="sldNum" idx="5"/>
+          </p:nvPr>
+        </p:nvSpPr>
+        <p:spPr>
+          <a:xfrm>
+            <a:off x="3884613" y="8685213"/>
+            <a:ext cx="2971800" cy="457200"/>
+          </a:xfrm>
+          <a:prstGeom prst="rect">
+            <a:avLst/>
+          </a:prstGeom>
+          <a:noFill/>
+          <a:ln w="9525" cap="flat" cmpd="sng">
+            <a:noFill/>
+            <a:prstDash val="solid"/>
+            <a:round/>
+          </a:ln>
+        </p:spPr>
+        <p:txBody>
+          <a:bodyPr vert="horz" wrap="square" lIns="91440" tIns="45720" rIns="91440" bIns="45720" anchor="b" anchorCtr="0">
+            <a:prstTxWarp prst="textNoShape">
+              <a:avLst/>
+            </a:prstTxWarp>
+          </a:bodyPr>
+          <a:lstStyle/>
+          <a:p>
+            <a:pPr algn="r"/>
+            <a:fld id="{CAD2D6BD-DE1B-4B5F-8B41-2702339687B9}" type="slidenum">
+              <a:rPr lang="en-US" altLang="zh-CN" sz="1800" u="none" strike="noStrike" kern="1200" cap="none" spc="0" baseline="0">
+                <a:solidFill>
+                  <a:schemeClr val="tx1"/>
+                </a:solidFill>
+                <a:latin typeface="Calibri" pitchFamily="34" charset="0"/>
+                <a:ea typeface="宋体" pitchFamily="2" charset="-122"/>
+                <a:cs typeface="Calibri" pitchFamily="34" charset="0"/>
+              </a:rPr>
+              <a:pPr algn="r"/>
+              <a:t>10</a:t>
+            </a:fld>
+            <a:endParaRPr lang="zh-CN" altLang="en-US" sz="1200">
+              <a:latin typeface="Calibri" pitchFamily="34" charset="0"/>
+              <a:ea typeface="宋体" pitchFamily="2" charset="-122"/>
+              <a:cs typeface="Calibri" pitchFamily="34" charset="0"/>
+            </a:endParaRPr>
+          </a:p>
+        </p:txBody>
+      </p:sp>
+    </p:spTree>
+    <p:extLst>
+      <p:ext uri="{BB962C8B-B14F-4D97-AF65-F5344CB8AC3E}">
+        <p14:creationId xmlns:p14="http://schemas.microsoft.com/office/powerpoint/2010/main" val="2462946777"/>
+      </p:ext>
+    </p:extLst>
+  </p:cSld>
+  <p:clrMapOvr>
+    <a:masterClrMapping/>
+  </p:clrMapOvr>
+</p:notes>
+</file>
+
+<file path=ppt/notesSlides/notesSlide11.xml><?xml version="1.0" encoding="utf-8"?>
+<p:notes xmlns:a="http://schemas.openxmlformats.org/drawingml/2006/main" xmlns:r="http://schemas.openxmlformats.org/officeDocument/2006/relationships" xmlns:p="http://schemas.openxmlformats.org/presentationml/2006/main">
+  <p:cSld>
+    <p:spTree>
+      <p:nvGrpSpPr>
+        <p:cNvPr id="1" name=""/>
+        <p:cNvGrpSpPr/>
+        <p:nvPr/>
+      </p:nvGrpSpPr>
+      <p:grpSpPr>
+        <a:xfrm>
+          <a:off x="0" y="0"/>
+          <a:ext cx="0" cy="0"/>
+          <a:chOff x="0" y="0"/>
+          <a:chExt cx="0" cy="0"/>
+        </a:xfrm>
+      </p:grpSpPr>
+      <p:sp>
+        <p:nvSpPr>
+          <p:cNvPr id="2" name="文本框"/>
+          <p:cNvSpPr>
+            <a:spLocks noGrp="1" noRot="1" noChangeAspect="1"/>
+          </p:cNvSpPr>
+          <p:nvPr>
+            <p:ph type="sldImg"/>
+          </p:nvPr>
+        </p:nvSpPr>
+        <p:spPr/>
+      </p:sp>
+      <p:sp>
+        <p:nvSpPr>
+          <p:cNvPr id="3" name="文本框"/>
+          <p:cNvSpPr>
+            <a:spLocks noGrp="1"/>
+          </p:cNvSpPr>
+          <p:nvPr>
+            <p:ph type="body" idx="1"/>
+          </p:nvPr>
+        </p:nvSpPr>
+        <p:spPr/>
+        <p:txBody>
+          <a:bodyPr/>
+          <a:lstStyle/>
+          <a:p>
+            <a:endParaRPr lang="zh-CN" altLang="en-US"/>
+          </a:p>
+        </p:txBody>
+      </p:sp>
+      <p:sp>
+        <p:nvSpPr>
+          <p:cNvPr id="9" name="文本框"/>
+          <p:cNvSpPr>
+            <a:spLocks noGrp="1"/>
+          </p:cNvSpPr>
+          <p:nvPr>
+            <p:ph type="sldNum" idx="5"/>
+          </p:nvPr>
+        </p:nvSpPr>
+        <p:spPr>
+          <a:xfrm>
+            <a:off x="3884613" y="8685213"/>
+            <a:ext cx="2971800" cy="457200"/>
+          </a:xfrm>
+          <a:prstGeom prst="rect">
+            <a:avLst/>
+          </a:prstGeom>
+          <a:noFill/>
+          <a:ln w="9525" cap="flat" cmpd="sng">
+            <a:noFill/>
+            <a:prstDash val="solid"/>
+            <a:round/>
+          </a:ln>
+        </p:spPr>
+        <p:txBody>
+          <a:bodyPr vert="horz" wrap="square" lIns="91440" tIns="45720" rIns="91440" bIns="45720" anchor="b" anchorCtr="0">
+            <a:prstTxWarp prst="textNoShape">
+              <a:avLst/>
+            </a:prstTxWarp>
+          </a:bodyPr>
+          <a:lstStyle/>
+          <a:p>
+            <a:pPr algn="r"/>
+            <a:fld id="{CAD2D6BD-DE1B-4B5F-8B41-2702339687B9}" type="slidenum">
+              <a:rPr lang="en-US" altLang="zh-CN" sz="1800" u="none" strike="noStrike" kern="1200" cap="none" spc="0" baseline="0">
+                <a:solidFill>
+                  <a:schemeClr val="tx1"/>
+                </a:solidFill>
+                <a:latin typeface="Calibri" pitchFamily="34" charset="0"/>
+                <a:ea typeface="宋体" pitchFamily="2" charset="-122"/>
+                <a:cs typeface="Calibri" pitchFamily="34" charset="0"/>
+              </a:rPr>
+              <a:pPr algn="r"/>
+              <a:t>11</a:t>
+            </a:fld>
+            <a:endParaRPr lang="zh-CN" altLang="en-US" sz="1200">
+              <a:latin typeface="Calibri" pitchFamily="34" charset="0"/>
+              <a:ea typeface="宋体" pitchFamily="2" charset="-122"/>
+              <a:cs typeface="Calibri" pitchFamily="34" charset="0"/>
+            </a:endParaRPr>
+          </a:p>
+        </p:txBody>
+      </p:sp>
+    </p:spTree>
+    <p:extLst>
+      <p:ext uri="{BB962C8B-B14F-4D97-AF65-F5344CB8AC3E}">
+        <p14:creationId xmlns:p14="http://schemas.microsoft.com/office/powerpoint/2010/main" val="1190173291"/>
       </p:ext>
     </p:extLst>
   </p:cSld>
@@ -1140,55 +1372,7 @@
                 <a:ea typeface="宋体" pitchFamily="2" charset="-122"/>
                 <a:cs typeface="Calibri" pitchFamily="34" charset="0"/>
               </a:rPr>
-              <a:t>集中式版本控制系统最大的毛病就是必须联网才能工作，如果在局域网内还好，带宽够大，速度够快，可如果在互联网上，遇到网速慢的话，可能提交一个</a:t>
-            </a:r>
-            <a:r>
-              <a:rPr lang="en-US" altLang="zh-CN" sz="1200" b="0" i="0" kern="1200" dirty="0">
-                <a:solidFill>
-                  <a:schemeClr val="tx1"/>
-                </a:solidFill>
-                <a:effectLst/>
-                <a:latin typeface="Arial" pitchFamily="34" charset="0"/>
-                <a:ea typeface="宋体" pitchFamily="2" charset="-122"/>
-                <a:cs typeface="Calibri" pitchFamily="34" charset="0"/>
-              </a:rPr>
-              <a:t>10M</a:t>
-            </a:r>
-            <a:r>
-              <a:rPr lang="zh-CN" altLang="en-US" sz="1200" b="0" i="0" kern="1200" dirty="0">
-                <a:solidFill>
-                  <a:schemeClr val="tx1"/>
-                </a:solidFill>
-                <a:effectLst/>
-                <a:latin typeface="Arial" pitchFamily="34" charset="0"/>
-                <a:ea typeface="宋体" pitchFamily="2" charset="-122"/>
-                <a:cs typeface="Calibri" pitchFamily="34" charset="0"/>
-              </a:rPr>
-              <a:t>的文件就需要</a:t>
-            </a:r>
-            <a:r>
-              <a:rPr lang="en-US" altLang="zh-CN" sz="1200" b="0" i="0" kern="1200" dirty="0">
-                <a:solidFill>
-                  <a:schemeClr val="tx1"/>
-                </a:solidFill>
-                <a:effectLst/>
-                <a:latin typeface="Arial" pitchFamily="34" charset="0"/>
-                <a:ea typeface="宋体" pitchFamily="2" charset="-122"/>
-                <a:cs typeface="Calibri" pitchFamily="34" charset="0"/>
-              </a:rPr>
-              <a:t>5</a:t>
-            </a:r>
-            <a:r>
-              <a:rPr lang="zh-CN" altLang="en-US" sz="1200" b="0" i="0" kern="1200" dirty="0">
-                <a:solidFill>
-                  <a:schemeClr val="tx1"/>
-                </a:solidFill>
-                <a:effectLst/>
-                <a:latin typeface="Arial" pitchFamily="34" charset="0"/>
-                <a:ea typeface="宋体" pitchFamily="2" charset="-122"/>
-                <a:cs typeface="Calibri" pitchFamily="34" charset="0"/>
-              </a:rPr>
-              <a:t>分钟，这还不得把人给憋死啊。</a:t>
+              <a:t>集中式版本控制系统最大的毛病就是必须联网才能工作，如果中央服务器要是出了问题，所有人都没法干活了。</a:t>
             </a:r>
             <a:endParaRPr lang="en-US" altLang="zh-CN" sz="1200" b="0" i="0" kern="1200" dirty="0">
               <a:solidFill>
@@ -1256,7 +1440,7 @@
                 <a:ea typeface="宋体" pitchFamily="2" charset="-122"/>
                 <a:cs typeface="Calibri" pitchFamily="34" charset="0"/>
               </a:rPr>
-              <a:t>分布式的安全性要高很多，因为每个人电脑里都有完整的版本库，某一个人的电脑坏掉了不要紧，从其他人那里复制一个就可以了。而集中式版本控制系统的中央服务器要是出了问题，所有人都没法干活了。</a:t>
+              <a:t>分布式的安全性要高很多，因为每个人电脑里都有完整的版本库，某一个人的电脑坏掉了不要紧，从其他人那里复制一个就可以了。</a:t>
             </a:r>
             <a:endParaRPr lang="zh-CN" altLang="en-US" dirty="0"/>
           </a:p>
@@ -2477,7 +2661,7 @@
     </p:spTree>
     <p:extLst>
       <p:ext uri="{BB962C8B-B14F-4D97-AF65-F5344CB8AC3E}">
-        <p14:creationId xmlns:p14="http://schemas.microsoft.com/office/powerpoint/2010/main" val="1190173291"/>
+        <p14:creationId xmlns:p14="http://schemas.microsoft.com/office/powerpoint/2010/main" val="918650496"/>
       </p:ext>
     </p:extLst>
   </p:cSld>
@@ -2613,7 +2797,7 @@
             <a:fld id="{72514870-5082-4025-BC8A-5E070B8EB77D}" type="datetimeFigureOut">
               <a:rPr lang="zh-CN" altLang="en-US" smtClean="0"/>
               <a:pPr/>
-              <a:t>2018/12/20</a:t>
+              <a:t>2018/12/22</a:t>
             </a:fld>
             <a:endParaRPr lang="zh-CN" altLang="en-US"/>
           </a:p>
@@ -2783,7 +2967,7 @@
             <a:fld id="{72514870-5082-4025-BC8A-5E070B8EB77D}" type="datetimeFigureOut">
               <a:rPr lang="zh-CN" altLang="en-US" smtClean="0"/>
               <a:pPr/>
-              <a:t>2018/12/20</a:t>
+              <a:t>2018/12/22</a:t>
             </a:fld>
             <a:endParaRPr lang="zh-CN" altLang="en-US"/>
           </a:p>
@@ -2963,7 +3147,7 @@
             <a:fld id="{72514870-5082-4025-BC8A-5E070B8EB77D}" type="datetimeFigureOut">
               <a:rPr lang="zh-CN" altLang="en-US" smtClean="0"/>
               <a:pPr/>
-              <a:t>2018/12/20</a:t>
+              <a:t>2018/12/22</a:t>
             </a:fld>
             <a:endParaRPr lang="zh-CN" altLang="en-US"/>
           </a:p>
@@ -3151,7 +3335,7 @@
             <a:fld id="{72514870-5082-4025-BC8A-5E070B8EB77D}" type="datetimeFigureOut">
               <a:rPr lang="zh-CN" altLang="en-US" smtClean="0"/>
               <a:pPr/>
-              <a:t>2018/12/20</a:t>
+              <a:t>2018/12/22</a:t>
             </a:fld>
             <a:endParaRPr lang="zh-CN" altLang="en-US"/>
           </a:p>
@@ -3321,7 +3505,7 @@
             <a:fld id="{72514870-5082-4025-BC8A-5E070B8EB77D}" type="datetimeFigureOut">
               <a:rPr lang="zh-CN" altLang="en-US" smtClean="0"/>
               <a:pPr/>
-              <a:t>2018/12/20</a:t>
+              <a:t>2018/12/22</a:t>
             </a:fld>
             <a:endParaRPr lang="zh-CN" altLang="en-US"/>
           </a:p>
@@ -3514,7 +3698,7 @@
             <a:fld id="{72514870-5082-4025-BC8A-5E070B8EB77D}" type="datetimeFigureOut">
               <a:rPr lang="zh-CN" altLang="en-US" smtClean="0"/>
               <a:pPr/>
-              <a:t>2018/12/20</a:t>
+              <a:t>2018/12/22</a:t>
             </a:fld>
             <a:endParaRPr lang="zh-CN" altLang="en-US"/>
           </a:p>
@@ -3801,7 +3985,7 @@
             <a:fld id="{72514870-5082-4025-BC8A-5E070B8EB77D}" type="datetimeFigureOut">
               <a:rPr lang="zh-CN" altLang="en-US" smtClean="0"/>
               <a:pPr/>
-              <a:t>2018/12/20</a:t>
+              <a:t>2018/12/22</a:t>
             </a:fld>
             <a:endParaRPr lang="zh-CN" altLang="en-US"/>
           </a:p>
@@ -4222,7 +4406,7 @@
             <a:fld id="{72514870-5082-4025-BC8A-5E070B8EB77D}" type="datetimeFigureOut">
               <a:rPr lang="zh-CN" altLang="en-US" smtClean="0"/>
               <a:pPr/>
-              <a:t>2018/12/20</a:t>
+              <a:t>2018/12/22</a:t>
             </a:fld>
             <a:endParaRPr lang="zh-CN" altLang="en-US"/>
           </a:p>
@@ -4341,7 +4525,7 @@
             <a:fld id="{72514870-5082-4025-BC8A-5E070B8EB77D}" type="datetimeFigureOut">
               <a:rPr lang="zh-CN" altLang="en-US" smtClean="0"/>
               <a:pPr/>
-              <a:t>2018/12/20</a:t>
+              <a:t>2018/12/22</a:t>
             </a:fld>
             <a:endParaRPr lang="zh-CN" altLang="en-US"/>
           </a:p>
@@ -4438,7 +4622,7 @@
             <a:fld id="{72514870-5082-4025-BC8A-5E070B8EB77D}" type="datetimeFigureOut">
               <a:rPr lang="zh-CN" altLang="en-US" smtClean="0"/>
               <a:pPr/>
-              <a:t>2018/12/20</a:t>
+              <a:t>2018/12/22</a:t>
             </a:fld>
             <a:endParaRPr lang="zh-CN" altLang="en-US"/>
           </a:p>
@@ -4751,7 +4935,7 @@
             <a:fld id="{72514870-5082-4025-BC8A-5E070B8EB77D}" type="datetimeFigureOut">
               <a:rPr lang="zh-CN" altLang="en-US" smtClean="0"/>
               <a:pPr/>
-              <a:t>2018/12/20</a:t>
+              <a:t>2018/12/22</a:t>
             </a:fld>
             <a:endParaRPr lang="zh-CN" altLang="en-US"/>
           </a:p>
@@ -4921,7 +5105,7 @@
             <a:fld id="{72514870-5082-4025-BC8A-5E070B8EB77D}" type="datetimeFigureOut">
               <a:rPr lang="zh-CN" altLang="en-US" smtClean="0"/>
               <a:pPr/>
-              <a:t>2018/12/20</a:t>
+              <a:t>2018/12/22</a:t>
             </a:fld>
             <a:endParaRPr lang="zh-CN" altLang="en-US"/>
           </a:p>
@@ -5175,7 +5359,7 @@
             <a:fld id="{72514870-5082-4025-BC8A-5E070B8EB77D}" type="datetimeFigureOut">
               <a:rPr lang="zh-CN" altLang="en-US" smtClean="0"/>
               <a:pPr/>
-              <a:t>2018/12/20</a:t>
+              <a:t>2018/12/22</a:t>
             </a:fld>
             <a:endParaRPr lang="zh-CN" altLang="en-US"/>
           </a:p>
@@ -5345,7 +5529,7 @@
             <a:fld id="{72514870-5082-4025-BC8A-5E070B8EB77D}" type="datetimeFigureOut">
               <a:rPr lang="zh-CN" altLang="en-US" smtClean="0"/>
               <a:pPr/>
-              <a:t>2018/12/20</a:t>
+              <a:t>2018/12/22</a:t>
             </a:fld>
             <a:endParaRPr lang="zh-CN" altLang="en-US"/>
           </a:p>
@@ -5525,7 +5709,7 @@
             <a:fld id="{72514870-5082-4025-BC8A-5E070B8EB77D}" type="datetimeFigureOut">
               <a:rPr lang="zh-CN" altLang="en-US" smtClean="0"/>
               <a:pPr/>
-              <a:t>2018/12/20</a:t>
+              <a:t>2018/12/22</a:t>
             </a:fld>
             <a:endParaRPr lang="zh-CN" altLang="en-US"/>
           </a:p>
@@ -5718,7 +5902,7 @@
             <a:fld id="{72514870-5082-4025-BC8A-5E070B8EB77D}" type="datetimeFigureOut">
               <a:rPr lang="zh-CN" altLang="en-US" smtClean="0"/>
               <a:pPr/>
-              <a:t>2018/12/20</a:t>
+              <a:t>2018/12/22</a:t>
             </a:fld>
             <a:endParaRPr lang="zh-CN" altLang="en-US"/>
           </a:p>
@@ -6005,7 +6189,7 @@
             <a:fld id="{72514870-5082-4025-BC8A-5E070B8EB77D}" type="datetimeFigureOut">
               <a:rPr lang="zh-CN" altLang="en-US" smtClean="0"/>
               <a:pPr/>
-              <a:t>2018/12/20</a:t>
+              <a:t>2018/12/22</a:t>
             </a:fld>
             <a:endParaRPr lang="zh-CN" altLang="en-US"/>
           </a:p>
@@ -6426,7 +6610,7 @@
             <a:fld id="{72514870-5082-4025-BC8A-5E070B8EB77D}" type="datetimeFigureOut">
               <a:rPr lang="zh-CN" altLang="en-US" smtClean="0"/>
               <a:pPr/>
-              <a:t>2018/12/20</a:t>
+              <a:t>2018/12/22</a:t>
             </a:fld>
             <a:endParaRPr lang="zh-CN" altLang="en-US"/>
           </a:p>
@@ -6545,7 +6729,7 @@
             <a:fld id="{72514870-5082-4025-BC8A-5E070B8EB77D}" type="datetimeFigureOut">
               <a:rPr lang="zh-CN" altLang="en-US" smtClean="0"/>
               <a:pPr/>
-              <a:t>2018/12/20</a:t>
+              <a:t>2018/12/22</a:t>
             </a:fld>
             <a:endParaRPr lang="zh-CN" altLang="en-US"/>
           </a:p>
@@ -6642,7 +6826,7 @@
             <a:fld id="{72514870-5082-4025-BC8A-5E070B8EB77D}" type="datetimeFigureOut">
               <a:rPr lang="zh-CN" altLang="en-US" smtClean="0"/>
               <a:pPr/>
-              <a:t>2018/12/20</a:t>
+              <a:t>2018/12/22</a:t>
             </a:fld>
             <a:endParaRPr lang="zh-CN" altLang="en-US"/>
           </a:p>
@@ -6919,7 +7103,7 @@
             <a:fld id="{72514870-5082-4025-BC8A-5E070B8EB77D}" type="datetimeFigureOut">
               <a:rPr lang="zh-CN" altLang="en-US" smtClean="0"/>
               <a:pPr/>
-              <a:t>2018/12/20</a:t>
+              <a:t>2018/12/22</a:t>
             </a:fld>
             <a:endParaRPr lang="zh-CN" altLang="en-US"/>
           </a:p>
@@ -7173,7 +7357,7 @@
             <a:fld id="{72514870-5082-4025-BC8A-5E070B8EB77D}" type="datetimeFigureOut">
               <a:rPr lang="zh-CN" altLang="en-US" smtClean="0"/>
               <a:pPr/>
-              <a:t>2018/12/20</a:t>
+              <a:t>2018/12/22</a:t>
             </a:fld>
             <a:endParaRPr lang="zh-CN" altLang="en-US"/>
           </a:p>
@@ -8115,6 +8299,701 @@
 </p:sld>
 </file>
 
+<file path=ppt/slides/slide10.xml><?xml version="1.0" encoding="utf-8"?>
+<p:sld xmlns:a="http://schemas.openxmlformats.org/drawingml/2006/main" xmlns:r="http://schemas.openxmlformats.org/officeDocument/2006/relationships" xmlns:p="http://schemas.openxmlformats.org/presentationml/2006/main">
+  <p:cSld>
+    <p:spTree>
+      <p:nvGrpSpPr>
+        <p:cNvPr id="1" name=""/>
+        <p:cNvGrpSpPr/>
+        <p:nvPr/>
+      </p:nvGrpSpPr>
+      <p:grpSpPr>
+        <a:xfrm>
+          <a:off x="0" y="0"/>
+          <a:ext cx="0" cy="0"/>
+          <a:chOff x="0" y="0"/>
+          <a:chExt cx="0" cy="0"/>
+        </a:xfrm>
+      </p:grpSpPr>
+      <p:pic>
+        <p:nvPicPr>
+          <p:cNvPr id="3" name="图片 2">
+            <a:extLst>
+              <a:ext uri="{FF2B5EF4-FFF2-40B4-BE49-F238E27FC236}">
+                <a16:creationId xmlns:a16="http://schemas.microsoft.com/office/drawing/2014/main" id="{A96982C2-8520-4517-B7CE-A255274B0FCC}"/>
+              </a:ext>
+            </a:extLst>
+          </p:cNvPr>
+          <p:cNvPicPr>
+            <a:picLocks noChangeAspect="1"/>
+          </p:cNvPicPr>
+          <p:nvPr/>
+        </p:nvPicPr>
+        <p:blipFill>
+          <a:blip r:embed="rId3">
+            <a:extLst>
+              <a:ext uri="{28A0092B-C50C-407E-A947-70E740481C1C}">
+                <a14:useLocalDpi xmlns:a14="http://schemas.microsoft.com/office/drawing/2010/main" val="0"/>
+              </a:ext>
+            </a:extLst>
+          </a:blip>
+          <a:stretch>
+            <a:fillRect/>
+          </a:stretch>
+        </p:blipFill>
+        <p:spPr>
+          <a:xfrm>
+            <a:off x="1187624" y="1275606"/>
+            <a:ext cx="6416886" cy="2898626"/>
+          </a:xfrm>
+          <a:prstGeom prst="rect">
+            <a:avLst/>
+          </a:prstGeom>
+        </p:spPr>
+      </p:pic>
+    </p:spTree>
+    <p:extLst>
+      <p:ext uri="{BB962C8B-B14F-4D97-AF65-F5344CB8AC3E}">
+        <p14:creationId xmlns:p14="http://schemas.microsoft.com/office/powerpoint/2010/main" val="2718779974"/>
+      </p:ext>
+    </p:extLst>
+  </p:cSld>
+  <p:clrMapOvr>
+    <a:masterClrMapping/>
+  </p:clrMapOvr>
+</p:sld>
+</file>
+
+<file path=ppt/slides/slide11.xml><?xml version="1.0" encoding="utf-8"?>
+<p:sld xmlns:a="http://schemas.openxmlformats.org/drawingml/2006/main" xmlns:r="http://schemas.openxmlformats.org/officeDocument/2006/relationships" xmlns:p="http://schemas.openxmlformats.org/presentationml/2006/main">
+  <p:cSld>
+    <p:spTree>
+      <p:nvGrpSpPr>
+        <p:cNvPr id="1" name=""/>
+        <p:cNvGrpSpPr/>
+        <p:nvPr/>
+      </p:nvGrpSpPr>
+      <p:grpSpPr>
+        <a:xfrm>
+          <a:off x="0" y="0"/>
+          <a:ext cx="0" cy="0"/>
+          <a:chOff x="0" y="0"/>
+          <a:chExt cx="0" cy="0"/>
+        </a:xfrm>
+      </p:grpSpPr>
+      <p:sp>
+        <p:nvSpPr>
+          <p:cNvPr id="15" name="矩形"/>
+          <p:cNvSpPr>
+            <a:spLocks/>
+          </p:cNvSpPr>
+          <p:nvPr/>
+        </p:nvSpPr>
+        <p:spPr>
+          <a:xfrm>
+            <a:off x="578721" y="1281884"/>
+            <a:ext cx="8565279" cy="1015663"/>
+          </a:xfrm>
+          <a:prstGeom prst="rect">
+            <a:avLst/>
+          </a:prstGeom>
+          <a:noFill/>
+          <a:ln w="9525" cap="flat" cmpd="sng">
+            <a:noFill/>
+            <a:prstDash val="solid"/>
+            <a:miter/>
+          </a:ln>
+        </p:spPr>
+        <p:txBody>
+          <a:bodyPr vert="horz" wrap="square" lIns="91440" tIns="45720" rIns="91440" bIns="45720" anchor="ctr" anchorCtr="0">
+            <a:prstTxWarp prst="textNoShape">
+              <a:avLst/>
+            </a:prstTxWarp>
+            <a:spAutoFit/>
+          </a:bodyPr>
+          <a:lstStyle/>
+          <a:p>
+            <a:pPr marL="800100" lvl="1" indent="-342900">
+              <a:buFont typeface="Wingdings" panose="05000000000000000000" pitchFamily="2" charset="2"/>
+              <a:buChar char="u"/>
+            </a:pPr>
+            <a:r>
+              <a:rPr lang="en-US" altLang="zh-CN" sz="2000" dirty="0">
+                <a:latin typeface="微软雅黑" charset="0"/>
+                <a:ea typeface="微软雅黑" charset="0"/>
+                <a:cs typeface="微软雅黑" charset="0"/>
+              </a:rPr>
+              <a:t>Windows</a:t>
+            </a:r>
+            <a:r>
+              <a:rPr lang="zh-CN" altLang="en-US" sz="2000" dirty="0">
+                <a:latin typeface="微软雅黑" charset="0"/>
+                <a:ea typeface="微软雅黑" charset="0"/>
+                <a:cs typeface="微软雅黑" charset="0"/>
+              </a:rPr>
+              <a:t>安装参考链接：</a:t>
+            </a:r>
+            <a:endParaRPr lang="en-US" altLang="zh-CN" sz="2000" dirty="0">
+              <a:latin typeface="微软雅黑" charset="0"/>
+              <a:ea typeface="微软雅黑" charset="0"/>
+              <a:cs typeface="微软雅黑" charset="0"/>
+            </a:endParaRPr>
+          </a:p>
+          <a:p>
+            <a:pPr lvl="1"/>
+            <a:endParaRPr lang="en-US" altLang="zh-CN" sz="2000" dirty="0">
+              <a:latin typeface="微软雅黑" charset="0"/>
+              <a:ea typeface="微软雅黑" charset="0"/>
+              <a:cs typeface="微软雅黑" charset="0"/>
+            </a:endParaRPr>
+          </a:p>
+          <a:p>
+            <a:pPr lvl="1"/>
+            <a:r>
+              <a:rPr lang="en-US" altLang="zh-CN" sz="2000" dirty="0">
+                <a:latin typeface="微软雅黑" charset="0"/>
+                <a:ea typeface="微软雅黑" charset="0"/>
+                <a:cs typeface="微软雅黑" charset="0"/>
+              </a:rPr>
+              <a:t>	</a:t>
+            </a:r>
+            <a:r>
+              <a:rPr lang="en-US" altLang="zh-CN" sz="1600" dirty="0">
+                <a:latin typeface="微软雅黑" charset="0"/>
+                <a:ea typeface="微软雅黑" charset="0"/>
+                <a:cs typeface="微软雅黑" charset="0"/>
+              </a:rPr>
+              <a:t>https://segmentfault.com/a/1190000011809698</a:t>
+            </a:r>
+            <a:endParaRPr lang="zh-CN" altLang="en-US" sz="1600" u="none" strike="noStrike" kern="1200" cap="none" spc="0" baseline="0" dirty="0">
+              <a:latin typeface="微软雅黑" charset="0"/>
+              <a:ea typeface="微软雅黑" charset="0"/>
+              <a:cs typeface="微软雅黑" charset="0"/>
+            </a:endParaRPr>
+          </a:p>
+        </p:txBody>
+      </p:sp>
+      <p:sp>
+        <p:nvSpPr>
+          <p:cNvPr id="17" name="矩形"/>
+          <p:cNvSpPr>
+            <a:spLocks/>
+          </p:cNvSpPr>
+          <p:nvPr/>
+        </p:nvSpPr>
+        <p:spPr>
+          <a:xfrm>
+            <a:off x="3811215" y="412416"/>
+            <a:ext cx="1521570" cy="553998"/>
+          </a:xfrm>
+          <a:prstGeom prst="rect">
+            <a:avLst/>
+          </a:prstGeom>
+          <a:noFill/>
+          <a:ln w="9525" cap="flat" cmpd="sng">
+            <a:noFill/>
+            <a:prstDash val="solid"/>
+            <a:miter/>
+          </a:ln>
+        </p:spPr>
+        <p:txBody>
+          <a:bodyPr vert="horz" wrap="none" lIns="91440" tIns="45720" rIns="91440" bIns="45720" anchor="t" anchorCtr="0">
+            <a:prstTxWarp prst="textNoShape">
+              <a:avLst/>
+            </a:prstTxWarp>
+            <a:spAutoFit/>
+          </a:bodyPr>
+          <a:lstStyle/>
+          <a:p>
+            <a:r>
+              <a:rPr lang="en-US" altLang="zh-CN" sz="3000" b="1" kern="0" dirty="0">
+                <a:solidFill>
+                  <a:srgbClr val="C9394A"/>
+                </a:solidFill>
+                <a:latin typeface="微软雅黑" charset="0"/>
+                <a:ea typeface="微软雅黑" charset="0"/>
+                <a:cs typeface="微软雅黑" charset="0"/>
+                <a:sym typeface="Calibri" pitchFamily="34" charset="0"/>
+              </a:rPr>
+              <a:t>Git</a:t>
+            </a:r>
+            <a:r>
+              <a:rPr lang="zh-CN" altLang="en-US" sz="3000" b="1" kern="0" dirty="0">
+                <a:solidFill>
+                  <a:srgbClr val="C9394A"/>
+                </a:solidFill>
+                <a:latin typeface="微软雅黑" charset="0"/>
+                <a:ea typeface="微软雅黑" charset="0"/>
+                <a:cs typeface="微软雅黑" charset="0"/>
+                <a:sym typeface="Calibri" pitchFamily="34" charset="0"/>
+              </a:rPr>
+              <a:t>安装</a:t>
+            </a:r>
+            <a:endParaRPr lang="zh-CN" altLang="en-US" u="none" strike="noStrike" kern="1200" cap="none" spc="0" baseline="0" dirty="0">
+              <a:solidFill>
+                <a:schemeClr val="tx1"/>
+              </a:solidFill>
+              <a:latin typeface="Calibri" pitchFamily="34" charset="0"/>
+              <a:ea typeface="宋体" pitchFamily="2" charset="-122"/>
+              <a:cs typeface="微软雅黑" charset="0"/>
+            </a:endParaRPr>
+          </a:p>
+        </p:txBody>
+      </p:sp>
+      <p:sp>
+        <p:nvSpPr>
+          <p:cNvPr id="8" name="矩形">
+            <a:extLst>
+              <a:ext uri="{FF2B5EF4-FFF2-40B4-BE49-F238E27FC236}">
+                <a16:creationId xmlns:a16="http://schemas.microsoft.com/office/drawing/2014/main" id="{F566A662-EE41-4270-884D-D6CD57CB2DF2}"/>
+              </a:ext>
+            </a:extLst>
+          </p:cNvPr>
+          <p:cNvSpPr>
+            <a:spLocks/>
+          </p:cNvSpPr>
+          <p:nvPr/>
+        </p:nvSpPr>
+        <p:spPr>
+          <a:xfrm>
+            <a:off x="605683" y="2492011"/>
+            <a:ext cx="8565279" cy="707886"/>
+          </a:xfrm>
+          <a:prstGeom prst="rect">
+            <a:avLst/>
+          </a:prstGeom>
+          <a:noFill/>
+          <a:ln w="9525" cap="flat" cmpd="sng">
+            <a:noFill/>
+            <a:prstDash val="solid"/>
+            <a:miter/>
+          </a:ln>
+        </p:spPr>
+        <p:txBody>
+          <a:bodyPr vert="horz" wrap="square" lIns="91440" tIns="45720" rIns="91440" bIns="45720" anchor="ctr" anchorCtr="0">
+            <a:prstTxWarp prst="textNoShape">
+              <a:avLst/>
+            </a:prstTxWarp>
+            <a:spAutoFit/>
+          </a:bodyPr>
+          <a:lstStyle/>
+          <a:p>
+            <a:pPr marL="800100" lvl="1" indent="-342900">
+              <a:buFont typeface="Wingdings" panose="05000000000000000000" pitchFamily="2" charset="2"/>
+              <a:buChar char="u"/>
+            </a:pPr>
+            <a:r>
+              <a:rPr lang="zh-CN" altLang="en-US" sz="2000" u="none" strike="noStrike" kern="1200" cap="none" spc="0" baseline="0" dirty="0">
+                <a:solidFill>
+                  <a:srgbClr val="212121"/>
+                </a:solidFill>
+                <a:latin typeface="微软雅黑" charset="0"/>
+                <a:ea typeface="微软雅黑" charset="0"/>
+                <a:cs typeface="微软雅黑" charset="0"/>
+                <a:sym typeface="Calibri" pitchFamily="34" charset="0"/>
+              </a:rPr>
+              <a:t>全局配置用户信息</a:t>
+            </a:r>
+            <a:r>
+              <a:rPr lang="zh-CN" altLang="en-US" sz="2000" u="none" strike="noStrike" kern="1200" cap="none" spc="0" baseline="0" dirty="0">
+                <a:solidFill>
+                  <a:srgbClr val="474747"/>
+                </a:solidFill>
+                <a:latin typeface="微软雅黑" charset="0"/>
+                <a:ea typeface="微软雅黑" charset="0"/>
+                <a:cs typeface="微软雅黑" charset="0"/>
+                <a:sym typeface="Calibri" pitchFamily="34" charset="0"/>
+              </a:rPr>
+              <a:t>：</a:t>
+            </a:r>
+            <a:endParaRPr lang="en-US" altLang="zh-CN" sz="2000" u="none" strike="noStrike" kern="1200" cap="none" spc="0" baseline="0" dirty="0">
+              <a:solidFill>
+                <a:srgbClr val="474747"/>
+              </a:solidFill>
+              <a:latin typeface="微软雅黑" charset="0"/>
+              <a:ea typeface="微软雅黑" charset="0"/>
+              <a:cs typeface="微软雅黑" charset="0"/>
+              <a:sym typeface="Calibri" pitchFamily="34" charset="0"/>
+            </a:endParaRPr>
+          </a:p>
+          <a:p>
+            <a:pPr lvl="1"/>
+            <a:endParaRPr lang="zh-CN" altLang="en-US" sz="2000" u="none" strike="noStrike" kern="1200" cap="none" spc="0" baseline="0" dirty="0">
+              <a:solidFill>
+                <a:srgbClr val="C9394A"/>
+              </a:solidFill>
+              <a:latin typeface="微软雅黑" charset="0"/>
+              <a:ea typeface="微软雅黑" charset="0"/>
+              <a:cs typeface="微软雅黑" charset="0"/>
+              <a:sym typeface="Calibri" pitchFamily="34" charset="0"/>
+            </a:endParaRPr>
+          </a:p>
+        </p:txBody>
+      </p:sp>
+      <p:sp>
+        <p:nvSpPr>
+          <p:cNvPr id="3" name="文本框 2">
+            <a:extLst>
+              <a:ext uri="{FF2B5EF4-FFF2-40B4-BE49-F238E27FC236}">
+                <a16:creationId xmlns:a16="http://schemas.microsoft.com/office/drawing/2014/main" id="{F6F64CF9-0A4F-43B1-AD4E-4213670D3B49}"/>
+              </a:ext>
+            </a:extLst>
+          </p:cNvPr>
+          <p:cNvSpPr txBox="1"/>
+          <p:nvPr/>
+        </p:nvSpPr>
+        <p:spPr>
+          <a:xfrm>
+            <a:off x="1547664" y="3122952"/>
+            <a:ext cx="5400600" cy="1477328"/>
+          </a:xfrm>
+          <a:prstGeom prst="rect">
+            <a:avLst/>
+          </a:prstGeom>
+          <a:noFill/>
+        </p:spPr>
+        <p:txBody>
+          <a:bodyPr wrap="square" rtlCol="0">
+            <a:spAutoFit/>
+          </a:bodyPr>
+          <a:lstStyle/>
+          <a:p>
+            <a:r>
+              <a:rPr lang="en-US" altLang="zh-CN" dirty="0"/>
+              <a:t>git config </a:t>
+            </a:r>
+            <a:r>
+              <a:rPr lang="en-US" altLang="zh-CN" b="1" dirty="0">
+                <a:solidFill>
+                  <a:srgbClr val="C9394A"/>
+                </a:solidFill>
+              </a:rPr>
+              <a:t>--global</a:t>
+            </a:r>
+            <a:r>
+              <a:rPr lang="en-US" altLang="zh-CN" dirty="0">
+                <a:solidFill>
+                  <a:srgbClr val="C9394A"/>
+                </a:solidFill>
+              </a:rPr>
+              <a:t> </a:t>
+            </a:r>
+            <a:r>
+              <a:rPr lang="en-US" altLang="zh-CN" dirty="0"/>
+              <a:t>user.name</a:t>
+            </a:r>
+            <a:r>
+              <a:rPr lang="zh-CN" altLang="en-US" dirty="0"/>
+              <a:t>  </a:t>
+            </a:r>
+            <a:r>
+              <a:rPr lang="en-US" altLang="zh-CN" dirty="0"/>
+              <a:t>xxx</a:t>
+            </a:r>
+            <a:r>
+              <a:rPr lang="en-US" altLang="zh-CN" sz="1400" dirty="0"/>
+              <a:t>(</a:t>
+            </a:r>
+            <a:r>
+              <a:rPr lang="zh-CN" altLang="en-US" sz="1400" dirty="0"/>
+              <a:t>用户名</a:t>
+            </a:r>
+            <a:r>
+              <a:rPr lang="en-US" altLang="zh-CN" sz="1400" dirty="0"/>
+              <a:t>)</a:t>
+            </a:r>
+          </a:p>
+          <a:p>
+            <a:endParaRPr lang="en-US" altLang="zh-CN" dirty="0"/>
+          </a:p>
+          <a:p>
+            <a:r>
+              <a:rPr lang="en-US" altLang="zh-CN" dirty="0"/>
+              <a:t>git config </a:t>
+            </a:r>
+            <a:r>
+              <a:rPr lang="en-US" altLang="zh-CN" b="1" dirty="0">
+                <a:solidFill>
+                  <a:srgbClr val="C9394A"/>
+                </a:solidFill>
+              </a:rPr>
+              <a:t>--global </a:t>
+            </a:r>
+            <a:r>
+              <a:rPr lang="en-US" altLang="zh-CN" dirty="0" err="1"/>
+              <a:t>user.email</a:t>
+            </a:r>
+            <a:r>
+              <a:rPr lang="en-US" altLang="zh-CN" dirty="0"/>
+              <a:t>  </a:t>
+            </a:r>
+            <a:r>
+              <a:rPr lang="en-US" altLang="zh-CN" dirty="0" err="1"/>
+              <a:t>xxxx</a:t>
+            </a:r>
+            <a:r>
+              <a:rPr lang="en-US" altLang="zh-CN" sz="1400" dirty="0"/>
+              <a:t>(</a:t>
+            </a:r>
+            <a:r>
+              <a:rPr lang="zh-CN" altLang="en-US" sz="1400" dirty="0"/>
+              <a:t>邮箱地址</a:t>
+            </a:r>
+            <a:r>
+              <a:rPr lang="en-US" altLang="zh-CN" sz="1400" dirty="0"/>
+              <a:t>)</a:t>
+            </a:r>
+          </a:p>
+          <a:p>
+            <a:endParaRPr lang="en-US" altLang="zh-CN" dirty="0"/>
+          </a:p>
+          <a:p>
+            <a:r>
+              <a:rPr lang="en-US" altLang="zh-CN" dirty="0"/>
+              <a:t>git config --list   </a:t>
+            </a:r>
+            <a:r>
+              <a:rPr lang="zh-CN" altLang="en-US" sz="1400" dirty="0"/>
+              <a:t>查看全局的配置</a:t>
+            </a:r>
+            <a:r>
+              <a:rPr lang="en-US" altLang="zh-CN" sz="1400" dirty="0"/>
+              <a:t>   </a:t>
+            </a:r>
+            <a:endParaRPr lang="zh-CN" altLang="en-US" sz="1400" dirty="0"/>
+          </a:p>
+        </p:txBody>
+      </p:sp>
+    </p:spTree>
+    <p:extLst>
+      <p:ext uri="{BB962C8B-B14F-4D97-AF65-F5344CB8AC3E}">
+        <p14:creationId xmlns:p14="http://schemas.microsoft.com/office/powerpoint/2010/main" val="3017371092"/>
+      </p:ext>
+    </p:extLst>
+  </p:cSld>
+  <p:clrMapOvr>
+    <a:masterClrMapping/>
+  </p:clrMapOvr>
+  <p:timing>
+    <p:tnLst>
+      <p:par>
+        <p:cTn id="1" dur="indefinite" restart="never" nodeType="tmRoot">
+          <p:childTnLst>
+            <p:seq concurrent="1" nextAc="seek">
+              <p:cTn id="2" dur="indefinite" nodeType="mainSeq">
+                <p:childTnLst>
+                  <p:par>
+                    <p:cTn id="3" fill="hold">
+                      <p:stCondLst>
+                        <p:cond delay="indefinite"/>
+                      </p:stCondLst>
+                      <p:childTnLst>
+                        <p:par>
+                          <p:cTn id="4" fill="hold">
+                            <p:stCondLst>
+                              <p:cond delay="0"/>
+                            </p:stCondLst>
+                            <p:childTnLst>
+                              <p:par>
+                                <p:cTn id="5" presetID="2" presetClass="entr" presetSubtype="4" fill="hold" grpId="0" nodeType="clickEffect">
+                                  <p:stCondLst>
+                                    <p:cond delay="0"/>
+                                  </p:stCondLst>
+                                  <p:childTnLst>
+                                    <p:set>
+                                      <p:cBhvr>
+                                        <p:cTn id="6" dur="1" fill="hold">
+                                          <p:stCondLst>
+                                            <p:cond delay="0"/>
+                                          </p:stCondLst>
+                                        </p:cTn>
+                                        <p:tgtEl>
+                                          <p:spTgt spid="15"/>
+                                        </p:tgtEl>
+                                        <p:attrNameLst>
+                                          <p:attrName>style.visibility</p:attrName>
+                                        </p:attrNameLst>
+                                      </p:cBhvr>
+                                      <p:to>
+                                        <p:strVal val="visible"/>
+                                      </p:to>
+                                    </p:set>
+                                    <p:anim calcmode="lin" valueType="num">
+                                      <p:cBhvr additive="base">
+                                        <p:cTn id="7" dur="500" fill="hold"/>
+                                        <p:tgtEl>
+                                          <p:spTgt spid="15"/>
+                                        </p:tgtEl>
+                                        <p:attrNameLst>
+                                          <p:attrName>ppt_x</p:attrName>
+                                        </p:attrNameLst>
+                                      </p:cBhvr>
+                                      <p:tavLst>
+                                        <p:tav tm="0">
+                                          <p:val>
+                                            <p:strVal val="#ppt_x"/>
+                                          </p:val>
+                                        </p:tav>
+                                        <p:tav tm="100000">
+                                          <p:val>
+                                            <p:strVal val="#ppt_x"/>
+                                          </p:val>
+                                        </p:tav>
+                                      </p:tavLst>
+                                    </p:anim>
+                                    <p:anim calcmode="lin" valueType="num">
+                                      <p:cBhvr additive="base">
+                                        <p:cTn id="8" dur="500" fill="hold"/>
+                                        <p:tgtEl>
+                                          <p:spTgt spid="15"/>
+                                        </p:tgtEl>
+                                        <p:attrNameLst>
+                                          <p:attrName>ppt_y</p:attrName>
+                                        </p:attrNameLst>
+                                      </p:cBhvr>
+                                      <p:tavLst>
+                                        <p:tav tm="0">
+                                          <p:val>
+                                            <p:strVal val="1+#ppt_h/2"/>
+                                          </p:val>
+                                        </p:tav>
+                                        <p:tav tm="100000">
+                                          <p:val>
+                                            <p:strVal val="#ppt_y"/>
+                                          </p:val>
+                                        </p:tav>
+                                      </p:tavLst>
+                                    </p:anim>
+                                  </p:childTnLst>
+                                </p:cTn>
+                              </p:par>
+                            </p:childTnLst>
+                          </p:cTn>
+                        </p:par>
+                      </p:childTnLst>
+                    </p:cTn>
+                  </p:par>
+                  <p:par>
+                    <p:cTn id="9" fill="hold">
+                      <p:stCondLst>
+                        <p:cond delay="indefinite"/>
+                      </p:stCondLst>
+                      <p:childTnLst>
+                        <p:par>
+                          <p:cTn id="10" fill="hold">
+                            <p:stCondLst>
+                              <p:cond delay="0"/>
+                            </p:stCondLst>
+                            <p:childTnLst>
+                              <p:par>
+                                <p:cTn id="11" presetID="2" presetClass="entr" presetSubtype="4" fill="hold" grpId="0" nodeType="clickEffect">
+                                  <p:stCondLst>
+                                    <p:cond delay="0"/>
+                                  </p:stCondLst>
+                                  <p:childTnLst>
+                                    <p:set>
+                                      <p:cBhvr>
+                                        <p:cTn id="12" dur="1" fill="hold">
+                                          <p:stCondLst>
+                                            <p:cond delay="0"/>
+                                          </p:stCondLst>
+                                        </p:cTn>
+                                        <p:tgtEl>
+                                          <p:spTgt spid="8"/>
+                                        </p:tgtEl>
+                                        <p:attrNameLst>
+                                          <p:attrName>style.visibility</p:attrName>
+                                        </p:attrNameLst>
+                                      </p:cBhvr>
+                                      <p:to>
+                                        <p:strVal val="visible"/>
+                                      </p:to>
+                                    </p:set>
+                                    <p:anim calcmode="lin" valueType="num">
+                                      <p:cBhvr additive="base">
+                                        <p:cTn id="13" dur="500" fill="hold"/>
+                                        <p:tgtEl>
+                                          <p:spTgt spid="8"/>
+                                        </p:tgtEl>
+                                        <p:attrNameLst>
+                                          <p:attrName>ppt_x</p:attrName>
+                                        </p:attrNameLst>
+                                      </p:cBhvr>
+                                      <p:tavLst>
+                                        <p:tav tm="0">
+                                          <p:val>
+                                            <p:strVal val="#ppt_x"/>
+                                          </p:val>
+                                        </p:tav>
+                                        <p:tav tm="100000">
+                                          <p:val>
+                                            <p:strVal val="#ppt_x"/>
+                                          </p:val>
+                                        </p:tav>
+                                      </p:tavLst>
+                                    </p:anim>
+                                    <p:anim calcmode="lin" valueType="num">
+                                      <p:cBhvr additive="base">
+                                        <p:cTn id="14" dur="500" fill="hold"/>
+                                        <p:tgtEl>
+                                          <p:spTgt spid="8"/>
+                                        </p:tgtEl>
+                                        <p:attrNameLst>
+                                          <p:attrName>ppt_y</p:attrName>
+                                        </p:attrNameLst>
+                                      </p:cBhvr>
+                                      <p:tavLst>
+                                        <p:tav tm="0">
+                                          <p:val>
+                                            <p:strVal val="1+#ppt_h/2"/>
+                                          </p:val>
+                                        </p:tav>
+                                        <p:tav tm="100000">
+                                          <p:val>
+                                            <p:strVal val="#ppt_y"/>
+                                          </p:val>
+                                        </p:tav>
+                                      </p:tavLst>
+                                    </p:anim>
+                                  </p:childTnLst>
+                                </p:cTn>
+                              </p:par>
+                            </p:childTnLst>
+                          </p:cTn>
+                        </p:par>
+                      </p:childTnLst>
+                    </p:cTn>
+                  </p:par>
+                </p:childTnLst>
+              </p:cTn>
+              <p:prevCondLst>
+                <p:cond evt="onPrev" delay="0">
+                  <p:tgtEl>
+                    <p:sldTgt/>
+                  </p:tgtEl>
+                </p:cond>
+              </p:prevCondLst>
+              <p:nextCondLst>
+                <p:cond evt="onNext" delay="0">
+                  <p:tgtEl>
+                    <p:sldTgt/>
+                  </p:tgtEl>
+                </p:cond>
+              </p:nextCondLst>
+            </p:seq>
+          </p:childTnLst>
+        </p:cTn>
+      </p:par>
+    </p:tnLst>
+    <p:bldLst>
+      <p:bldP spid="15" grpId="0"/>
+      <p:bldP spid="8" grpId="0"/>
+    </p:bldLst>
+  </p:timing>
+</p:sld>
+</file>
+
 <file path=ppt/slides/slide2.xml><?xml version="1.0" encoding="utf-8"?>
 <p:sld xmlns:a="http://schemas.openxmlformats.org/drawingml/2006/main" xmlns:r="http://schemas.openxmlformats.org/officeDocument/2006/relationships" xmlns:p="http://schemas.openxmlformats.org/presentationml/2006/main">
   <p:cSld>
@@ -8200,7 +9079,15 @@
                 <a:ea typeface="微软雅黑" charset="0"/>
                 <a:cs typeface="微软雅黑" charset="0"/>
               </a:rPr>
-              <a:t>开源的</a:t>
+              <a:t>开源</a:t>
+            </a:r>
+            <a:r>
+              <a:rPr lang="zh-CN" altLang="en-US" dirty="0">
+                <a:latin typeface="微软雅黑" charset="0"/>
+                <a:ea typeface="微软雅黑" charset="0"/>
+                <a:cs typeface="微软雅黑" charset="0"/>
+              </a:rPr>
+              <a:t>的</a:t>
             </a:r>
             <a:r>
               <a:rPr lang="zh-CN" altLang="en-US" b="1" dirty="0">
@@ -8215,6 +9102,14 @@
             </a:r>
             <a:r>
               <a:rPr lang="zh-CN" altLang="en-US" dirty="0">
+                <a:latin typeface="微软雅黑" charset="0"/>
+                <a:ea typeface="微软雅黑" charset="0"/>
+                <a:cs typeface="微软雅黑" charset="0"/>
+              </a:rPr>
+              <a:t>版本</a:t>
+            </a:r>
+            <a:r>
+              <a:rPr lang="zh-CN" altLang="en-US" dirty="0">
                 <a:solidFill>
                   <a:srgbClr val="212121"/>
                 </a:solidFill>
@@ -8222,7 +9117,28 @@
                 <a:ea typeface="微软雅黑" charset="0"/>
                 <a:cs typeface="微软雅黑" charset="0"/>
               </a:rPr>
-              <a:t>控制系统，它可以有效的处理从很小到非常大的项目的管理。</a:t>
+              <a:t>控制系统，</a:t>
+            </a:r>
+            <a:r>
+              <a:rPr lang="zh-CN" altLang="en-US" dirty="0">
+                <a:solidFill>
+                  <a:srgbClr val="212121"/>
+                </a:solidFill>
+                <a:latin typeface="微软雅黑" charset="0"/>
+                <a:ea typeface="微软雅黑" charset="0"/>
+              </a:rPr>
+              <a:t>快速，高效地处理从小型到大型项目的所有事物</a:t>
+            </a:r>
+            <a:r>
+              <a:rPr lang="zh-CN" altLang="en-US" dirty="0">
+                <a:solidFill>
+                  <a:srgbClr val="212121"/>
+                </a:solidFill>
+                <a:latin typeface="微软雅黑" charset="0"/>
+                <a:ea typeface="微软雅黑" charset="0"/>
+                <a:cs typeface="微软雅黑" charset="0"/>
+              </a:rPr>
+              <a:t>管理。</a:t>
             </a:r>
             <a:endParaRPr lang="en-US" altLang="zh-CN" dirty="0">
               <a:solidFill>
@@ -9192,7 +10108,7 @@
                 <a:latin typeface="微软雅黑" panose="020B0503020204020204" pitchFamily="34" charset="-122"/>
                 <a:ea typeface="微软雅黑" panose="020B0503020204020204" pitchFamily="34" charset="-122"/>
               </a:rPr>
-              <a:t>git可离线完成大部分操作,svn则不能。</a:t>
+              <a:t>git可离线完成大部分操作，svn则不能。</a:t>
             </a:r>
             <a:endParaRPr lang="en-US" altLang="zh-CN" dirty="0">
               <a:latin typeface="微软雅黑" panose="020B0503020204020204" pitchFamily="34" charset="-122"/>
@@ -9945,615 +10861,52 @@
           <a:chExt cx="0" cy="0"/>
         </a:xfrm>
       </p:grpSpPr>
-      <p:sp>
-        <p:nvSpPr>
-          <p:cNvPr id="15" name="矩形"/>
-          <p:cNvSpPr>
-            <a:spLocks/>
-          </p:cNvSpPr>
+      <p:pic>
+        <p:nvPicPr>
+          <p:cNvPr id="5" name="图片 4">
+            <a:extLst>
+              <a:ext uri="{FF2B5EF4-FFF2-40B4-BE49-F238E27FC236}">
+                <a16:creationId xmlns:a16="http://schemas.microsoft.com/office/drawing/2014/main" id="{DC41C750-5204-4DCE-9F41-69E29BA52849}"/>
+              </a:ext>
+            </a:extLst>
+          </p:cNvPr>
+          <p:cNvPicPr>
+            <a:picLocks noChangeAspect="1"/>
+          </p:cNvPicPr>
           <p:nvPr/>
-        </p:nvSpPr>
+        </p:nvPicPr>
+        <p:blipFill>
+          <a:blip r:embed="rId3">
+            <a:extLst>
+              <a:ext uri="{28A0092B-C50C-407E-A947-70E740481C1C}">
+                <a14:useLocalDpi xmlns:a14="http://schemas.microsoft.com/office/drawing/2010/main" val="0"/>
+              </a:ext>
+            </a:extLst>
+          </a:blip>
+          <a:stretch>
+            <a:fillRect/>
+          </a:stretch>
+        </p:blipFill>
         <p:spPr>
           <a:xfrm>
-            <a:off x="578721" y="1281884"/>
-            <a:ext cx="8565279" cy="1015663"/>
+            <a:off x="611560" y="987574"/>
+            <a:ext cx="7381875" cy="3686175"/>
           </a:xfrm>
           <a:prstGeom prst="rect">
             <a:avLst/>
           </a:prstGeom>
-          <a:noFill/>
-          <a:ln w="9525" cap="flat" cmpd="sng">
-            <a:noFill/>
-            <a:prstDash val="solid"/>
-            <a:miter/>
-          </a:ln>
         </p:spPr>
-        <p:txBody>
-          <a:bodyPr vert="horz" wrap="square" lIns="91440" tIns="45720" rIns="91440" bIns="45720" anchor="ctr" anchorCtr="0">
-            <a:prstTxWarp prst="textNoShape">
-              <a:avLst/>
-            </a:prstTxWarp>
-            <a:spAutoFit/>
-          </a:bodyPr>
-          <a:lstStyle/>
-          <a:p>
-            <a:pPr marL="800100" lvl="1" indent="-342900">
-              <a:buFont typeface="Wingdings" panose="05000000000000000000" pitchFamily="2" charset="2"/>
-              <a:buChar char="u"/>
-            </a:pPr>
-            <a:r>
-              <a:rPr lang="en-US" altLang="zh-CN" sz="2000" dirty="0">
-                <a:latin typeface="微软雅黑" charset="0"/>
-                <a:ea typeface="微软雅黑" charset="0"/>
-                <a:cs typeface="微软雅黑" charset="0"/>
-              </a:rPr>
-              <a:t>Windows</a:t>
-            </a:r>
-            <a:r>
-              <a:rPr lang="zh-CN" altLang="en-US" sz="2000" dirty="0">
-                <a:latin typeface="微软雅黑" charset="0"/>
-                <a:ea typeface="微软雅黑" charset="0"/>
-                <a:cs typeface="微软雅黑" charset="0"/>
-              </a:rPr>
-              <a:t>安装参考链接：</a:t>
-            </a:r>
-            <a:endParaRPr lang="en-US" altLang="zh-CN" sz="2000" dirty="0">
-              <a:latin typeface="微软雅黑" charset="0"/>
-              <a:ea typeface="微软雅黑" charset="0"/>
-              <a:cs typeface="微软雅黑" charset="0"/>
-            </a:endParaRPr>
-          </a:p>
-          <a:p>
-            <a:pPr lvl="1"/>
-            <a:endParaRPr lang="en-US" altLang="zh-CN" sz="2000" dirty="0">
-              <a:latin typeface="微软雅黑" charset="0"/>
-              <a:ea typeface="微软雅黑" charset="0"/>
-              <a:cs typeface="微软雅黑" charset="0"/>
-            </a:endParaRPr>
-          </a:p>
-          <a:p>
-            <a:pPr lvl="1"/>
-            <a:r>
-              <a:rPr lang="en-US" altLang="zh-CN" sz="2000" dirty="0">
-                <a:latin typeface="微软雅黑" charset="0"/>
-                <a:ea typeface="微软雅黑" charset="0"/>
-                <a:cs typeface="微软雅黑" charset="0"/>
-              </a:rPr>
-              <a:t>	</a:t>
-            </a:r>
-            <a:r>
-              <a:rPr lang="en-US" altLang="zh-CN" sz="1600" dirty="0">
-                <a:latin typeface="微软雅黑" charset="0"/>
-                <a:ea typeface="微软雅黑" charset="0"/>
-                <a:cs typeface="微软雅黑" charset="0"/>
-              </a:rPr>
-              <a:t>https://segmentfault.com/a/1190000011809698</a:t>
-            </a:r>
-            <a:endParaRPr lang="zh-CN" altLang="en-US" sz="1600" u="none" strike="noStrike" kern="1200" cap="none" spc="0" baseline="0" dirty="0">
-              <a:latin typeface="微软雅黑" charset="0"/>
-              <a:ea typeface="微软雅黑" charset="0"/>
-              <a:cs typeface="微软雅黑" charset="0"/>
-            </a:endParaRPr>
-          </a:p>
-        </p:txBody>
-      </p:sp>
-      <p:sp>
-        <p:nvSpPr>
-          <p:cNvPr id="17" name="矩形"/>
-          <p:cNvSpPr>
-            <a:spLocks/>
-          </p:cNvSpPr>
-          <p:nvPr/>
-        </p:nvSpPr>
-        <p:spPr>
-          <a:xfrm>
-            <a:off x="3811215" y="412416"/>
-            <a:ext cx="1521570" cy="553998"/>
-          </a:xfrm>
-          <a:prstGeom prst="rect">
-            <a:avLst/>
-          </a:prstGeom>
-          <a:noFill/>
-          <a:ln w="9525" cap="flat" cmpd="sng">
-            <a:noFill/>
-            <a:prstDash val="solid"/>
-            <a:miter/>
-          </a:ln>
-        </p:spPr>
-        <p:txBody>
-          <a:bodyPr vert="horz" wrap="none" lIns="91440" tIns="45720" rIns="91440" bIns="45720" anchor="t" anchorCtr="0">
-            <a:prstTxWarp prst="textNoShape">
-              <a:avLst/>
-            </a:prstTxWarp>
-            <a:spAutoFit/>
-          </a:bodyPr>
-          <a:lstStyle/>
-          <a:p>
-            <a:r>
-              <a:rPr lang="en-US" altLang="zh-CN" sz="3000" b="1" kern="0" dirty="0">
-                <a:solidFill>
-                  <a:srgbClr val="C9394A"/>
-                </a:solidFill>
-                <a:latin typeface="微软雅黑" charset="0"/>
-                <a:ea typeface="微软雅黑" charset="0"/>
-                <a:cs typeface="微软雅黑" charset="0"/>
-                <a:sym typeface="Calibri" pitchFamily="34" charset="0"/>
-              </a:rPr>
-              <a:t>Git</a:t>
-            </a:r>
-            <a:r>
-              <a:rPr lang="zh-CN" altLang="en-US" sz="3000" b="1" kern="0" dirty="0">
-                <a:solidFill>
-                  <a:srgbClr val="C9394A"/>
-                </a:solidFill>
-                <a:latin typeface="微软雅黑" charset="0"/>
-                <a:ea typeface="微软雅黑" charset="0"/>
-                <a:cs typeface="微软雅黑" charset="0"/>
-                <a:sym typeface="Calibri" pitchFamily="34" charset="0"/>
-              </a:rPr>
-              <a:t>安装</a:t>
-            </a:r>
-            <a:endParaRPr lang="zh-CN" altLang="en-US" u="none" strike="noStrike" kern="1200" cap="none" spc="0" baseline="0" dirty="0">
-              <a:solidFill>
-                <a:schemeClr val="tx1"/>
-              </a:solidFill>
-              <a:latin typeface="Calibri" pitchFamily="34" charset="0"/>
-              <a:ea typeface="宋体" pitchFamily="2" charset="-122"/>
-              <a:cs typeface="微软雅黑" charset="0"/>
-            </a:endParaRPr>
-          </a:p>
-        </p:txBody>
-      </p:sp>
-      <p:sp>
-        <p:nvSpPr>
-          <p:cNvPr id="8" name="矩形">
-            <a:extLst>
-              <a:ext uri="{FF2B5EF4-FFF2-40B4-BE49-F238E27FC236}">
-                <a16:creationId xmlns:a16="http://schemas.microsoft.com/office/drawing/2014/main" id="{F566A662-EE41-4270-884D-D6CD57CB2DF2}"/>
-              </a:ext>
-            </a:extLst>
-          </p:cNvPr>
-          <p:cNvSpPr>
-            <a:spLocks/>
-          </p:cNvSpPr>
-          <p:nvPr/>
-        </p:nvSpPr>
-        <p:spPr>
-          <a:xfrm>
-            <a:off x="605683" y="2492011"/>
-            <a:ext cx="8565279" cy="707886"/>
-          </a:xfrm>
-          <a:prstGeom prst="rect">
-            <a:avLst/>
-          </a:prstGeom>
-          <a:noFill/>
-          <a:ln w="9525" cap="flat" cmpd="sng">
-            <a:noFill/>
-            <a:prstDash val="solid"/>
-            <a:miter/>
-          </a:ln>
-        </p:spPr>
-        <p:txBody>
-          <a:bodyPr vert="horz" wrap="square" lIns="91440" tIns="45720" rIns="91440" bIns="45720" anchor="ctr" anchorCtr="0">
-            <a:prstTxWarp prst="textNoShape">
-              <a:avLst/>
-            </a:prstTxWarp>
-            <a:spAutoFit/>
-          </a:bodyPr>
-          <a:lstStyle/>
-          <a:p>
-            <a:pPr marL="800100" lvl="1" indent="-342900">
-              <a:buFont typeface="Wingdings" panose="05000000000000000000" pitchFamily="2" charset="2"/>
-              <a:buChar char="u"/>
-            </a:pPr>
-            <a:r>
-              <a:rPr lang="zh-CN" altLang="en-US" sz="2000" u="none" strike="noStrike" kern="1200" cap="none" spc="0" baseline="0" dirty="0">
-                <a:solidFill>
-                  <a:srgbClr val="212121"/>
-                </a:solidFill>
-                <a:latin typeface="微软雅黑" charset="0"/>
-                <a:ea typeface="微软雅黑" charset="0"/>
-                <a:cs typeface="微软雅黑" charset="0"/>
-                <a:sym typeface="Calibri" pitchFamily="34" charset="0"/>
-              </a:rPr>
-              <a:t>全局配置用户信息</a:t>
-            </a:r>
-            <a:r>
-              <a:rPr lang="zh-CN" altLang="en-US" sz="2000" u="none" strike="noStrike" kern="1200" cap="none" spc="0" baseline="0" dirty="0">
-                <a:solidFill>
-                  <a:srgbClr val="474747"/>
-                </a:solidFill>
-                <a:latin typeface="微软雅黑" charset="0"/>
-                <a:ea typeface="微软雅黑" charset="0"/>
-                <a:cs typeface="微软雅黑" charset="0"/>
-                <a:sym typeface="Calibri" pitchFamily="34" charset="0"/>
-              </a:rPr>
-              <a:t>：</a:t>
-            </a:r>
-            <a:endParaRPr lang="en-US" altLang="zh-CN" sz="2000" u="none" strike="noStrike" kern="1200" cap="none" spc="0" baseline="0" dirty="0">
-              <a:solidFill>
-                <a:srgbClr val="474747"/>
-              </a:solidFill>
-              <a:latin typeface="微软雅黑" charset="0"/>
-              <a:ea typeface="微软雅黑" charset="0"/>
-              <a:cs typeface="微软雅黑" charset="0"/>
-              <a:sym typeface="Calibri" pitchFamily="34" charset="0"/>
-            </a:endParaRPr>
-          </a:p>
-          <a:p>
-            <a:pPr lvl="1"/>
-            <a:endParaRPr lang="zh-CN" altLang="en-US" sz="2000" u="none" strike="noStrike" kern="1200" cap="none" spc="0" baseline="0" dirty="0">
-              <a:solidFill>
-                <a:srgbClr val="C9394A"/>
-              </a:solidFill>
-              <a:latin typeface="微软雅黑" charset="0"/>
-              <a:ea typeface="微软雅黑" charset="0"/>
-              <a:cs typeface="微软雅黑" charset="0"/>
-              <a:sym typeface="Calibri" pitchFamily="34" charset="0"/>
-            </a:endParaRPr>
-          </a:p>
-        </p:txBody>
-      </p:sp>
-      <p:sp>
-        <p:nvSpPr>
-          <p:cNvPr id="3" name="文本框 2">
-            <a:extLst>
-              <a:ext uri="{FF2B5EF4-FFF2-40B4-BE49-F238E27FC236}">
-                <a16:creationId xmlns:a16="http://schemas.microsoft.com/office/drawing/2014/main" id="{F6F64CF9-0A4F-43B1-AD4E-4213670D3B49}"/>
-              </a:ext>
-            </a:extLst>
-          </p:cNvPr>
-          <p:cNvSpPr txBox="1"/>
-          <p:nvPr/>
-        </p:nvSpPr>
-        <p:spPr>
-          <a:xfrm>
-            <a:off x="1547664" y="3122952"/>
-            <a:ext cx="5400600" cy="1477328"/>
-          </a:xfrm>
-          <a:prstGeom prst="rect">
-            <a:avLst/>
-          </a:prstGeom>
-          <a:noFill/>
-        </p:spPr>
-        <p:txBody>
-          <a:bodyPr wrap="square" rtlCol="0">
-            <a:spAutoFit/>
-          </a:bodyPr>
-          <a:lstStyle/>
-          <a:p>
-            <a:r>
-              <a:rPr lang="en-US" altLang="zh-CN" dirty="0"/>
-              <a:t>git config </a:t>
-            </a:r>
-            <a:r>
-              <a:rPr lang="en-US" altLang="zh-CN" b="1" dirty="0">
-                <a:solidFill>
-                  <a:srgbClr val="C9394A"/>
-                </a:solidFill>
-              </a:rPr>
-              <a:t>--global</a:t>
-            </a:r>
-            <a:r>
-              <a:rPr lang="en-US" altLang="zh-CN" dirty="0">
-                <a:solidFill>
-                  <a:srgbClr val="C9394A"/>
-                </a:solidFill>
-              </a:rPr>
-              <a:t> </a:t>
-            </a:r>
-            <a:r>
-              <a:rPr lang="en-US" altLang="zh-CN" dirty="0"/>
-              <a:t>user.name</a:t>
-            </a:r>
-            <a:r>
-              <a:rPr lang="zh-CN" altLang="en-US" dirty="0"/>
-              <a:t>  </a:t>
-            </a:r>
-            <a:r>
-              <a:rPr lang="en-US" altLang="zh-CN" dirty="0"/>
-              <a:t>xxx</a:t>
-            </a:r>
-            <a:r>
-              <a:rPr lang="en-US" altLang="zh-CN" sz="1400" dirty="0"/>
-              <a:t>(</a:t>
-            </a:r>
-            <a:r>
-              <a:rPr lang="zh-CN" altLang="en-US" sz="1400" dirty="0"/>
-              <a:t>用户名</a:t>
-            </a:r>
-            <a:r>
-              <a:rPr lang="en-US" altLang="zh-CN" sz="1400" dirty="0"/>
-              <a:t>)</a:t>
-            </a:r>
-          </a:p>
-          <a:p>
-            <a:endParaRPr lang="en-US" altLang="zh-CN" dirty="0"/>
-          </a:p>
-          <a:p>
-            <a:r>
-              <a:rPr lang="en-US" altLang="zh-CN" dirty="0"/>
-              <a:t>git config </a:t>
-            </a:r>
-            <a:r>
-              <a:rPr lang="en-US" altLang="zh-CN" b="1" dirty="0">
-                <a:solidFill>
-                  <a:srgbClr val="C9394A"/>
-                </a:solidFill>
-              </a:rPr>
-              <a:t>--global </a:t>
-            </a:r>
-            <a:r>
-              <a:rPr lang="en-US" altLang="zh-CN" dirty="0" err="1"/>
-              <a:t>user.email</a:t>
-            </a:r>
-            <a:r>
-              <a:rPr lang="en-US" altLang="zh-CN" dirty="0"/>
-              <a:t>  </a:t>
-            </a:r>
-            <a:r>
-              <a:rPr lang="en-US" altLang="zh-CN" dirty="0" err="1"/>
-              <a:t>xxxx</a:t>
-            </a:r>
-            <a:r>
-              <a:rPr lang="en-US" altLang="zh-CN" sz="1400" dirty="0"/>
-              <a:t>(</a:t>
-            </a:r>
-            <a:r>
-              <a:rPr lang="zh-CN" altLang="en-US" sz="1400" dirty="0"/>
-              <a:t>邮箱地址</a:t>
-            </a:r>
-            <a:r>
-              <a:rPr lang="en-US" altLang="zh-CN" sz="1400" dirty="0"/>
-              <a:t>)</a:t>
-            </a:r>
-          </a:p>
-          <a:p>
-            <a:endParaRPr lang="en-US" altLang="zh-CN" dirty="0"/>
-          </a:p>
-          <a:p>
-            <a:r>
-              <a:rPr lang="en-US" altLang="zh-CN" dirty="0"/>
-              <a:t>git config --list   </a:t>
-            </a:r>
-            <a:r>
-              <a:rPr lang="zh-CN" altLang="en-US" sz="1400" dirty="0"/>
-              <a:t>查看全局的配置</a:t>
-            </a:r>
-            <a:r>
-              <a:rPr lang="en-US" altLang="zh-CN" sz="1400" dirty="0"/>
-              <a:t>   </a:t>
-            </a:r>
-            <a:endParaRPr lang="zh-CN" altLang="en-US" sz="1400" dirty="0"/>
-          </a:p>
-        </p:txBody>
-      </p:sp>
+      </p:pic>
     </p:spTree>
     <p:extLst>
       <p:ext uri="{BB962C8B-B14F-4D97-AF65-F5344CB8AC3E}">
-        <p14:creationId xmlns:p14="http://schemas.microsoft.com/office/powerpoint/2010/main" val="3017371092"/>
+        <p14:creationId xmlns:p14="http://schemas.microsoft.com/office/powerpoint/2010/main" val="2620031803"/>
       </p:ext>
     </p:extLst>
   </p:cSld>
   <p:clrMapOvr>
     <a:masterClrMapping/>
   </p:clrMapOvr>
-  <p:timing>
-    <p:tnLst>
-      <p:par>
-        <p:cTn id="1" dur="indefinite" restart="never" nodeType="tmRoot">
-          <p:childTnLst>
-            <p:seq concurrent="1" nextAc="seek">
-              <p:cTn id="2" dur="indefinite" nodeType="mainSeq">
-                <p:childTnLst>
-                  <p:par>
-                    <p:cTn id="3" fill="hold">
-                      <p:stCondLst>
-                        <p:cond delay="indefinite"/>
-                      </p:stCondLst>
-                      <p:childTnLst>
-                        <p:par>
-                          <p:cTn id="4" fill="hold">
-                            <p:stCondLst>
-                              <p:cond delay="0"/>
-                            </p:stCondLst>
-                            <p:childTnLst>
-                              <p:par>
-                                <p:cTn id="5" presetID="2" presetClass="entr" presetSubtype="4" fill="hold" grpId="0" nodeType="clickEffect">
-                                  <p:stCondLst>
-                                    <p:cond delay="0"/>
-                                  </p:stCondLst>
-                                  <p:childTnLst>
-                                    <p:set>
-                                      <p:cBhvr>
-                                        <p:cTn id="6" dur="1" fill="hold">
-                                          <p:stCondLst>
-                                            <p:cond delay="0"/>
-                                          </p:stCondLst>
-                                        </p:cTn>
-                                        <p:tgtEl>
-                                          <p:spTgt spid="15"/>
-                                        </p:tgtEl>
-                                        <p:attrNameLst>
-                                          <p:attrName>style.visibility</p:attrName>
-                                        </p:attrNameLst>
-                                      </p:cBhvr>
-                                      <p:to>
-                                        <p:strVal val="visible"/>
-                                      </p:to>
-                                    </p:set>
-                                    <p:anim calcmode="lin" valueType="num">
-                                      <p:cBhvr additive="base">
-                                        <p:cTn id="7" dur="500" fill="hold"/>
-                                        <p:tgtEl>
-                                          <p:spTgt spid="15"/>
-                                        </p:tgtEl>
-                                        <p:attrNameLst>
-                                          <p:attrName>ppt_x</p:attrName>
-                                        </p:attrNameLst>
-                                      </p:cBhvr>
-                                      <p:tavLst>
-                                        <p:tav tm="0">
-                                          <p:val>
-                                            <p:strVal val="#ppt_x"/>
-                                          </p:val>
-                                        </p:tav>
-                                        <p:tav tm="100000">
-                                          <p:val>
-                                            <p:strVal val="#ppt_x"/>
-                                          </p:val>
-                                        </p:tav>
-                                      </p:tavLst>
-                                    </p:anim>
-                                    <p:anim calcmode="lin" valueType="num">
-                                      <p:cBhvr additive="base">
-                                        <p:cTn id="8" dur="500" fill="hold"/>
-                                        <p:tgtEl>
-                                          <p:spTgt spid="15"/>
-                                        </p:tgtEl>
-                                        <p:attrNameLst>
-                                          <p:attrName>ppt_y</p:attrName>
-                                        </p:attrNameLst>
-                                      </p:cBhvr>
-                                      <p:tavLst>
-                                        <p:tav tm="0">
-                                          <p:val>
-                                            <p:strVal val="1+#ppt_h/2"/>
-                                          </p:val>
-                                        </p:tav>
-                                        <p:tav tm="100000">
-                                          <p:val>
-                                            <p:strVal val="#ppt_y"/>
-                                          </p:val>
-                                        </p:tav>
-                                      </p:tavLst>
-                                    </p:anim>
-                                  </p:childTnLst>
-                                </p:cTn>
-                              </p:par>
-                            </p:childTnLst>
-                          </p:cTn>
-                        </p:par>
-                      </p:childTnLst>
-                    </p:cTn>
-                  </p:par>
-                  <p:par>
-                    <p:cTn id="9" fill="hold">
-                      <p:stCondLst>
-                        <p:cond delay="indefinite"/>
-                      </p:stCondLst>
-                      <p:childTnLst>
-                        <p:par>
-                          <p:cTn id="10" fill="hold">
-                            <p:stCondLst>
-                              <p:cond delay="0"/>
-                            </p:stCondLst>
-                            <p:childTnLst>
-                              <p:par>
-                                <p:cTn id="11" presetID="2" presetClass="entr" presetSubtype="4" fill="hold" grpId="0" nodeType="clickEffect">
-                                  <p:stCondLst>
-                                    <p:cond delay="0"/>
-                                  </p:stCondLst>
-                                  <p:childTnLst>
-                                    <p:set>
-                                      <p:cBhvr>
-                                        <p:cTn id="12" dur="1" fill="hold">
-                                          <p:stCondLst>
-                                            <p:cond delay="0"/>
-                                          </p:stCondLst>
-                                        </p:cTn>
-                                        <p:tgtEl>
-                                          <p:spTgt spid="8"/>
-                                        </p:tgtEl>
-                                        <p:attrNameLst>
-                                          <p:attrName>style.visibility</p:attrName>
-                                        </p:attrNameLst>
-                                      </p:cBhvr>
-                                      <p:to>
-                                        <p:strVal val="visible"/>
-                                      </p:to>
-                                    </p:set>
-                                    <p:anim calcmode="lin" valueType="num">
-                                      <p:cBhvr additive="base">
-                                        <p:cTn id="13" dur="500" fill="hold"/>
-                                        <p:tgtEl>
-                                          <p:spTgt spid="8"/>
-                                        </p:tgtEl>
-                                        <p:attrNameLst>
-                                          <p:attrName>ppt_x</p:attrName>
-                                        </p:attrNameLst>
-                                      </p:cBhvr>
-                                      <p:tavLst>
-                                        <p:tav tm="0">
-                                          <p:val>
-                                            <p:strVal val="#ppt_x"/>
-                                          </p:val>
-                                        </p:tav>
-                                        <p:tav tm="100000">
-                                          <p:val>
-                                            <p:strVal val="#ppt_x"/>
-                                          </p:val>
-                                        </p:tav>
-                                      </p:tavLst>
-                                    </p:anim>
-                                    <p:anim calcmode="lin" valueType="num">
-                                      <p:cBhvr additive="base">
-                                        <p:cTn id="14" dur="500" fill="hold"/>
-                                        <p:tgtEl>
-                                          <p:spTgt spid="8"/>
-                                        </p:tgtEl>
-                                        <p:attrNameLst>
-                                          <p:attrName>ppt_y</p:attrName>
-                                        </p:attrNameLst>
-                                      </p:cBhvr>
-                                      <p:tavLst>
-                                        <p:tav tm="0">
-                                          <p:val>
-                                            <p:strVal val="1+#ppt_h/2"/>
-                                          </p:val>
-                                        </p:tav>
-                                        <p:tav tm="100000">
-                                          <p:val>
-                                            <p:strVal val="#ppt_y"/>
-                                          </p:val>
-                                        </p:tav>
-                                      </p:tavLst>
-                                    </p:anim>
-                                  </p:childTnLst>
-                                </p:cTn>
-                              </p:par>
-                            </p:childTnLst>
-                          </p:cTn>
-                        </p:par>
-                      </p:childTnLst>
-                    </p:cTn>
-                  </p:par>
-                </p:childTnLst>
-              </p:cTn>
-              <p:prevCondLst>
-                <p:cond evt="onPrev" delay="0">
-                  <p:tgtEl>
-                    <p:sldTgt/>
-                  </p:tgtEl>
-                </p:cond>
-              </p:prevCondLst>
-              <p:nextCondLst>
-                <p:cond evt="onNext" delay="0">
-                  <p:tgtEl>
-                    <p:sldTgt/>
-                  </p:tgtEl>
-                </p:cond>
-              </p:nextCondLst>
-            </p:seq>
-          </p:childTnLst>
-        </p:cTn>
-      </p:par>
-    </p:tnLst>
-    <p:bldLst>
-      <p:bldP spid="15" grpId="0"/>
-      <p:bldP spid="8" grpId="0"/>
-    </p:bldLst>
-  </p:timing>
 </p:sld>
 </file>
 

--- a/git.pptx
+++ b/git.pptx
@@ -16,10 +16,10 @@
     <p:sldId id="300" r:id="rId7"/>
     <p:sldId id="301" r:id="rId8"/>
     <p:sldId id="302" r:id="rId9"/>
-    <p:sldId id="281" r:id="rId10"/>
-    <p:sldId id="305" r:id="rId11"/>
-    <p:sldId id="306" r:id="rId12"/>
-    <p:sldId id="304" r:id="rId13"/>
+    <p:sldId id="307" r:id="rId10"/>
+    <p:sldId id="281" r:id="rId11"/>
+    <p:sldId id="305" r:id="rId12"/>
+    <p:sldId id="306" r:id="rId13"/>
   </p:sldIdLst>
   <p:sldSz cx="9144000" cy="5143500" type="screen16x9"/>
   <p:notesSz cx="6858000" cy="9144000"/>
@@ -346,7 +346,7 @@
                 <a:cs typeface="Calibri" pitchFamily="34" charset="0"/>
               </a:rPr>
               <a:pPr algn="r"/>
-              <a:t>2018/12/22</a:t>
+              <a:t>2018/12/26</a:t>
             </a:fld>
             <a:endParaRPr lang="zh-CN" altLang="en-US" sz="1200">
               <a:latin typeface="Calibri" pitchFamily="34" charset="0"/>
@@ -870,7 +870,7 @@
                 <a:cs typeface="Calibri" pitchFamily="34" charset="0"/>
               </a:rPr>
               <a:pPr algn="r"/>
-              <a:t>2018/12/22</a:t>
+              <a:t>2018/12/26</a:t>
             </a:fld>
             <a:endParaRPr lang="zh-CN" altLang="en-US" sz="1200">
               <a:latin typeface="Calibri" pitchFamily="34" charset="0"/>
@@ -998,7 +998,7 @@
     </p:spTree>
     <p:extLst>
       <p:ext uri="{BB962C8B-B14F-4D97-AF65-F5344CB8AC3E}">
-        <p14:creationId xmlns:p14="http://schemas.microsoft.com/office/powerpoint/2010/main" val="2462946777"/>
+        <p14:creationId xmlns:p14="http://schemas.microsoft.com/office/powerpoint/2010/main" val="918650496"/>
       </p:ext>
     </p:extLst>
   </p:cSld>
@@ -1113,7 +1113,7 @@
     </p:spTree>
     <p:extLst>
       <p:ext uri="{BB962C8B-B14F-4D97-AF65-F5344CB8AC3E}">
-        <p14:creationId xmlns:p14="http://schemas.microsoft.com/office/powerpoint/2010/main" val="1190173291"/>
+        <p14:creationId xmlns:p14="http://schemas.microsoft.com/office/powerpoint/2010/main" val="2462946777"/>
       </p:ext>
     </p:extLst>
   </p:cSld>
@@ -2546,7 +2546,7 @@
     </p:spTree>
     <p:extLst>
       <p:ext uri="{BB962C8B-B14F-4D97-AF65-F5344CB8AC3E}">
-        <p14:creationId xmlns:p14="http://schemas.microsoft.com/office/powerpoint/2010/main" val="4024603821"/>
+        <p14:creationId xmlns:p14="http://schemas.microsoft.com/office/powerpoint/2010/main" val="1605021391"/>
       </p:ext>
     </p:extLst>
   </p:cSld>
@@ -2661,7 +2661,7 @@
     </p:spTree>
     <p:extLst>
       <p:ext uri="{BB962C8B-B14F-4D97-AF65-F5344CB8AC3E}">
-        <p14:creationId xmlns:p14="http://schemas.microsoft.com/office/powerpoint/2010/main" val="918650496"/>
+        <p14:creationId xmlns:p14="http://schemas.microsoft.com/office/powerpoint/2010/main" val="4024603821"/>
       </p:ext>
     </p:extLst>
   </p:cSld>
@@ -2797,7 +2797,7 @@
             <a:fld id="{72514870-5082-4025-BC8A-5E070B8EB77D}" type="datetimeFigureOut">
               <a:rPr lang="zh-CN" altLang="en-US" smtClean="0"/>
               <a:pPr/>
-              <a:t>2018/12/22</a:t>
+              <a:t>2018/12/26</a:t>
             </a:fld>
             <a:endParaRPr lang="zh-CN" altLang="en-US"/>
           </a:p>
@@ -2967,7 +2967,7 @@
             <a:fld id="{72514870-5082-4025-BC8A-5E070B8EB77D}" type="datetimeFigureOut">
               <a:rPr lang="zh-CN" altLang="en-US" smtClean="0"/>
               <a:pPr/>
-              <a:t>2018/12/22</a:t>
+              <a:t>2018/12/26</a:t>
             </a:fld>
             <a:endParaRPr lang="zh-CN" altLang="en-US"/>
           </a:p>
@@ -3147,7 +3147,7 @@
             <a:fld id="{72514870-5082-4025-BC8A-5E070B8EB77D}" type="datetimeFigureOut">
               <a:rPr lang="zh-CN" altLang="en-US" smtClean="0"/>
               <a:pPr/>
-              <a:t>2018/12/22</a:t>
+              <a:t>2018/12/26</a:t>
             </a:fld>
             <a:endParaRPr lang="zh-CN" altLang="en-US"/>
           </a:p>
@@ -3335,7 +3335,7 @@
             <a:fld id="{72514870-5082-4025-BC8A-5E070B8EB77D}" type="datetimeFigureOut">
               <a:rPr lang="zh-CN" altLang="en-US" smtClean="0"/>
               <a:pPr/>
-              <a:t>2018/12/22</a:t>
+              <a:t>2018/12/26</a:t>
             </a:fld>
             <a:endParaRPr lang="zh-CN" altLang="en-US"/>
           </a:p>
@@ -3505,7 +3505,7 @@
             <a:fld id="{72514870-5082-4025-BC8A-5E070B8EB77D}" type="datetimeFigureOut">
               <a:rPr lang="zh-CN" altLang="en-US" smtClean="0"/>
               <a:pPr/>
-              <a:t>2018/12/22</a:t>
+              <a:t>2018/12/26</a:t>
             </a:fld>
             <a:endParaRPr lang="zh-CN" altLang="en-US"/>
           </a:p>
@@ -3698,7 +3698,7 @@
             <a:fld id="{72514870-5082-4025-BC8A-5E070B8EB77D}" type="datetimeFigureOut">
               <a:rPr lang="zh-CN" altLang="en-US" smtClean="0"/>
               <a:pPr/>
-              <a:t>2018/12/22</a:t>
+              <a:t>2018/12/26</a:t>
             </a:fld>
             <a:endParaRPr lang="zh-CN" altLang="en-US"/>
           </a:p>
@@ -3985,7 +3985,7 @@
             <a:fld id="{72514870-5082-4025-BC8A-5E070B8EB77D}" type="datetimeFigureOut">
               <a:rPr lang="zh-CN" altLang="en-US" smtClean="0"/>
               <a:pPr/>
-              <a:t>2018/12/22</a:t>
+              <a:t>2018/12/26</a:t>
             </a:fld>
             <a:endParaRPr lang="zh-CN" altLang="en-US"/>
           </a:p>
@@ -4406,7 +4406,7 @@
             <a:fld id="{72514870-5082-4025-BC8A-5E070B8EB77D}" type="datetimeFigureOut">
               <a:rPr lang="zh-CN" altLang="en-US" smtClean="0"/>
               <a:pPr/>
-              <a:t>2018/12/22</a:t>
+              <a:t>2018/12/26</a:t>
             </a:fld>
             <a:endParaRPr lang="zh-CN" altLang="en-US"/>
           </a:p>
@@ -4525,7 +4525,7 @@
             <a:fld id="{72514870-5082-4025-BC8A-5E070B8EB77D}" type="datetimeFigureOut">
               <a:rPr lang="zh-CN" altLang="en-US" smtClean="0"/>
               <a:pPr/>
-              <a:t>2018/12/22</a:t>
+              <a:t>2018/12/26</a:t>
             </a:fld>
             <a:endParaRPr lang="zh-CN" altLang="en-US"/>
           </a:p>
@@ -4622,7 +4622,7 @@
             <a:fld id="{72514870-5082-4025-BC8A-5E070B8EB77D}" type="datetimeFigureOut">
               <a:rPr lang="zh-CN" altLang="en-US" smtClean="0"/>
               <a:pPr/>
-              <a:t>2018/12/22</a:t>
+              <a:t>2018/12/26</a:t>
             </a:fld>
             <a:endParaRPr lang="zh-CN" altLang="en-US"/>
           </a:p>
@@ -4935,7 +4935,7 @@
             <a:fld id="{72514870-5082-4025-BC8A-5E070B8EB77D}" type="datetimeFigureOut">
               <a:rPr lang="zh-CN" altLang="en-US" smtClean="0"/>
               <a:pPr/>
-              <a:t>2018/12/22</a:t>
+              <a:t>2018/12/26</a:t>
             </a:fld>
             <a:endParaRPr lang="zh-CN" altLang="en-US"/>
           </a:p>
@@ -5105,7 +5105,7 @@
             <a:fld id="{72514870-5082-4025-BC8A-5E070B8EB77D}" type="datetimeFigureOut">
               <a:rPr lang="zh-CN" altLang="en-US" smtClean="0"/>
               <a:pPr/>
-              <a:t>2018/12/22</a:t>
+              <a:t>2018/12/26</a:t>
             </a:fld>
             <a:endParaRPr lang="zh-CN" altLang="en-US"/>
           </a:p>
@@ -5359,7 +5359,7 @@
             <a:fld id="{72514870-5082-4025-BC8A-5E070B8EB77D}" type="datetimeFigureOut">
               <a:rPr lang="zh-CN" altLang="en-US" smtClean="0"/>
               <a:pPr/>
-              <a:t>2018/12/22</a:t>
+              <a:t>2018/12/26</a:t>
             </a:fld>
             <a:endParaRPr lang="zh-CN" altLang="en-US"/>
           </a:p>
@@ -5529,7 +5529,7 @@
             <a:fld id="{72514870-5082-4025-BC8A-5E070B8EB77D}" type="datetimeFigureOut">
               <a:rPr lang="zh-CN" altLang="en-US" smtClean="0"/>
               <a:pPr/>
-              <a:t>2018/12/22</a:t>
+              <a:t>2018/12/26</a:t>
             </a:fld>
             <a:endParaRPr lang="zh-CN" altLang="en-US"/>
           </a:p>
@@ -5709,7 +5709,7 @@
             <a:fld id="{72514870-5082-4025-BC8A-5E070B8EB77D}" type="datetimeFigureOut">
               <a:rPr lang="zh-CN" altLang="en-US" smtClean="0"/>
               <a:pPr/>
-              <a:t>2018/12/22</a:t>
+              <a:t>2018/12/26</a:t>
             </a:fld>
             <a:endParaRPr lang="zh-CN" altLang="en-US"/>
           </a:p>
@@ -5902,7 +5902,7 @@
             <a:fld id="{72514870-5082-4025-BC8A-5E070B8EB77D}" type="datetimeFigureOut">
               <a:rPr lang="zh-CN" altLang="en-US" smtClean="0"/>
               <a:pPr/>
-              <a:t>2018/12/22</a:t>
+              <a:t>2018/12/26</a:t>
             </a:fld>
             <a:endParaRPr lang="zh-CN" altLang="en-US"/>
           </a:p>
@@ -6189,7 +6189,7 @@
             <a:fld id="{72514870-5082-4025-BC8A-5E070B8EB77D}" type="datetimeFigureOut">
               <a:rPr lang="zh-CN" altLang="en-US" smtClean="0"/>
               <a:pPr/>
-              <a:t>2018/12/22</a:t>
+              <a:t>2018/12/26</a:t>
             </a:fld>
             <a:endParaRPr lang="zh-CN" altLang="en-US"/>
           </a:p>
@@ -6610,7 +6610,7 @@
             <a:fld id="{72514870-5082-4025-BC8A-5E070B8EB77D}" type="datetimeFigureOut">
               <a:rPr lang="zh-CN" altLang="en-US" smtClean="0"/>
               <a:pPr/>
-              <a:t>2018/12/22</a:t>
+              <a:t>2018/12/26</a:t>
             </a:fld>
             <a:endParaRPr lang="zh-CN" altLang="en-US"/>
           </a:p>
@@ -6729,7 +6729,7 @@
             <a:fld id="{72514870-5082-4025-BC8A-5E070B8EB77D}" type="datetimeFigureOut">
               <a:rPr lang="zh-CN" altLang="en-US" smtClean="0"/>
               <a:pPr/>
-              <a:t>2018/12/22</a:t>
+              <a:t>2018/12/26</a:t>
             </a:fld>
             <a:endParaRPr lang="zh-CN" altLang="en-US"/>
           </a:p>
@@ -6826,7 +6826,7 @@
             <a:fld id="{72514870-5082-4025-BC8A-5E070B8EB77D}" type="datetimeFigureOut">
               <a:rPr lang="zh-CN" altLang="en-US" smtClean="0"/>
               <a:pPr/>
-              <a:t>2018/12/22</a:t>
+              <a:t>2018/12/26</a:t>
             </a:fld>
             <a:endParaRPr lang="zh-CN" altLang="en-US"/>
           </a:p>
@@ -7103,7 +7103,7 @@
             <a:fld id="{72514870-5082-4025-BC8A-5E070B8EB77D}" type="datetimeFigureOut">
               <a:rPr lang="zh-CN" altLang="en-US" smtClean="0"/>
               <a:pPr/>
-              <a:t>2018/12/22</a:t>
+              <a:t>2018/12/26</a:t>
             </a:fld>
             <a:endParaRPr lang="zh-CN" altLang="en-US"/>
           </a:p>
@@ -7357,7 +7357,7 @@
             <a:fld id="{72514870-5082-4025-BC8A-5E070B8EB77D}" type="datetimeFigureOut">
               <a:rPr lang="zh-CN" altLang="en-US" smtClean="0"/>
               <a:pPr/>
-              <a:t>2018/12/22</a:t>
+              <a:t>2018/12/26</a:t>
             </a:fld>
             <a:endParaRPr lang="zh-CN" altLang="en-US"/>
           </a:p>
@@ -8318,6 +8318,72 @@
       </p:grpSpPr>
       <p:pic>
         <p:nvPicPr>
+          <p:cNvPr id="5" name="图片 4">
+            <a:extLst>
+              <a:ext uri="{FF2B5EF4-FFF2-40B4-BE49-F238E27FC236}">
+                <a16:creationId xmlns:a16="http://schemas.microsoft.com/office/drawing/2014/main" id="{DC41C750-5204-4DCE-9F41-69E29BA52849}"/>
+              </a:ext>
+            </a:extLst>
+          </p:cNvPr>
+          <p:cNvPicPr>
+            <a:picLocks noChangeAspect="1"/>
+          </p:cNvPicPr>
+          <p:nvPr/>
+        </p:nvPicPr>
+        <p:blipFill>
+          <a:blip r:embed="rId3">
+            <a:extLst>
+              <a:ext uri="{28A0092B-C50C-407E-A947-70E740481C1C}">
+                <a14:useLocalDpi xmlns:a14="http://schemas.microsoft.com/office/drawing/2010/main" val="0"/>
+              </a:ext>
+            </a:extLst>
+          </a:blip>
+          <a:stretch>
+            <a:fillRect/>
+          </a:stretch>
+        </p:blipFill>
+        <p:spPr>
+          <a:xfrm>
+            <a:off x="755576" y="987574"/>
+            <a:ext cx="7381875" cy="3686175"/>
+          </a:xfrm>
+          <a:prstGeom prst="rect">
+            <a:avLst/>
+          </a:prstGeom>
+        </p:spPr>
+      </p:pic>
+    </p:spTree>
+    <p:extLst>
+      <p:ext uri="{BB962C8B-B14F-4D97-AF65-F5344CB8AC3E}">
+        <p14:creationId xmlns:p14="http://schemas.microsoft.com/office/powerpoint/2010/main" val="2620031803"/>
+      </p:ext>
+    </p:extLst>
+  </p:cSld>
+  <p:clrMapOvr>
+    <a:masterClrMapping/>
+  </p:clrMapOvr>
+</p:sld>
+</file>
+
+<file path=ppt/slides/slide11.xml><?xml version="1.0" encoding="utf-8"?>
+<p:sld xmlns:a="http://schemas.openxmlformats.org/drawingml/2006/main" xmlns:r="http://schemas.openxmlformats.org/officeDocument/2006/relationships" xmlns:p="http://schemas.openxmlformats.org/presentationml/2006/main">
+  <p:cSld>
+    <p:spTree>
+      <p:nvGrpSpPr>
+        <p:cNvPr id="1" name=""/>
+        <p:cNvGrpSpPr/>
+        <p:nvPr/>
+      </p:nvGrpSpPr>
+      <p:grpSpPr>
+        <a:xfrm>
+          <a:off x="0" y="0"/>
+          <a:ext cx="0" cy="0"/>
+          <a:chOff x="0" y="0"/>
+          <a:chExt cx="0" cy="0"/>
+        </a:xfrm>
+      </p:grpSpPr>
+      <p:pic>
+        <p:nvPicPr>
           <p:cNvPr id="3" name="图片 2">
             <a:extLst>
               <a:ext uri="{FF2B5EF4-FFF2-40B4-BE49-F238E27FC236}">
@@ -8362,635 +8428,6 @@
   <p:clrMapOvr>
     <a:masterClrMapping/>
   </p:clrMapOvr>
-</p:sld>
-</file>
-
-<file path=ppt/slides/slide11.xml><?xml version="1.0" encoding="utf-8"?>
-<p:sld xmlns:a="http://schemas.openxmlformats.org/drawingml/2006/main" xmlns:r="http://schemas.openxmlformats.org/officeDocument/2006/relationships" xmlns:p="http://schemas.openxmlformats.org/presentationml/2006/main">
-  <p:cSld>
-    <p:spTree>
-      <p:nvGrpSpPr>
-        <p:cNvPr id="1" name=""/>
-        <p:cNvGrpSpPr/>
-        <p:nvPr/>
-      </p:nvGrpSpPr>
-      <p:grpSpPr>
-        <a:xfrm>
-          <a:off x="0" y="0"/>
-          <a:ext cx="0" cy="0"/>
-          <a:chOff x="0" y="0"/>
-          <a:chExt cx="0" cy="0"/>
-        </a:xfrm>
-      </p:grpSpPr>
-      <p:sp>
-        <p:nvSpPr>
-          <p:cNvPr id="15" name="矩形"/>
-          <p:cNvSpPr>
-            <a:spLocks/>
-          </p:cNvSpPr>
-          <p:nvPr/>
-        </p:nvSpPr>
-        <p:spPr>
-          <a:xfrm>
-            <a:off x="578721" y="1281884"/>
-            <a:ext cx="8565279" cy="1015663"/>
-          </a:xfrm>
-          <a:prstGeom prst="rect">
-            <a:avLst/>
-          </a:prstGeom>
-          <a:noFill/>
-          <a:ln w="9525" cap="flat" cmpd="sng">
-            <a:noFill/>
-            <a:prstDash val="solid"/>
-            <a:miter/>
-          </a:ln>
-        </p:spPr>
-        <p:txBody>
-          <a:bodyPr vert="horz" wrap="square" lIns="91440" tIns="45720" rIns="91440" bIns="45720" anchor="ctr" anchorCtr="0">
-            <a:prstTxWarp prst="textNoShape">
-              <a:avLst/>
-            </a:prstTxWarp>
-            <a:spAutoFit/>
-          </a:bodyPr>
-          <a:lstStyle/>
-          <a:p>
-            <a:pPr marL="800100" lvl="1" indent="-342900">
-              <a:buFont typeface="Wingdings" panose="05000000000000000000" pitchFamily="2" charset="2"/>
-              <a:buChar char="u"/>
-            </a:pPr>
-            <a:r>
-              <a:rPr lang="en-US" altLang="zh-CN" sz="2000" dirty="0">
-                <a:latin typeface="微软雅黑" charset="0"/>
-                <a:ea typeface="微软雅黑" charset="0"/>
-                <a:cs typeface="微软雅黑" charset="0"/>
-              </a:rPr>
-              <a:t>Windows</a:t>
-            </a:r>
-            <a:r>
-              <a:rPr lang="zh-CN" altLang="en-US" sz="2000" dirty="0">
-                <a:latin typeface="微软雅黑" charset="0"/>
-                <a:ea typeface="微软雅黑" charset="0"/>
-                <a:cs typeface="微软雅黑" charset="0"/>
-              </a:rPr>
-              <a:t>安装参考链接：</a:t>
-            </a:r>
-            <a:endParaRPr lang="en-US" altLang="zh-CN" sz="2000" dirty="0">
-              <a:latin typeface="微软雅黑" charset="0"/>
-              <a:ea typeface="微软雅黑" charset="0"/>
-              <a:cs typeface="微软雅黑" charset="0"/>
-            </a:endParaRPr>
-          </a:p>
-          <a:p>
-            <a:pPr lvl="1"/>
-            <a:endParaRPr lang="en-US" altLang="zh-CN" sz="2000" dirty="0">
-              <a:latin typeface="微软雅黑" charset="0"/>
-              <a:ea typeface="微软雅黑" charset="0"/>
-              <a:cs typeface="微软雅黑" charset="0"/>
-            </a:endParaRPr>
-          </a:p>
-          <a:p>
-            <a:pPr lvl="1"/>
-            <a:r>
-              <a:rPr lang="en-US" altLang="zh-CN" sz="2000" dirty="0">
-                <a:latin typeface="微软雅黑" charset="0"/>
-                <a:ea typeface="微软雅黑" charset="0"/>
-                <a:cs typeface="微软雅黑" charset="0"/>
-              </a:rPr>
-              <a:t>	</a:t>
-            </a:r>
-            <a:r>
-              <a:rPr lang="en-US" altLang="zh-CN" sz="1600" dirty="0">
-                <a:latin typeface="微软雅黑" charset="0"/>
-                <a:ea typeface="微软雅黑" charset="0"/>
-                <a:cs typeface="微软雅黑" charset="0"/>
-              </a:rPr>
-              <a:t>https://segmentfault.com/a/1190000011809698</a:t>
-            </a:r>
-            <a:endParaRPr lang="zh-CN" altLang="en-US" sz="1600" u="none" strike="noStrike" kern="1200" cap="none" spc="0" baseline="0" dirty="0">
-              <a:latin typeface="微软雅黑" charset="0"/>
-              <a:ea typeface="微软雅黑" charset="0"/>
-              <a:cs typeface="微软雅黑" charset="0"/>
-            </a:endParaRPr>
-          </a:p>
-        </p:txBody>
-      </p:sp>
-      <p:sp>
-        <p:nvSpPr>
-          <p:cNvPr id="17" name="矩形"/>
-          <p:cNvSpPr>
-            <a:spLocks/>
-          </p:cNvSpPr>
-          <p:nvPr/>
-        </p:nvSpPr>
-        <p:spPr>
-          <a:xfrm>
-            <a:off x="3811215" y="412416"/>
-            <a:ext cx="1521570" cy="553998"/>
-          </a:xfrm>
-          <a:prstGeom prst="rect">
-            <a:avLst/>
-          </a:prstGeom>
-          <a:noFill/>
-          <a:ln w="9525" cap="flat" cmpd="sng">
-            <a:noFill/>
-            <a:prstDash val="solid"/>
-            <a:miter/>
-          </a:ln>
-        </p:spPr>
-        <p:txBody>
-          <a:bodyPr vert="horz" wrap="none" lIns="91440" tIns="45720" rIns="91440" bIns="45720" anchor="t" anchorCtr="0">
-            <a:prstTxWarp prst="textNoShape">
-              <a:avLst/>
-            </a:prstTxWarp>
-            <a:spAutoFit/>
-          </a:bodyPr>
-          <a:lstStyle/>
-          <a:p>
-            <a:r>
-              <a:rPr lang="en-US" altLang="zh-CN" sz="3000" b="1" kern="0" dirty="0">
-                <a:solidFill>
-                  <a:srgbClr val="C9394A"/>
-                </a:solidFill>
-                <a:latin typeface="微软雅黑" charset="0"/>
-                <a:ea typeface="微软雅黑" charset="0"/>
-                <a:cs typeface="微软雅黑" charset="0"/>
-                <a:sym typeface="Calibri" pitchFamily="34" charset="0"/>
-              </a:rPr>
-              <a:t>Git</a:t>
-            </a:r>
-            <a:r>
-              <a:rPr lang="zh-CN" altLang="en-US" sz="3000" b="1" kern="0" dirty="0">
-                <a:solidFill>
-                  <a:srgbClr val="C9394A"/>
-                </a:solidFill>
-                <a:latin typeface="微软雅黑" charset="0"/>
-                <a:ea typeface="微软雅黑" charset="0"/>
-                <a:cs typeface="微软雅黑" charset="0"/>
-                <a:sym typeface="Calibri" pitchFamily="34" charset="0"/>
-              </a:rPr>
-              <a:t>安装</a:t>
-            </a:r>
-            <a:endParaRPr lang="zh-CN" altLang="en-US" u="none" strike="noStrike" kern="1200" cap="none" spc="0" baseline="0" dirty="0">
-              <a:solidFill>
-                <a:schemeClr val="tx1"/>
-              </a:solidFill>
-              <a:latin typeface="Calibri" pitchFamily="34" charset="0"/>
-              <a:ea typeface="宋体" pitchFamily="2" charset="-122"/>
-              <a:cs typeface="微软雅黑" charset="0"/>
-            </a:endParaRPr>
-          </a:p>
-        </p:txBody>
-      </p:sp>
-      <p:sp>
-        <p:nvSpPr>
-          <p:cNvPr id="8" name="矩形">
-            <a:extLst>
-              <a:ext uri="{FF2B5EF4-FFF2-40B4-BE49-F238E27FC236}">
-                <a16:creationId xmlns:a16="http://schemas.microsoft.com/office/drawing/2014/main" id="{F566A662-EE41-4270-884D-D6CD57CB2DF2}"/>
-              </a:ext>
-            </a:extLst>
-          </p:cNvPr>
-          <p:cNvSpPr>
-            <a:spLocks/>
-          </p:cNvSpPr>
-          <p:nvPr/>
-        </p:nvSpPr>
-        <p:spPr>
-          <a:xfrm>
-            <a:off x="605683" y="2492011"/>
-            <a:ext cx="8565279" cy="707886"/>
-          </a:xfrm>
-          <a:prstGeom prst="rect">
-            <a:avLst/>
-          </a:prstGeom>
-          <a:noFill/>
-          <a:ln w="9525" cap="flat" cmpd="sng">
-            <a:noFill/>
-            <a:prstDash val="solid"/>
-            <a:miter/>
-          </a:ln>
-        </p:spPr>
-        <p:txBody>
-          <a:bodyPr vert="horz" wrap="square" lIns="91440" tIns="45720" rIns="91440" bIns="45720" anchor="ctr" anchorCtr="0">
-            <a:prstTxWarp prst="textNoShape">
-              <a:avLst/>
-            </a:prstTxWarp>
-            <a:spAutoFit/>
-          </a:bodyPr>
-          <a:lstStyle/>
-          <a:p>
-            <a:pPr marL="800100" lvl="1" indent="-342900">
-              <a:buFont typeface="Wingdings" panose="05000000000000000000" pitchFamily="2" charset="2"/>
-              <a:buChar char="u"/>
-            </a:pPr>
-            <a:r>
-              <a:rPr lang="zh-CN" altLang="en-US" sz="2000" u="none" strike="noStrike" kern="1200" cap="none" spc="0" baseline="0" dirty="0">
-                <a:solidFill>
-                  <a:srgbClr val="212121"/>
-                </a:solidFill>
-                <a:latin typeface="微软雅黑" charset="0"/>
-                <a:ea typeface="微软雅黑" charset="0"/>
-                <a:cs typeface="微软雅黑" charset="0"/>
-                <a:sym typeface="Calibri" pitchFamily="34" charset="0"/>
-              </a:rPr>
-              <a:t>全局配置用户信息</a:t>
-            </a:r>
-            <a:r>
-              <a:rPr lang="zh-CN" altLang="en-US" sz="2000" u="none" strike="noStrike" kern="1200" cap="none" spc="0" baseline="0" dirty="0">
-                <a:solidFill>
-                  <a:srgbClr val="474747"/>
-                </a:solidFill>
-                <a:latin typeface="微软雅黑" charset="0"/>
-                <a:ea typeface="微软雅黑" charset="0"/>
-                <a:cs typeface="微软雅黑" charset="0"/>
-                <a:sym typeface="Calibri" pitchFamily="34" charset="0"/>
-              </a:rPr>
-              <a:t>：</a:t>
-            </a:r>
-            <a:endParaRPr lang="en-US" altLang="zh-CN" sz="2000" u="none" strike="noStrike" kern="1200" cap="none" spc="0" baseline="0" dirty="0">
-              <a:solidFill>
-                <a:srgbClr val="474747"/>
-              </a:solidFill>
-              <a:latin typeface="微软雅黑" charset="0"/>
-              <a:ea typeface="微软雅黑" charset="0"/>
-              <a:cs typeface="微软雅黑" charset="0"/>
-              <a:sym typeface="Calibri" pitchFamily="34" charset="0"/>
-            </a:endParaRPr>
-          </a:p>
-          <a:p>
-            <a:pPr lvl="1"/>
-            <a:endParaRPr lang="zh-CN" altLang="en-US" sz="2000" u="none" strike="noStrike" kern="1200" cap="none" spc="0" baseline="0" dirty="0">
-              <a:solidFill>
-                <a:srgbClr val="C9394A"/>
-              </a:solidFill>
-              <a:latin typeface="微软雅黑" charset="0"/>
-              <a:ea typeface="微软雅黑" charset="0"/>
-              <a:cs typeface="微软雅黑" charset="0"/>
-              <a:sym typeface="Calibri" pitchFamily="34" charset="0"/>
-            </a:endParaRPr>
-          </a:p>
-        </p:txBody>
-      </p:sp>
-      <p:sp>
-        <p:nvSpPr>
-          <p:cNvPr id="3" name="文本框 2">
-            <a:extLst>
-              <a:ext uri="{FF2B5EF4-FFF2-40B4-BE49-F238E27FC236}">
-                <a16:creationId xmlns:a16="http://schemas.microsoft.com/office/drawing/2014/main" id="{F6F64CF9-0A4F-43B1-AD4E-4213670D3B49}"/>
-              </a:ext>
-            </a:extLst>
-          </p:cNvPr>
-          <p:cNvSpPr txBox="1"/>
-          <p:nvPr/>
-        </p:nvSpPr>
-        <p:spPr>
-          <a:xfrm>
-            <a:off x="1547664" y="3122952"/>
-            <a:ext cx="5400600" cy="1477328"/>
-          </a:xfrm>
-          <a:prstGeom prst="rect">
-            <a:avLst/>
-          </a:prstGeom>
-          <a:noFill/>
-        </p:spPr>
-        <p:txBody>
-          <a:bodyPr wrap="square" rtlCol="0">
-            <a:spAutoFit/>
-          </a:bodyPr>
-          <a:lstStyle/>
-          <a:p>
-            <a:r>
-              <a:rPr lang="en-US" altLang="zh-CN" dirty="0"/>
-              <a:t>git config </a:t>
-            </a:r>
-            <a:r>
-              <a:rPr lang="en-US" altLang="zh-CN" b="1" dirty="0">
-                <a:solidFill>
-                  <a:srgbClr val="C9394A"/>
-                </a:solidFill>
-              </a:rPr>
-              <a:t>--global</a:t>
-            </a:r>
-            <a:r>
-              <a:rPr lang="en-US" altLang="zh-CN" dirty="0">
-                <a:solidFill>
-                  <a:srgbClr val="C9394A"/>
-                </a:solidFill>
-              </a:rPr>
-              <a:t> </a:t>
-            </a:r>
-            <a:r>
-              <a:rPr lang="en-US" altLang="zh-CN" dirty="0"/>
-              <a:t>user.name</a:t>
-            </a:r>
-            <a:r>
-              <a:rPr lang="zh-CN" altLang="en-US" dirty="0"/>
-              <a:t>  </a:t>
-            </a:r>
-            <a:r>
-              <a:rPr lang="en-US" altLang="zh-CN" dirty="0"/>
-              <a:t>xxx</a:t>
-            </a:r>
-            <a:r>
-              <a:rPr lang="en-US" altLang="zh-CN" sz="1400" dirty="0"/>
-              <a:t>(</a:t>
-            </a:r>
-            <a:r>
-              <a:rPr lang="zh-CN" altLang="en-US" sz="1400" dirty="0"/>
-              <a:t>用户名</a:t>
-            </a:r>
-            <a:r>
-              <a:rPr lang="en-US" altLang="zh-CN" sz="1400" dirty="0"/>
-              <a:t>)</a:t>
-            </a:r>
-          </a:p>
-          <a:p>
-            <a:endParaRPr lang="en-US" altLang="zh-CN" dirty="0"/>
-          </a:p>
-          <a:p>
-            <a:r>
-              <a:rPr lang="en-US" altLang="zh-CN" dirty="0"/>
-              <a:t>git config </a:t>
-            </a:r>
-            <a:r>
-              <a:rPr lang="en-US" altLang="zh-CN" b="1" dirty="0">
-                <a:solidFill>
-                  <a:srgbClr val="C9394A"/>
-                </a:solidFill>
-              </a:rPr>
-              <a:t>--global </a:t>
-            </a:r>
-            <a:r>
-              <a:rPr lang="en-US" altLang="zh-CN" dirty="0" err="1"/>
-              <a:t>user.email</a:t>
-            </a:r>
-            <a:r>
-              <a:rPr lang="en-US" altLang="zh-CN" dirty="0"/>
-              <a:t>  </a:t>
-            </a:r>
-            <a:r>
-              <a:rPr lang="en-US" altLang="zh-CN" dirty="0" err="1"/>
-              <a:t>xxxx</a:t>
-            </a:r>
-            <a:r>
-              <a:rPr lang="en-US" altLang="zh-CN" sz="1400" dirty="0"/>
-              <a:t>(</a:t>
-            </a:r>
-            <a:r>
-              <a:rPr lang="zh-CN" altLang="en-US" sz="1400" dirty="0"/>
-              <a:t>邮箱地址</a:t>
-            </a:r>
-            <a:r>
-              <a:rPr lang="en-US" altLang="zh-CN" sz="1400" dirty="0"/>
-              <a:t>)</a:t>
-            </a:r>
-          </a:p>
-          <a:p>
-            <a:endParaRPr lang="en-US" altLang="zh-CN" dirty="0"/>
-          </a:p>
-          <a:p>
-            <a:r>
-              <a:rPr lang="en-US" altLang="zh-CN" dirty="0"/>
-              <a:t>git config --list   </a:t>
-            </a:r>
-            <a:r>
-              <a:rPr lang="zh-CN" altLang="en-US" sz="1400" dirty="0"/>
-              <a:t>查看全局的配置</a:t>
-            </a:r>
-            <a:r>
-              <a:rPr lang="en-US" altLang="zh-CN" sz="1400" dirty="0"/>
-              <a:t>   </a:t>
-            </a:r>
-            <a:endParaRPr lang="zh-CN" altLang="en-US" sz="1400" dirty="0"/>
-          </a:p>
-        </p:txBody>
-      </p:sp>
-    </p:spTree>
-    <p:extLst>
-      <p:ext uri="{BB962C8B-B14F-4D97-AF65-F5344CB8AC3E}">
-        <p14:creationId xmlns:p14="http://schemas.microsoft.com/office/powerpoint/2010/main" val="3017371092"/>
-      </p:ext>
-    </p:extLst>
-  </p:cSld>
-  <p:clrMapOvr>
-    <a:masterClrMapping/>
-  </p:clrMapOvr>
-  <p:timing>
-    <p:tnLst>
-      <p:par>
-        <p:cTn id="1" dur="indefinite" restart="never" nodeType="tmRoot">
-          <p:childTnLst>
-            <p:seq concurrent="1" nextAc="seek">
-              <p:cTn id="2" dur="indefinite" nodeType="mainSeq">
-                <p:childTnLst>
-                  <p:par>
-                    <p:cTn id="3" fill="hold">
-                      <p:stCondLst>
-                        <p:cond delay="indefinite"/>
-                      </p:stCondLst>
-                      <p:childTnLst>
-                        <p:par>
-                          <p:cTn id="4" fill="hold">
-                            <p:stCondLst>
-                              <p:cond delay="0"/>
-                            </p:stCondLst>
-                            <p:childTnLst>
-                              <p:par>
-                                <p:cTn id="5" presetID="2" presetClass="entr" presetSubtype="4" fill="hold" grpId="0" nodeType="clickEffect">
-                                  <p:stCondLst>
-                                    <p:cond delay="0"/>
-                                  </p:stCondLst>
-                                  <p:childTnLst>
-                                    <p:set>
-                                      <p:cBhvr>
-                                        <p:cTn id="6" dur="1" fill="hold">
-                                          <p:stCondLst>
-                                            <p:cond delay="0"/>
-                                          </p:stCondLst>
-                                        </p:cTn>
-                                        <p:tgtEl>
-                                          <p:spTgt spid="15"/>
-                                        </p:tgtEl>
-                                        <p:attrNameLst>
-                                          <p:attrName>style.visibility</p:attrName>
-                                        </p:attrNameLst>
-                                      </p:cBhvr>
-                                      <p:to>
-                                        <p:strVal val="visible"/>
-                                      </p:to>
-                                    </p:set>
-                                    <p:anim calcmode="lin" valueType="num">
-                                      <p:cBhvr additive="base">
-                                        <p:cTn id="7" dur="500" fill="hold"/>
-                                        <p:tgtEl>
-                                          <p:spTgt spid="15"/>
-                                        </p:tgtEl>
-                                        <p:attrNameLst>
-                                          <p:attrName>ppt_x</p:attrName>
-                                        </p:attrNameLst>
-                                      </p:cBhvr>
-                                      <p:tavLst>
-                                        <p:tav tm="0">
-                                          <p:val>
-                                            <p:strVal val="#ppt_x"/>
-                                          </p:val>
-                                        </p:tav>
-                                        <p:tav tm="100000">
-                                          <p:val>
-                                            <p:strVal val="#ppt_x"/>
-                                          </p:val>
-                                        </p:tav>
-                                      </p:tavLst>
-                                    </p:anim>
-                                    <p:anim calcmode="lin" valueType="num">
-                                      <p:cBhvr additive="base">
-                                        <p:cTn id="8" dur="500" fill="hold"/>
-                                        <p:tgtEl>
-                                          <p:spTgt spid="15"/>
-                                        </p:tgtEl>
-                                        <p:attrNameLst>
-                                          <p:attrName>ppt_y</p:attrName>
-                                        </p:attrNameLst>
-                                      </p:cBhvr>
-                                      <p:tavLst>
-                                        <p:tav tm="0">
-                                          <p:val>
-                                            <p:strVal val="1+#ppt_h/2"/>
-                                          </p:val>
-                                        </p:tav>
-                                        <p:tav tm="100000">
-                                          <p:val>
-                                            <p:strVal val="#ppt_y"/>
-                                          </p:val>
-                                        </p:tav>
-                                      </p:tavLst>
-                                    </p:anim>
-                                  </p:childTnLst>
-                                </p:cTn>
-                              </p:par>
-                            </p:childTnLst>
-                          </p:cTn>
-                        </p:par>
-                      </p:childTnLst>
-                    </p:cTn>
-                  </p:par>
-                  <p:par>
-                    <p:cTn id="9" fill="hold">
-                      <p:stCondLst>
-                        <p:cond delay="indefinite"/>
-                      </p:stCondLst>
-                      <p:childTnLst>
-                        <p:par>
-                          <p:cTn id="10" fill="hold">
-                            <p:stCondLst>
-                              <p:cond delay="0"/>
-                            </p:stCondLst>
-                            <p:childTnLst>
-                              <p:par>
-                                <p:cTn id="11" presetID="2" presetClass="entr" presetSubtype="4" fill="hold" grpId="0" nodeType="clickEffect">
-                                  <p:stCondLst>
-                                    <p:cond delay="0"/>
-                                  </p:stCondLst>
-                                  <p:childTnLst>
-                                    <p:set>
-                                      <p:cBhvr>
-                                        <p:cTn id="12" dur="1" fill="hold">
-                                          <p:stCondLst>
-                                            <p:cond delay="0"/>
-                                          </p:stCondLst>
-                                        </p:cTn>
-                                        <p:tgtEl>
-                                          <p:spTgt spid="8"/>
-                                        </p:tgtEl>
-                                        <p:attrNameLst>
-                                          <p:attrName>style.visibility</p:attrName>
-                                        </p:attrNameLst>
-                                      </p:cBhvr>
-                                      <p:to>
-                                        <p:strVal val="visible"/>
-                                      </p:to>
-                                    </p:set>
-                                    <p:anim calcmode="lin" valueType="num">
-                                      <p:cBhvr additive="base">
-                                        <p:cTn id="13" dur="500" fill="hold"/>
-                                        <p:tgtEl>
-                                          <p:spTgt spid="8"/>
-                                        </p:tgtEl>
-                                        <p:attrNameLst>
-                                          <p:attrName>ppt_x</p:attrName>
-                                        </p:attrNameLst>
-                                      </p:cBhvr>
-                                      <p:tavLst>
-                                        <p:tav tm="0">
-                                          <p:val>
-                                            <p:strVal val="#ppt_x"/>
-                                          </p:val>
-                                        </p:tav>
-                                        <p:tav tm="100000">
-                                          <p:val>
-                                            <p:strVal val="#ppt_x"/>
-                                          </p:val>
-                                        </p:tav>
-                                      </p:tavLst>
-                                    </p:anim>
-                                    <p:anim calcmode="lin" valueType="num">
-                                      <p:cBhvr additive="base">
-                                        <p:cTn id="14" dur="500" fill="hold"/>
-                                        <p:tgtEl>
-                                          <p:spTgt spid="8"/>
-                                        </p:tgtEl>
-                                        <p:attrNameLst>
-                                          <p:attrName>ppt_y</p:attrName>
-                                        </p:attrNameLst>
-                                      </p:cBhvr>
-                                      <p:tavLst>
-                                        <p:tav tm="0">
-                                          <p:val>
-                                            <p:strVal val="1+#ppt_h/2"/>
-                                          </p:val>
-                                        </p:tav>
-                                        <p:tav tm="100000">
-                                          <p:val>
-                                            <p:strVal val="#ppt_y"/>
-                                          </p:val>
-                                        </p:tav>
-                                      </p:tavLst>
-                                    </p:anim>
-                                  </p:childTnLst>
-                                </p:cTn>
-                              </p:par>
-                            </p:childTnLst>
-                          </p:cTn>
-                        </p:par>
-                      </p:childTnLst>
-                    </p:cTn>
-                  </p:par>
-                </p:childTnLst>
-              </p:cTn>
-              <p:prevCondLst>
-                <p:cond evt="onPrev" delay="0">
-                  <p:tgtEl>
-                    <p:sldTgt/>
-                  </p:tgtEl>
-                </p:cond>
-              </p:prevCondLst>
-              <p:nextCondLst>
-                <p:cond evt="onNext" delay="0">
-                  <p:tgtEl>
-                    <p:sldTgt/>
-                  </p:tgtEl>
-                </p:cond>
-              </p:nextCondLst>
-            </p:seq>
-          </p:childTnLst>
-        </p:cTn>
-      </p:par>
-    </p:tnLst>
-    <p:bldLst>
-      <p:bldP spid="15" grpId="0"/>
-      <p:bldP spid="8" grpId="0"/>
-    </p:bldLst>
-  </p:timing>
 </p:sld>
 </file>
 
@@ -9919,6 +9356,104 @@
                       </p:childTnLst>
                     </p:cTn>
                   </p:par>
+                  <p:par>
+                    <p:cTn id="11" fill="hold">
+                      <p:stCondLst>
+                        <p:cond delay="indefinite"/>
+                      </p:stCondLst>
+                      <p:childTnLst>
+                        <p:par>
+                          <p:cTn id="12" fill="hold">
+                            <p:stCondLst>
+                              <p:cond delay="0"/>
+                            </p:stCondLst>
+                            <p:childTnLst>
+                              <p:par>
+                                <p:cTn id="13" presetID="1" presetClass="entr" presetSubtype="0" fill="hold" nodeType="clickEffect">
+                                  <p:stCondLst>
+                                    <p:cond delay="0"/>
+                                  </p:stCondLst>
+                                  <p:childTnLst>
+                                    <p:set>
+                                      <p:cBhvr>
+                                        <p:cTn id="14" dur="1" fill="hold">
+                                          <p:stCondLst>
+                                            <p:cond delay="0"/>
+                                          </p:stCondLst>
+                                        </p:cTn>
+                                        <p:tgtEl>
+                                          <p:spTgt spid="9"/>
+                                        </p:tgtEl>
+                                        <p:attrNameLst>
+                                          <p:attrName>style.visibility</p:attrName>
+                                        </p:attrNameLst>
+                                      </p:cBhvr>
+                                      <p:to>
+                                        <p:strVal val="visible"/>
+                                      </p:to>
+                                    </p:set>
+                                  </p:childTnLst>
+                                </p:cTn>
+                              </p:par>
+                            </p:childTnLst>
+                          </p:cTn>
+                        </p:par>
+                      </p:childTnLst>
+                    </p:cTn>
+                  </p:par>
+                  <p:par>
+                    <p:cTn id="15" fill="hold">
+                      <p:stCondLst>
+                        <p:cond delay="indefinite"/>
+                      </p:stCondLst>
+                      <p:childTnLst>
+                        <p:par>
+                          <p:cTn id="16" fill="hold">
+                            <p:stCondLst>
+                              <p:cond delay="0"/>
+                            </p:stCondLst>
+                            <p:childTnLst>
+                              <p:par>
+                                <p:cTn id="17" presetID="16" presetClass="entr" presetSubtype="21" fill="hold" nodeType="clickEffect">
+                                  <p:stCondLst>
+                                    <p:cond delay="0"/>
+                                  </p:stCondLst>
+                                  <p:childTnLst>
+                                    <p:set>
+                                      <p:cBhvr>
+                                        <p:cTn id="18" dur="1" fill="hold">
+                                          <p:stCondLst>
+                                            <p:cond delay="0"/>
+                                          </p:stCondLst>
+                                        </p:cTn>
+                                        <p:tgtEl>
+                                          <p:spTgt spid="5"/>
+                                        </p:tgtEl>
+                                        <p:attrNameLst>
+                                          <p:attrName>style.visibility</p:attrName>
+                                        </p:attrNameLst>
+                                      </p:cBhvr>
+                                      <p:to>
+                                        <p:strVal val="visible"/>
+                                      </p:to>
+                                    </p:set>
+                                    <p:animEffect transition="in" filter="barn(inVertical)">
+                                      <p:cBhvr>
+                                        <p:cTn id="19" dur="500"/>
+                                        <p:tgtEl>
+                                          <p:spTgt spid="5"/>
+                                        </p:tgtEl>
+                                      </p:cBhvr>
+                                    </p:animEffect>
+                                  </p:childTnLst>
+                                </p:cTn>
+                              </p:par>
+                            </p:childTnLst>
+                          </p:cTn>
+                        </p:par>
+                      </p:childTnLst>
+                    </p:cTn>
+                  </p:par>
                 </p:childTnLst>
               </p:cTn>
               <p:prevCondLst>
@@ -10144,7 +9679,7 @@
                 <a:latin typeface="微软雅黑" panose="020B0503020204020204" pitchFamily="34" charset="-122"/>
                 <a:ea typeface="微软雅黑" panose="020B0503020204020204" pitchFamily="34" charset="-122"/>
               </a:rPr>
-              <a:t>可以完成多人协作开发</a:t>
+              <a:t>强大的分支管理可以完成多人协作开发</a:t>
             </a:r>
             <a:endParaRPr lang="en-US" altLang="zh-CN" dirty="0">
               <a:latin typeface="微软雅黑" panose="020B0503020204020204" pitchFamily="34" charset="-122"/>
@@ -10581,35 +10116,250 @@
       </p:grpSpPr>
       <p:sp>
         <p:nvSpPr>
-          <p:cNvPr id="2" name="矩形 1">
-            <a:extLst>
-              <a:ext uri="{FF2B5EF4-FFF2-40B4-BE49-F238E27FC236}">
-                <a16:creationId xmlns:a16="http://schemas.microsoft.com/office/drawing/2014/main" id="{01B4A18C-6CD4-4278-986E-1849295E5A91}"/>
-              </a:ext>
-            </a:extLst>
-          </p:cNvPr>
-          <p:cNvSpPr/>
+          <p:cNvPr id="15" name="矩形"/>
+          <p:cNvSpPr>
+            <a:spLocks/>
+          </p:cNvSpPr>
           <p:nvPr/>
         </p:nvSpPr>
         <p:spPr>
           <a:xfrm>
-            <a:off x="4211960" y="4659982"/>
-            <a:ext cx="4372094" cy="369332"/>
+            <a:off x="578721" y="1158774"/>
+            <a:ext cx="8565279" cy="1015663"/>
           </a:xfrm>
           <a:prstGeom prst="rect">
             <a:avLst/>
           </a:prstGeom>
+          <a:noFill/>
+          <a:ln w="9525" cap="flat" cmpd="sng">
+            <a:noFill/>
+            <a:prstDash val="solid"/>
+            <a:miter/>
+          </a:ln>
         </p:spPr>
         <p:txBody>
-          <a:bodyPr wrap="none">
+          <a:bodyPr vert="horz" wrap="square" lIns="91440" tIns="45720" rIns="91440" bIns="45720" anchor="ctr" anchorCtr="0">
+            <a:prstTxWarp prst="textNoShape">
+              <a:avLst/>
+            </a:prstTxWarp>
             <a:spAutoFit/>
           </a:bodyPr>
           <a:lstStyle/>
           <a:p>
-            <a:r>
-              <a:rPr lang="zh-CN" altLang="en-US" dirty="0"/>
-              <a:t>官方网站：https://git-scm.com/book/zh/v2</a:t>
-            </a:r>
+            <a:pPr marL="800100" lvl="1" indent="-342900">
+              <a:buFont typeface="Wingdings" panose="05000000000000000000" pitchFamily="2" charset="2"/>
+              <a:buChar char="u"/>
+            </a:pPr>
+            <a:r>
+              <a:rPr lang="en-US" altLang="zh-CN" sz="2000" dirty="0">
+                <a:latin typeface="微软雅黑" charset="0"/>
+                <a:ea typeface="微软雅黑" charset="0"/>
+                <a:cs typeface="微软雅黑" charset="0"/>
+              </a:rPr>
+              <a:t>Windows</a:t>
+            </a:r>
+            <a:r>
+              <a:rPr lang="zh-CN" altLang="en-US" sz="2000" dirty="0">
+                <a:latin typeface="微软雅黑" charset="0"/>
+                <a:ea typeface="微软雅黑" charset="0"/>
+                <a:cs typeface="微软雅黑" charset="0"/>
+              </a:rPr>
+              <a:t>安装参考链接：</a:t>
+            </a:r>
+            <a:endParaRPr lang="en-US" altLang="zh-CN" sz="2000" dirty="0">
+              <a:latin typeface="微软雅黑" charset="0"/>
+              <a:ea typeface="微软雅黑" charset="0"/>
+              <a:cs typeface="微软雅黑" charset="0"/>
+            </a:endParaRPr>
+          </a:p>
+          <a:p>
+            <a:pPr lvl="1"/>
+            <a:endParaRPr lang="en-US" altLang="zh-CN" sz="2000" dirty="0">
+              <a:latin typeface="微软雅黑" charset="0"/>
+              <a:ea typeface="微软雅黑" charset="0"/>
+              <a:cs typeface="微软雅黑" charset="0"/>
+            </a:endParaRPr>
+          </a:p>
+          <a:p>
+            <a:pPr lvl="1"/>
+            <a:r>
+              <a:rPr lang="en-US" altLang="zh-CN" sz="2000" dirty="0">
+                <a:latin typeface="微软雅黑" charset="0"/>
+                <a:ea typeface="微软雅黑" charset="0"/>
+                <a:cs typeface="微软雅黑" charset="0"/>
+              </a:rPr>
+              <a:t>	</a:t>
+            </a:r>
+            <a:r>
+              <a:rPr lang="en-US" altLang="zh-CN" sz="1600" dirty="0">
+                <a:latin typeface="微软雅黑" charset="0"/>
+                <a:ea typeface="微软雅黑" charset="0"/>
+                <a:cs typeface="微软雅黑" charset="0"/>
+              </a:rPr>
+              <a:t>https://segmentfault.com/a/1190000011809698</a:t>
+            </a:r>
+            <a:endParaRPr lang="zh-CN" altLang="en-US" sz="1600" u="none" strike="noStrike" kern="1200" cap="none" spc="0" baseline="0" dirty="0">
+              <a:latin typeface="微软雅黑" charset="0"/>
+              <a:ea typeface="微软雅黑" charset="0"/>
+              <a:cs typeface="微软雅黑" charset="0"/>
+            </a:endParaRPr>
+          </a:p>
+        </p:txBody>
+      </p:sp>
+      <p:sp>
+        <p:nvSpPr>
+          <p:cNvPr id="17" name="矩形"/>
+          <p:cNvSpPr>
+            <a:spLocks/>
+          </p:cNvSpPr>
+          <p:nvPr/>
+        </p:nvSpPr>
+        <p:spPr>
+          <a:xfrm>
+            <a:off x="3811215" y="412416"/>
+            <a:ext cx="1521570" cy="553998"/>
+          </a:xfrm>
+          <a:prstGeom prst="rect">
+            <a:avLst/>
+          </a:prstGeom>
+          <a:noFill/>
+          <a:ln w="9525" cap="flat" cmpd="sng">
+            <a:noFill/>
+            <a:prstDash val="solid"/>
+            <a:miter/>
+          </a:ln>
+        </p:spPr>
+        <p:txBody>
+          <a:bodyPr vert="horz" wrap="none" lIns="91440" tIns="45720" rIns="91440" bIns="45720" anchor="t" anchorCtr="0">
+            <a:prstTxWarp prst="textNoShape">
+              <a:avLst/>
+            </a:prstTxWarp>
+            <a:spAutoFit/>
+          </a:bodyPr>
+          <a:lstStyle/>
+          <a:p>
+            <a:r>
+              <a:rPr lang="en-US" altLang="zh-CN" sz="3000" b="1" kern="0" dirty="0">
+                <a:solidFill>
+                  <a:srgbClr val="C9394A"/>
+                </a:solidFill>
+                <a:latin typeface="微软雅黑" charset="0"/>
+                <a:ea typeface="微软雅黑" charset="0"/>
+                <a:cs typeface="微软雅黑" charset="0"/>
+                <a:sym typeface="Calibri" pitchFamily="34" charset="0"/>
+              </a:rPr>
+              <a:t>Git</a:t>
+            </a:r>
+            <a:r>
+              <a:rPr lang="zh-CN" altLang="en-US" sz="3000" b="1" kern="0" dirty="0">
+                <a:solidFill>
+                  <a:srgbClr val="C9394A"/>
+                </a:solidFill>
+                <a:latin typeface="微软雅黑" charset="0"/>
+                <a:ea typeface="微软雅黑" charset="0"/>
+                <a:cs typeface="微软雅黑" charset="0"/>
+                <a:sym typeface="Calibri" pitchFamily="34" charset="0"/>
+              </a:rPr>
+              <a:t>安装</a:t>
+            </a:r>
+            <a:endParaRPr lang="zh-CN" altLang="en-US" u="none" strike="noStrike" kern="1200" cap="none" spc="0" baseline="0" dirty="0">
+              <a:solidFill>
+                <a:schemeClr val="tx1"/>
+              </a:solidFill>
+              <a:latin typeface="Calibri" pitchFamily="34" charset="0"/>
+              <a:ea typeface="宋体" pitchFamily="2" charset="-122"/>
+              <a:cs typeface="微软雅黑" charset="0"/>
+            </a:endParaRPr>
+          </a:p>
+        </p:txBody>
+      </p:sp>
+      <p:sp>
+        <p:nvSpPr>
+          <p:cNvPr id="8" name="矩形">
+            <a:extLst>
+              <a:ext uri="{FF2B5EF4-FFF2-40B4-BE49-F238E27FC236}">
+                <a16:creationId xmlns:a16="http://schemas.microsoft.com/office/drawing/2014/main" id="{F566A662-EE41-4270-884D-D6CD57CB2DF2}"/>
+              </a:ext>
+            </a:extLst>
+          </p:cNvPr>
+          <p:cNvSpPr>
+            <a:spLocks/>
+          </p:cNvSpPr>
+          <p:nvPr/>
+        </p:nvSpPr>
+        <p:spPr>
+          <a:xfrm>
+            <a:off x="683568" y="2394989"/>
+            <a:ext cx="8565279" cy="707886"/>
+          </a:xfrm>
+          <a:prstGeom prst="rect">
+            <a:avLst/>
+          </a:prstGeom>
+          <a:noFill/>
+          <a:ln w="9525" cap="flat" cmpd="sng">
+            <a:noFill/>
+            <a:prstDash val="solid"/>
+            <a:miter/>
+          </a:ln>
+        </p:spPr>
+        <p:txBody>
+          <a:bodyPr vert="horz" wrap="square" lIns="91440" tIns="45720" rIns="91440" bIns="45720" anchor="ctr" anchorCtr="0">
+            <a:prstTxWarp prst="textNoShape">
+              <a:avLst/>
+            </a:prstTxWarp>
+            <a:spAutoFit/>
+          </a:bodyPr>
+          <a:lstStyle/>
+          <a:p>
+            <a:pPr marL="800100" lvl="1" indent="-342900">
+              <a:buFont typeface="Wingdings" panose="05000000000000000000" pitchFamily="2" charset="2"/>
+              <a:buChar char="u"/>
+            </a:pPr>
+            <a:r>
+              <a:rPr lang="zh-CN" altLang="en-US" sz="2000" u="none" strike="noStrike" kern="1200" cap="none" spc="0" baseline="0">
+                <a:solidFill>
+                  <a:srgbClr val="212121"/>
+                </a:solidFill>
+                <a:latin typeface="微软雅黑" charset="0"/>
+                <a:ea typeface="微软雅黑" charset="0"/>
+                <a:cs typeface="微软雅黑" charset="0"/>
+                <a:sym typeface="Calibri" pitchFamily="34" charset="0"/>
+              </a:rPr>
+              <a:t>全局配置用户信息</a:t>
+            </a:r>
+            <a:r>
+              <a:rPr lang="zh-CN" altLang="en-US" sz="2000" u="none" strike="noStrike" kern="1200" cap="none" spc="0" baseline="0">
+                <a:solidFill>
+                  <a:srgbClr val="474747"/>
+                </a:solidFill>
+                <a:latin typeface="微软雅黑" charset="0"/>
+                <a:ea typeface="微软雅黑" charset="0"/>
+                <a:cs typeface="微软雅黑" charset="0"/>
+                <a:sym typeface="Calibri" pitchFamily="34" charset="0"/>
+              </a:rPr>
+              <a:t>：</a:t>
+            </a:r>
+            <a:endParaRPr lang="en-US" altLang="zh-CN" sz="2000" u="none" strike="noStrike" kern="1200" cap="none" spc="0" baseline="0">
+              <a:solidFill>
+                <a:srgbClr val="474747"/>
+              </a:solidFill>
+              <a:latin typeface="微软雅黑" charset="0"/>
+              <a:ea typeface="微软雅黑" charset="0"/>
+              <a:cs typeface="微软雅黑" charset="0"/>
+              <a:sym typeface="Calibri" pitchFamily="34" charset="0"/>
+            </a:endParaRPr>
+          </a:p>
+          <a:p>
+            <a:pPr lvl="1"/>
+            <a:endParaRPr lang="zh-CN" altLang="en-US" sz="2000" u="none" strike="noStrike" kern="1200" cap="none" spc="0" baseline="0" dirty="0">
+              <a:solidFill>
+                <a:srgbClr val="C9394A"/>
+              </a:solidFill>
+              <a:latin typeface="微软雅黑" charset="0"/>
+              <a:ea typeface="微软雅黑" charset="0"/>
+              <a:cs typeface="微软雅黑" charset="0"/>
+              <a:sym typeface="Calibri" pitchFamily="34" charset="0"/>
+            </a:endParaRPr>
           </a:p>
         </p:txBody>
       </p:sp>
@@ -10618,7 +10368,7 @@
           <p:cNvPr id="3" name="文本框 2">
             <a:extLst>
               <a:ext uri="{FF2B5EF4-FFF2-40B4-BE49-F238E27FC236}">
-                <a16:creationId xmlns:a16="http://schemas.microsoft.com/office/drawing/2014/main" id="{B41F4DE0-2C25-4A61-B866-25C62E464106}"/>
+                <a16:creationId xmlns:a16="http://schemas.microsoft.com/office/drawing/2014/main" id="{F6F64CF9-0A4F-43B1-AD4E-4213670D3B49}"/>
               </a:ext>
             </a:extLst>
           </p:cNvPr>
@@ -10627,8 +10377,8 @@
         </p:nvSpPr>
         <p:spPr>
           <a:xfrm>
-            <a:off x="1547664" y="597331"/>
-            <a:ext cx="6336704" cy="4247317"/>
+            <a:off x="1547664" y="3122952"/>
+            <a:ext cx="5400600" cy="1477328"/>
           </a:xfrm>
           <a:prstGeom prst="rect">
             <a:avLst/>
@@ -10641,200 +10391,116 @@
           </a:bodyPr>
           <a:lstStyle/>
           <a:p>
-            <a:pPr lvl="0"/>
+            <a:r>
+              <a:rPr lang="en-US" altLang="zh-CN" dirty="0"/>
+              <a:t>git config </a:t>
+            </a:r>
             <a:r>
               <a:rPr lang="en-US" altLang="zh-CN" b="1" dirty="0">
-                <a:latin typeface="微软雅黑" panose="020B0503020204020204" pitchFamily="34" charset="-122"/>
-                <a:ea typeface="微软雅黑" panose="020B0503020204020204" pitchFamily="34" charset="-122"/>
-              </a:rPr>
-              <a:t>Git</a:t>
-            </a:r>
-            <a:r>
-              <a:rPr lang="zh-CN" altLang="zh-CN" b="1" dirty="0">
-                <a:latin typeface="微软雅黑" panose="020B0503020204020204" pitchFamily="34" charset="-122"/>
-                <a:ea typeface="微软雅黑" panose="020B0503020204020204" pitchFamily="34" charset="-122"/>
-              </a:rPr>
-              <a:t>基本操作</a:t>
-            </a:r>
-            <a:endParaRPr lang="en-US" altLang="zh-CN" b="1" dirty="0">
-              <a:latin typeface="微软雅黑" panose="020B0503020204020204" pitchFamily="34" charset="-122"/>
-              <a:ea typeface="微软雅黑" panose="020B0503020204020204" pitchFamily="34" charset="-122"/>
-            </a:endParaRPr>
-          </a:p>
-          <a:p>
-            <a:pPr lvl="0"/>
-            <a:endParaRPr lang="zh-CN" altLang="zh-CN" b="1" dirty="0"/>
-          </a:p>
-          <a:p>
-            <a:pPr>
-              <a:lnSpc>
-                <a:spcPct val="150000"/>
-              </a:lnSpc>
-            </a:pPr>
-            <a:r>
-              <a:rPr lang="zh-CN" altLang="zh-CN" sz="1600" dirty="0">
-                <a:latin typeface="微软雅黑" panose="020B0503020204020204" pitchFamily="34" charset="-122"/>
-                <a:ea typeface="微软雅黑" panose="020B0503020204020204" pitchFamily="34" charset="-122"/>
-              </a:rPr>
-              <a:t>主要掌握一些几个命令</a:t>
-            </a:r>
-          </a:p>
-          <a:p>
-            <a:pPr>
-              <a:lnSpc>
-                <a:spcPct val="150000"/>
-              </a:lnSpc>
-            </a:pPr>
-            <a:r>
-              <a:rPr lang="en-US" altLang="zh-CN" sz="1600" dirty="0">
-                <a:latin typeface="微软雅黑" panose="020B0503020204020204" pitchFamily="34" charset="-122"/>
-                <a:ea typeface="微软雅黑" panose="020B0503020204020204" pitchFamily="34" charset="-122"/>
-              </a:rPr>
-              <a:t>git config --list </a:t>
-            </a:r>
-            <a:endParaRPr lang="zh-CN" altLang="zh-CN" sz="1600" dirty="0">
-              <a:latin typeface="微软雅黑" panose="020B0503020204020204" pitchFamily="34" charset="-122"/>
-              <a:ea typeface="微软雅黑" panose="020B0503020204020204" pitchFamily="34" charset="-122"/>
-            </a:endParaRPr>
-          </a:p>
-          <a:p>
-            <a:pPr lvl="0">
-              <a:lnSpc>
-                <a:spcPct val="150000"/>
-              </a:lnSpc>
-            </a:pPr>
-            <a:r>
-              <a:rPr lang="en-US" altLang="zh-CN" sz="1600" dirty="0">
-                <a:latin typeface="微软雅黑" panose="020B0503020204020204" pitchFamily="34" charset="-122"/>
-                <a:ea typeface="微软雅黑" panose="020B0503020204020204" pitchFamily="34" charset="-122"/>
-              </a:rPr>
-              <a:t>git </a:t>
-            </a:r>
-            <a:r>
-              <a:rPr lang="en-US" altLang="zh-CN" sz="1600" dirty="0" err="1">
-                <a:latin typeface="微软雅黑" panose="020B0503020204020204" pitchFamily="34" charset="-122"/>
-                <a:ea typeface="微软雅黑" panose="020B0503020204020204" pitchFamily="34" charset="-122"/>
-              </a:rPr>
-              <a:t>init</a:t>
-            </a:r>
-            <a:endParaRPr lang="zh-CN" altLang="zh-CN" sz="1600" dirty="0">
-              <a:latin typeface="微软雅黑" panose="020B0503020204020204" pitchFamily="34" charset="-122"/>
-              <a:ea typeface="微软雅黑" panose="020B0503020204020204" pitchFamily="34" charset="-122"/>
-            </a:endParaRPr>
-          </a:p>
-          <a:p>
-            <a:pPr lvl="0">
-              <a:lnSpc>
-                <a:spcPct val="150000"/>
-              </a:lnSpc>
-            </a:pPr>
-            <a:r>
-              <a:rPr lang="en-US" altLang="zh-CN" sz="1600" dirty="0">
-                <a:latin typeface="微软雅黑" panose="020B0503020204020204" pitchFamily="34" charset="-122"/>
-                <a:ea typeface="微软雅黑" panose="020B0503020204020204" pitchFamily="34" charset="-122"/>
-              </a:rPr>
-              <a:t>git add</a:t>
-            </a:r>
-            <a:endParaRPr lang="zh-CN" altLang="zh-CN" sz="1600" dirty="0">
-              <a:latin typeface="微软雅黑" panose="020B0503020204020204" pitchFamily="34" charset="-122"/>
-              <a:ea typeface="微软雅黑" panose="020B0503020204020204" pitchFamily="34" charset="-122"/>
-            </a:endParaRPr>
-          </a:p>
-          <a:p>
-            <a:pPr lvl="0">
-              <a:lnSpc>
-                <a:spcPct val="150000"/>
-              </a:lnSpc>
-            </a:pPr>
-            <a:r>
-              <a:rPr lang="en-US" altLang="zh-CN" sz="1600" dirty="0">
-                <a:latin typeface="微软雅黑" panose="020B0503020204020204" pitchFamily="34" charset="-122"/>
-                <a:ea typeface="微软雅黑" panose="020B0503020204020204" pitchFamily="34" charset="-122"/>
-              </a:rPr>
-              <a:t>git commit</a:t>
-            </a:r>
-            <a:endParaRPr lang="zh-CN" altLang="zh-CN" sz="1600" dirty="0">
-              <a:latin typeface="微软雅黑" panose="020B0503020204020204" pitchFamily="34" charset="-122"/>
-              <a:ea typeface="微软雅黑" panose="020B0503020204020204" pitchFamily="34" charset="-122"/>
-            </a:endParaRPr>
-          </a:p>
-          <a:p>
-            <a:pPr lvl="0">
-              <a:lnSpc>
-                <a:spcPct val="150000"/>
-              </a:lnSpc>
-            </a:pPr>
-            <a:r>
-              <a:rPr lang="en-US" altLang="zh-CN" sz="1600" dirty="0">
-                <a:latin typeface="微软雅黑" panose="020B0503020204020204" pitchFamily="34" charset="-122"/>
-                <a:ea typeface="微软雅黑" panose="020B0503020204020204" pitchFamily="34" charset="-122"/>
-              </a:rPr>
-              <a:t>git status</a:t>
-            </a:r>
-            <a:endParaRPr lang="zh-CN" altLang="zh-CN" sz="1600" dirty="0">
-              <a:latin typeface="微软雅黑" panose="020B0503020204020204" pitchFamily="34" charset="-122"/>
-              <a:ea typeface="微软雅黑" panose="020B0503020204020204" pitchFamily="34" charset="-122"/>
-            </a:endParaRPr>
-          </a:p>
-          <a:p>
-            <a:pPr lvl="0">
-              <a:lnSpc>
-                <a:spcPct val="150000"/>
-              </a:lnSpc>
-            </a:pPr>
-            <a:r>
-              <a:rPr lang="en-US" altLang="zh-CN" sz="1600" dirty="0">
-                <a:latin typeface="微软雅黑" panose="020B0503020204020204" pitchFamily="34" charset="-122"/>
-                <a:ea typeface="微软雅黑" panose="020B0503020204020204" pitchFamily="34" charset="-122"/>
-              </a:rPr>
-              <a:t>git reset</a:t>
-            </a:r>
-            <a:endParaRPr lang="zh-CN" altLang="zh-CN" sz="1600" dirty="0">
-              <a:latin typeface="微软雅黑" panose="020B0503020204020204" pitchFamily="34" charset="-122"/>
-              <a:ea typeface="微软雅黑" panose="020B0503020204020204" pitchFamily="34" charset="-122"/>
-            </a:endParaRPr>
-          </a:p>
-          <a:p>
-            <a:pPr>
-              <a:lnSpc>
-                <a:spcPct val="150000"/>
-              </a:lnSpc>
-            </a:pPr>
-            <a:r>
-              <a:rPr lang="en-US" altLang="zh-CN" sz="1600" dirty="0">
-                <a:latin typeface="微软雅黑" panose="020B0503020204020204" pitchFamily="34" charset="-122"/>
-                <a:ea typeface="微软雅黑" panose="020B0503020204020204" pitchFamily="34" charset="-122"/>
-              </a:rPr>
-              <a:t> </a:t>
-            </a:r>
-            <a:endParaRPr lang="zh-CN" altLang="zh-CN" sz="1600" dirty="0">
-              <a:latin typeface="微软雅黑" panose="020B0503020204020204" pitchFamily="34" charset="-122"/>
-              <a:ea typeface="微软雅黑" panose="020B0503020204020204" pitchFamily="34" charset="-122"/>
-            </a:endParaRPr>
-          </a:p>
-          <a:p>
-            <a:pPr>
-              <a:lnSpc>
-                <a:spcPct val="150000"/>
-              </a:lnSpc>
-            </a:pPr>
-            <a:r>
-              <a:rPr lang="zh-CN" altLang="zh-CN" sz="1600" dirty="0">
-                <a:latin typeface="微软雅黑" panose="020B0503020204020204" pitchFamily="34" charset="-122"/>
-                <a:ea typeface="微软雅黑" panose="020B0503020204020204" pitchFamily="34" charset="-122"/>
-              </a:rPr>
-              <a:t>主要，这些命令都是基于单人开发的版本控制。</a:t>
-            </a:r>
-          </a:p>
-          <a:p>
-            <a:endParaRPr lang="zh-CN" altLang="en-US" dirty="0"/>
+                <a:solidFill>
+                  <a:srgbClr val="C9394A"/>
+                </a:solidFill>
+              </a:rPr>
+              <a:t>--global</a:t>
+            </a:r>
+            <a:r>
+              <a:rPr lang="en-US" altLang="zh-CN" dirty="0">
+                <a:solidFill>
+                  <a:srgbClr val="C9394A"/>
+                </a:solidFill>
+              </a:rPr>
+              <a:t> </a:t>
+            </a:r>
+            <a:r>
+              <a:rPr lang="en-US" altLang="zh-CN" dirty="0"/>
+              <a:t>user.name</a:t>
+            </a:r>
+            <a:r>
+              <a:rPr lang="zh-CN" altLang="en-US" dirty="0"/>
+              <a:t>  </a:t>
+            </a:r>
+            <a:r>
+              <a:rPr lang="en-US" altLang="zh-CN" dirty="0"/>
+              <a:t>xxx</a:t>
+            </a:r>
+            <a:r>
+              <a:rPr lang="en-US" altLang="zh-CN" sz="1400" dirty="0"/>
+              <a:t>(</a:t>
+            </a:r>
+            <a:r>
+              <a:rPr lang="zh-CN" altLang="en-US" sz="1400" dirty="0"/>
+              <a:t>用户名</a:t>
+            </a:r>
+            <a:r>
+              <a:rPr lang="en-US" altLang="zh-CN" sz="1400" dirty="0"/>
+              <a:t>)</a:t>
+            </a:r>
+          </a:p>
+          <a:p>
+            <a:endParaRPr lang="en-US" altLang="zh-CN" dirty="0"/>
+          </a:p>
+          <a:p>
+            <a:r>
+              <a:rPr lang="en-US" altLang="zh-CN" dirty="0"/>
+              <a:t>git config </a:t>
+            </a:r>
+            <a:r>
+              <a:rPr lang="en-US" altLang="zh-CN" b="1" dirty="0">
+                <a:solidFill>
+                  <a:srgbClr val="C9394A"/>
+                </a:solidFill>
+              </a:rPr>
+              <a:t>--global </a:t>
+            </a:r>
+            <a:r>
+              <a:rPr lang="en-US" altLang="zh-CN" dirty="0" err="1"/>
+              <a:t>user.email</a:t>
+            </a:r>
+            <a:r>
+              <a:rPr lang="en-US" altLang="zh-CN" dirty="0"/>
+              <a:t>  </a:t>
+            </a:r>
+            <a:r>
+              <a:rPr lang="en-US" altLang="zh-CN" dirty="0" err="1"/>
+              <a:t>xxxx</a:t>
+            </a:r>
+            <a:r>
+              <a:rPr lang="en-US" altLang="zh-CN" sz="1400" dirty="0"/>
+              <a:t>(</a:t>
+            </a:r>
+            <a:r>
+              <a:rPr lang="zh-CN" altLang="en-US" sz="1400" dirty="0"/>
+              <a:t>邮箱地址</a:t>
+            </a:r>
+            <a:r>
+              <a:rPr lang="en-US" altLang="zh-CN" sz="1400" dirty="0"/>
+              <a:t>)</a:t>
+            </a:r>
+          </a:p>
+          <a:p>
+            <a:endParaRPr lang="en-US" altLang="zh-CN" dirty="0"/>
+          </a:p>
+          <a:p>
+            <a:r>
+              <a:rPr lang="en-US" altLang="zh-CN" dirty="0"/>
+              <a:t>git config --list   </a:t>
+            </a:r>
+            <a:r>
+              <a:rPr lang="zh-CN" altLang="en-US" sz="1400" dirty="0"/>
+              <a:t>查看全局的配置</a:t>
+            </a:r>
+            <a:r>
+              <a:rPr lang="en-US" altLang="zh-CN" sz="1400" dirty="0"/>
+              <a:t>   </a:t>
+            </a:r>
+            <a:endParaRPr lang="zh-CN" altLang="en-US" sz="1400" dirty="0"/>
           </a:p>
         </p:txBody>
       </p:sp>
     </p:spTree>
     <p:extLst>
       <p:ext uri="{BB962C8B-B14F-4D97-AF65-F5344CB8AC3E}">
-        <p14:creationId xmlns:p14="http://schemas.microsoft.com/office/powerpoint/2010/main" val="2402997788"/>
+        <p14:creationId xmlns:p14="http://schemas.microsoft.com/office/powerpoint/2010/main" val="1872313213"/>
       </p:ext>
     </p:extLst>
   </p:cSld>
@@ -10861,46 +10527,276 @@
           <a:chExt cx="0" cy="0"/>
         </a:xfrm>
       </p:grpSpPr>
-      <p:pic>
-        <p:nvPicPr>
-          <p:cNvPr id="5" name="图片 4">
+      <p:sp>
+        <p:nvSpPr>
+          <p:cNvPr id="2" name="矩形 1">
             <a:extLst>
               <a:ext uri="{FF2B5EF4-FFF2-40B4-BE49-F238E27FC236}">
-                <a16:creationId xmlns:a16="http://schemas.microsoft.com/office/drawing/2014/main" id="{DC41C750-5204-4DCE-9F41-69E29BA52849}"/>
+                <a16:creationId xmlns:a16="http://schemas.microsoft.com/office/drawing/2014/main" id="{01B4A18C-6CD4-4278-986E-1849295E5A91}"/>
               </a:ext>
             </a:extLst>
           </p:cNvPr>
-          <p:cNvPicPr>
-            <a:picLocks noChangeAspect="1"/>
-          </p:cNvPicPr>
+          <p:cNvSpPr/>
           <p:nvPr/>
-        </p:nvPicPr>
-        <p:blipFill>
-          <a:blip r:embed="rId3">
-            <a:extLst>
-              <a:ext uri="{28A0092B-C50C-407E-A947-70E740481C1C}">
-                <a14:useLocalDpi xmlns:a14="http://schemas.microsoft.com/office/drawing/2010/main" val="0"/>
-              </a:ext>
-            </a:extLst>
-          </a:blip>
-          <a:stretch>
-            <a:fillRect/>
-          </a:stretch>
-        </p:blipFill>
+        </p:nvSpPr>
         <p:spPr>
           <a:xfrm>
-            <a:off x="611560" y="987574"/>
-            <a:ext cx="7381875" cy="3686175"/>
+            <a:off x="4211960" y="4659982"/>
+            <a:ext cx="4372094" cy="369332"/>
           </a:xfrm>
           <a:prstGeom prst="rect">
             <a:avLst/>
           </a:prstGeom>
         </p:spPr>
-      </p:pic>
+        <p:txBody>
+          <a:bodyPr wrap="none">
+            <a:spAutoFit/>
+          </a:bodyPr>
+          <a:lstStyle/>
+          <a:p>
+            <a:r>
+              <a:rPr lang="zh-CN" altLang="en-US" dirty="0"/>
+              <a:t>官方网站：https://git-scm.com/book/zh/v2</a:t>
+            </a:r>
+          </a:p>
+        </p:txBody>
+      </p:sp>
+      <p:sp>
+        <p:nvSpPr>
+          <p:cNvPr id="3" name="文本框 2">
+            <a:extLst>
+              <a:ext uri="{FF2B5EF4-FFF2-40B4-BE49-F238E27FC236}">
+                <a16:creationId xmlns:a16="http://schemas.microsoft.com/office/drawing/2014/main" id="{B41F4DE0-2C25-4A61-B866-25C62E464106}"/>
+              </a:ext>
+            </a:extLst>
+          </p:cNvPr>
+          <p:cNvSpPr txBox="1"/>
+          <p:nvPr/>
+        </p:nvSpPr>
+        <p:spPr>
+          <a:xfrm>
+            <a:off x="1547664" y="597331"/>
+            <a:ext cx="6336704" cy="4247317"/>
+          </a:xfrm>
+          <a:prstGeom prst="rect">
+            <a:avLst/>
+          </a:prstGeom>
+          <a:noFill/>
+        </p:spPr>
+        <p:txBody>
+          <a:bodyPr wrap="square" rtlCol="0">
+            <a:spAutoFit/>
+          </a:bodyPr>
+          <a:lstStyle/>
+          <a:p>
+            <a:pPr lvl="0"/>
+            <a:r>
+              <a:rPr lang="en-US" altLang="zh-CN" b="1" dirty="0">
+                <a:latin typeface="微软雅黑" panose="020B0503020204020204" pitchFamily="34" charset="-122"/>
+                <a:ea typeface="微软雅黑" panose="020B0503020204020204" pitchFamily="34" charset="-122"/>
+              </a:rPr>
+              <a:t>Git</a:t>
+            </a:r>
+            <a:r>
+              <a:rPr lang="zh-CN" altLang="zh-CN" b="1" dirty="0">
+                <a:latin typeface="微软雅黑" panose="020B0503020204020204" pitchFamily="34" charset="-122"/>
+                <a:ea typeface="微软雅黑" panose="020B0503020204020204" pitchFamily="34" charset="-122"/>
+              </a:rPr>
+              <a:t>基本操作</a:t>
+            </a:r>
+            <a:endParaRPr lang="en-US" altLang="zh-CN" b="1" dirty="0">
+              <a:latin typeface="微软雅黑" panose="020B0503020204020204" pitchFamily="34" charset="-122"/>
+              <a:ea typeface="微软雅黑" panose="020B0503020204020204" pitchFamily="34" charset="-122"/>
+            </a:endParaRPr>
+          </a:p>
+          <a:p>
+            <a:pPr lvl="0"/>
+            <a:endParaRPr lang="zh-CN" altLang="zh-CN" b="1" dirty="0"/>
+          </a:p>
+          <a:p>
+            <a:pPr>
+              <a:lnSpc>
+                <a:spcPct val="150000"/>
+              </a:lnSpc>
+            </a:pPr>
+            <a:r>
+              <a:rPr lang="zh-CN" altLang="zh-CN" sz="1600" dirty="0">
+                <a:latin typeface="微软雅黑" panose="020B0503020204020204" pitchFamily="34" charset="-122"/>
+                <a:ea typeface="微软雅黑" panose="020B0503020204020204" pitchFamily="34" charset="-122"/>
+              </a:rPr>
+              <a:t>主要掌握一些几个命令</a:t>
+            </a:r>
+          </a:p>
+          <a:p>
+            <a:pPr>
+              <a:lnSpc>
+                <a:spcPct val="150000"/>
+              </a:lnSpc>
+            </a:pPr>
+            <a:r>
+              <a:rPr lang="en-US" altLang="zh-CN" sz="1600" dirty="0">
+                <a:latin typeface="微软雅黑" panose="020B0503020204020204" pitchFamily="34" charset="-122"/>
+                <a:ea typeface="微软雅黑" panose="020B0503020204020204" pitchFamily="34" charset="-122"/>
+              </a:rPr>
+              <a:t>git config --list </a:t>
+            </a:r>
+            <a:endParaRPr lang="zh-CN" altLang="zh-CN" sz="1600" dirty="0">
+              <a:latin typeface="微软雅黑" panose="020B0503020204020204" pitchFamily="34" charset="-122"/>
+              <a:ea typeface="微软雅黑" panose="020B0503020204020204" pitchFamily="34" charset="-122"/>
+            </a:endParaRPr>
+          </a:p>
+          <a:p>
+            <a:pPr lvl="0">
+              <a:lnSpc>
+                <a:spcPct val="150000"/>
+              </a:lnSpc>
+            </a:pPr>
+            <a:r>
+              <a:rPr lang="en-US" altLang="zh-CN" sz="1600" dirty="0">
+                <a:latin typeface="微软雅黑" panose="020B0503020204020204" pitchFamily="34" charset="-122"/>
+                <a:ea typeface="微软雅黑" panose="020B0503020204020204" pitchFamily="34" charset="-122"/>
+              </a:rPr>
+              <a:t>git </a:t>
+            </a:r>
+            <a:r>
+              <a:rPr lang="en-US" altLang="zh-CN" sz="1600" dirty="0" err="1">
+                <a:latin typeface="微软雅黑" panose="020B0503020204020204" pitchFamily="34" charset="-122"/>
+                <a:ea typeface="微软雅黑" panose="020B0503020204020204" pitchFamily="34" charset="-122"/>
+              </a:rPr>
+              <a:t>init</a:t>
+            </a:r>
+            <a:endParaRPr lang="zh-CN" altLang="zh-CN" sz="1600" dirty="0">
+              <a:latin typeface="微软雅黑" panose="020B0503020204020204" pitchFamily="34" charset="-122"/>
+              <a:ea typeface="微软雅黑" panose="020B0503020204020204" pitchFamily="34" charset="-122"/>
+            </a:endParaRPr>
+          </a:p>
+          <a:p>
+            <a:pPr lvl="0">
+              <a:lnSpc>
+                <a:spcPct val="150000"/>
+              </a:lnSpc>
+            </a:pPr>
+            <a:r>
+              <a:rPr lang="en-US" altLang="zh-CN" sz="1600" dirty="0">
+                <a:latin typeface="微软雅黑" panose="020B0503020204020204" pitchFamily="34" charset="-122"/>
+                <a:ea typeface="微软雅黑" panose="020B0503020204020204" pitchFamily="34" charset="-122"/>
+              </a:rPr>
+              <a:t>git add .</a:t>
+            </a:r>
+            <a:endParaRPr lang="zh-CN" altLang="zh-CN" sz="1600" dirty="0">
+              <a:latin typeface="微软雅黑" panose="020B0503020204020204" pitchFamily="34" charset="-122"/>
+              <a:ea typeface="微软雅黑" panose="020B0503020204020204" pitchFamily="34" charset="-122"/>
+            </a:endParaRPr>
+          </a:p>
+          <a:p>
+            <a:pPr lvl="0">
+              <a:lnSpc>
+                <a:spcPct val="150000"/>
+              </a:lnSpc>
+            </a:pPr>
+            <a:r>
+              <a:rPr lang="en-US" altLang="zh-CN" sz="1600" dirty="0">
+                <a:latin typeface="微软雅黑" panose="020B0503020204020204" pitchFamily="34" charset="-122"/>
+                <a:ea typeface="微软雅黑" panose="020B0503020204020204" pitchFamily="34" charset="-122"/>
+              </a:rPr>
+              <a:t>git commit –m “</a:t>
+            </a:r>
+            <a:r>
+              <a:rPr lang="zh-CN" altLang="en-US" sz="1600" dirty="0">
+                <a:latin typeface="微软雅黑" panose="020B0503020204020204" pitchFamily="34" charset="-122"/>
+                <a:ea typeface="微软雅黑" panose="020B0503020204020204" pitchFamily="34" charset="-122"/>
+              </a:rPr>
+              <a:t>注释</a:t>
+            </a:r>
+            <a:r>
+              <a:rPr lang="en-US" altLang="zh-CN" sz="1600" dirty="0">
+                <a:latin typeface="微软雅黑" panose="020B0503020204020204" pitchFamily="34" charset="-122"/>
+                <a:ea typeface="微软雅黑" panose="020B0503020204020204" pitchFamily="34" charset="-122"/>
+              </a:rPr>
+              <a:t>”</a:t>
+            </a:r>
+            <a:endParaRPr lang="zh-CN" altLang="zh-CN" sz="1600" dirty="0">
+              <a:latin typeface="微软雅黑" panose="020B0503020204020204" pitchFamily="34" charset="-122"/>
+              <a:ea typeface="微软雅黑" panose="020B0503020204020204" pitchFamily="34" charset="-122"/>
+            </a:endParaRPr>
+          </a:p>
+          <a:p>
+            <a:pPr lvl="0">
+              <a:lnSpc>
+                <a:spcPct val="150000"/>
+              </a:lnSpc>
+            </a:pPr>
+            <a:r>
+              <a:rPr lang="en-US" altLang="zh-CN" sz="1600" dirty="0">
+                <a:latin typeface="微软雅黑" panose="020B0503020204020204" pitchFamily="34" charset="-122"/>
+                <a:ea typeface="微软雅黑" panose="020B0503020204020204" pitchFamily="34" charset="-122"/>
+              </a:rPr>
+              <a:t>git status </a:t>
+            </a:r>
+            <a:endParaRPr lang="zh-CN" altLang="zh-CN" sz="1600" dirty="0">
+              <a:latin typeface="微软雅黑" panose="020B0503020204020204" pitchFamily="34" charset="-122"/>
+              <a:ea typeface="微软雅黑" panose="020B0503020204020204" pitchFamily="34" charset="-122"/>
+            </a:endParaRPr>
+          </a:p>
+          <a:p>
+            <a:pPr lvl="0">
+              <a:lnSpc>
+                <a:spcPct val="150000"/>
+              </a:lnSpc>
+            </a:pPr>
+            <a:r>
+              <a:rPr lang="en-US" altLang="zh-CN" sz="1600" dirty="0">
+                <a:latin typeface="微软雅黑" panose="020B0503020204020204" pitchFamily="34" charset="-122"/>
+                <a:ea typeface="微软雅黑" panose="020B0503020204020204" pitchFamily="34" charset="-122"/>
+              </a:rPr>
+              <a:t>git reset </a:t>
+            </a:r>
+            <a:endParaRPr lang="zh-CN" altLang="zh-CN" sz="1600" dirty="0">
+              <a:latin typeface="微软雅黑" panose="020B0503020204020204" pitchFamily="34" charset="-122"/>
+              <a:ea typeface="微软雅黑" panose="020B0503020204020204" pitchFamily="34" charset="-122"/>
+            </a:endParaRPr>
+          </a:p>
+          <a:p>
+            <a:pPr>
+              <a:lnSpc>
+                <a:spcPct val="150000"/>
+              </a:lnSpc>
+            </a:pPr>
+            <a:r>
+              <a:rPr lang="en-US" altLang="zh-CN" sz="1600" dirty="0">
+                <a:latin typeface="微软雅黑" panose="020B0503020204020204" pitchFamily="34" charset="-122"/>
+                <a:ea typeface="微软雅黑" panose="020B0503020204020204" pitchFamily="34" charset="-122"/>
+              </a:rPr>
+              <a:t> </a:t>
+            </a:r>
+            <a:endParaRPr lang="zh-CN" altLang="zh-CN" sz="1600" dirty="0">
+              <a:latin typeface="微软雅黑" panose="020B0503020204020204" pitchFamily="34" charset="-122"/>
+              <a:ea typeface="微软雅黑" panose="020B0503020204020204" pitchFamily="34" charset="-122"/>
+            </a:endParaRPr>
+          </a:p>
+          <a:p>
+            <a:pPr>
+              <a:lnSpc>
+                <a:spcPct val="150000"/>
+              </a:lnSpc>
+            </a:pPr>
+            <a:r>
+              <a:rPr lang="zh-CN" altLang="zh-CN" sz="1600" dirty="0">
+                <a:latin typeface="微软雅黑" panose="020B0503020204020204" pitchFamily="34" charset="-122"/>
+                <a:ea typeface="微软雅黑" panose="020B0503020204020204" pitchFamily="34" charset="-122"/>
+              </a:rPr>
+              <a:t>主要，这些命令都是基于单人开发的版本控制。</a:t>
+            </a:r>
+          </a:p>
+          <a:p>
+            <a:endParaRPr lang="zh-CN" altLang="en-US" dirty="0"/>
+          </a:p>
+        </p:txBody>
+      </p:sp>
     </p:spTree>
     <p:extLst>
       <p:ext uri="{BB962C8B-B14F-4D97-AF65-F5344CB8AC3E}">
-        <p14:creationId xmlns:p14="http://schemas.microsoft.com/office/powerpoint/2010/main" val="2620031803"/>
+        <p14:creationId xmlns:p14="http://schemas.microsoft.com/office/powerpoint/2010/main" val="2402997788"/>
       </p:ext>
     </p:extLst>
   </p:cSld>

--- a/git.pptx
+++ b/git.pptx
@@ -10,13 +10,13 @@
   </p:notesMasterIdLst>
   <p:sldIdLst>
     <p:sldId id="275" r:id="rId3"/>
-    <p:sldId id="298" r:id="rId4"/>
-    <p:sldId id="296" r:id="rId5"/>
-    <p:sldId id="297" r:id="rId6"/>
-    <p:sldId id="300" r:id="rId7"/>
-    <p:sldId id="301" r:id="rId8"/>
-    <p:sldId id="302" r:id="rId9"/>
-    <p:sldId id="307" r:id="rId10"/>
+    <p:sldId id="308" r:id="rId4"/>
+    <p:sldId id="298" r:id="rId5"/>
+    <p:sldId id="296" r:id="rId6"/>
+    <p:sldId id="297" r:id="rId7"/>
+    <p:sldId id="300" r:id="rId8"/>
+    <p:sldId id="301" r:id="rId9"/>
+    <p:sldId id="302" r:id="rId10"/>
     <p:sldId id="281" r:id="rId11"/>
     <p:sldId id="305" r:id="rId12"/>
     <p:sldId id="306" r:id="rId13"/>
@@ -346,7 +346,7 @@
                 <a:cs typeface="Calibri" pitchFamily="34" charset="0"/>
               </a:rPr>
               <a:pPr algn="r"/>
-              <a:t>2018/12/26</a:t>
+              <a:t>2019/2/11</a:t>
             </a:fld>
             <a:endParaRPr lang="zh-CN" altLang="en-US" sz="1200">
               <a:latin typeface="Calibri" pitchFamily="34" charset="0"/>
@@ -870,7 +870,7 @@
                 <a:cs typeface="Calibri" pitchFamily="34" charset="0"/>
               </a:rPr>
               <a:pPr algn="r"/>
-              <a:t>2018/12/26</a:t>
+              <a:t>2019/2/11</a:t>
             </a:fld>
             <a:endParaRPr lang="zh-CN" altLang="en-US" sz="1200">
               <a:latin typeface="Calibri" pitchFamily="34" charset="0"/>
@@ -1228,7 +1228,7 @@
     </p:spTree>
     <p:extLst>
       <p:ext uri="{BB962C8B-B14F-4D97-AF65-F5344CB8AC3E}">
-        <p14:creationId xmlns:p14="http://schemas.microsoft.com/office/powerpoint/2010/main" val="1757636928"/>
+        <p14:creationId xmlns:p14="http://schemas.microsoft.com/office/powerpoint/2010/main" val="1909273331"/>
       </p:ext>
     </p:extLst>
   </p:cSld>
@@ -1282,167 +1282,7 @@
           <a:bodyPr/>
           <a:lstStyle/>
           <a:p>
-            <a:r>
-              <a:rPr lang="zh-CN" altLang="en-US" sz="1200" b="0" i="0" kern="1200" dirty="0">
-                <a:solidFill>
-                  <a:schemeClr val="tx1"/>
-                </a:solidFill>
-                <a:effectLst/>
-                <a:latin typeface="Arial" pitchFamily="34" charset="0"/>
-                <a:ea typeface="宋体" pitchFamily="2" charset="-122"/>
-                <a:cs typeface="Calibri" pitchFamily="34" charset="0"/>
-              </a:rPr>
-              <a:t>集中式版本：</a:t>
-            </a:r>
-            <a:endParaRPr lang="en-US" altLang="zh-CN" sz="1200" b="0" i="0" kern="1200" dirty="0">
-              <a:solidFill>
-                <a:schemeClr val="tx1"/>
-              </a:solidFill>
-              <a:effectLst/>
-              <a:latin typeface="Arial" pitchFamily="34" charset="0"/>
-              <a:ea typeface="宋体" pitchFamily="2" charset="-122"/>
-              <a:cs typeface="Calibri" pitchFamily="34" charset="0"/>
-            </a:endParaRPr>
-          </a:p>
-          <a:p>
-            <a:endParaRPr lang="en-US" altLang="zh-CN" sz="1200" b="0" i="0" kern="1200" dirty="0">
-              <a:solidFill>
-                <a:schemeClr val="tx1"/>
-              </a:solidFill>
-              <a:effectLst/>
-              <a:latin typeface="Arial" pitchFamily="34" charset="0"/>
-              <a:ea typeface="宋体" pitchFamily="2" charset="-122"/>
-              <a:cs typeface="Calibri" pitchFamily="34" charset="0"/>
-            </a:endParaRPr>
-          </a:p>
-          <a:p>
-            <a:r>
-              <a:rPr lang="zh-CN" altLang="en-US" sz="1200" b="0" i="0" kern="1200" dirty="0">
-                <a:solidFill>
-                  <a:schemeClr val="tx1"/>
-                </a:solidFill>
-                <a:effectLst/>
-                <a:latin typeface="Arial" pitchFamily="34" charset="0"/>
-                <a:ea typeface="宋体" pitchFamily="2" charset="-122"/>
-                <a:cs typeface="Calibri" pitchFamily="34" charset="0"/>
-              </a:rPr>
-              <a:t>版本库是集中存放在中央服务器的，工作时用的都是自己的电脑，所以要先从中央服务器取得最新的版本，干完活了，再把自己的内容推送给中央服务器。</a:t>
-            </a:r>
-            <a:endParaRPr lang="en-US" altLang="zh-CN" sz="1200" b="0" i="0" kern="1200" dirty="0">
-              <a:solidFill>
-                <a:schemeClr val="tx1"/>
-              </a:solidFill>
-              <a:effectLst/>
-              <a:latin typeface="Arial" pitchFamily="34" charset="0"/>
-              <a:ea typeface="宋体" pitchFamily="2" charset="-122"/>
-              <a:cs typeface="Calibri" pitchFamily="34" charset="0"/>
-            </a:endParaRPr>
-          </a:p>
-          <a:p>
-            <a:r>
-              <a:rPr lang="zh-CN" altLang="en-US" sz="1200" b="0" i="0" kern="1200" dirty="0">
-                <a:solidFill>
-                  <a:schemeClr val="tx1"/>
-                </a:solidFill>
-                <a:effectLst/>
-                <a:latin typeface="Arial" pitchFamily="34" charset="0"/>
-                <a:ea typeface="宋体" pitchFamily="2" charset="-122"/>
-                <a:cs typeface="Calibri" pitchFamily="34" charset="0"/>
-              </a:rPr>
-              <a:t>中央服务器就好比是一个图书馆，你要改一本书，必须先从图书馆借出来，然后回到家自己改，改完了，再放回图书馆。</a:t>
-            </a:r>
-            <a:endParaRPr lang="en-US" altLang="zh-CN" sz="1200" b="0" i="0" kern="1200" dirty="0">
-              <a:solidFill>
-                <a:schemeClr val="tx1"/>
-              </a:solidFill>
-              <a:effectLst/>
-              <a:latin typeface="Arial" pitchFamily="34" charset="0"/>
-              <a:ea typeface="宋体" pitchFamily="2" charset="-122"/>
-              <a:cs typeface="Calibri" pitchFamily="34" charset="0"/>
-            </a:endParaRPr>
-          </a:p>
-          <a:p>
-            <a:r>
-              <a:rPr lang="zh-CN" altLang="en-US" sz="1200" b="0" i="0" kern="1200" dirty="0">
-                <a:solidFill>
-                  <a:schemeClr val="tx1"/>
-                </a:solidFill>
-                <a:effectLst/>
-                <a:latin typeface="Arial" pitchFamily="34" charset="0"/>
-                <a:ea typeface="宋体" pitchFamily="2" charset="-122"/>
-                <a:cs typeface="Calibri" pitchFamily="34" charset="0"/>
-              </a:rPr>
-              <a:t>集中式版本控制系统最大的毛病就是必须联网才能工作，如果中央服务器要是出了问题，所有人都没法干活了。</a:t>
-            </a:r>
-            <a:endParaRPr lang="en-US" altLang="zh-CN" sz="1200" b="0" i="0" kern="1200" dirty="0">
-              <a:solidFill>
-                <a:schemeClr val="tx1"/>
-              </a:solidFill>
-              <a:effectLst/>
-              <a:latin typeface="Arial" pitchFamily="34" charset="0"/>
-              <a:ea typeface="宋体" pitchFamily="2" charset="-122"/>
-              <a:cs typeface="Calibri" pitchFamily="34" charset="0"/>
-            </a:endParaRPr>
-          </a:p>
-          <a:p>
-            <a:endParaRPr lang="en-US" altLang="zh-CN" sz="1200" b="0" i="0" kern="1200" dirty="0">
-              <a:solidFill>
-                <a:schemeClr val="tx1"/>
-              </a:solidFill>
-              <a:effectLst/>
-              <a:latin typeface="Arial" pitchFamily="34" charset="0"/>
-              <a:ea typeface="宋体" pitchFamily="2" charset="-122"/>
-              <a:cs typeface="Calibri" pitchFamily="34" charset="0"/>
-            </a:endParaRPr>
-          </a:p>
-          <a:p>
-            <a:r>
-              <a:rPr lang="zh-CN" altLang="en-US" sz="1200" b="0" i="0" kern="1200" dirty="0">
-                <a:solidFill>
-                  <a:schemeClr val="tx1"/>
-                </a:solidFill>
-                <a:effectLst/>
-                <a:latin typeface="Arial" pitchFamily="34" charset="0"/>
-                <a:ea typeface="宋体" pitchFamily="2" charset="-122"/>
-                <a:cs typeface="Calibri" pitchFamily="34" charset="0"/>
-              </a:rPr>
-              <a:t>分布式版本：</a:t>
-            </a:r>
-            <a:endParaRPr lang="en-US" altLang="zh-CN" sz="1200" b="0" i="0" kern="1200" dirty="0">
-              <a:solidFill>
-                <a:schemeClr val="tx1"/>
-              </a:solidFill>
-              <a:effectLst/>
-              <a:latin typeface="Arial" pitchFamily="34" charset="0"/>
-              <a:ea typeface="宋体" pitchFamily="2" charset="-122"/>
-              <a:cs typeface="Calibri" pitchFamily="34" charset="0"/>
-            </a:endParaRPr>
-          </a:p>
-          <a:p>
-            <a:endParaRPr lang="en-US" altLang="zh-CN" sz="1200" b="0" i="0" kern="1200" dirty="0">
-              <a:solidFill>
-                <a:schemeClr val="tx1"/>
-              </a:solidFill>
-              <a:effectLst/>
-              <a:latin typeface="Arial" pitchFamily="34" charset="0"/>
-              <a:ea typeface="宋体" pitchFamily="2" charset="-122"/>
-              <a:cs typeface="Calibri" pitchFamily="34" charset="0"/>
-            </a:endParaRPr>
-          </a:p>
-          <a:p>
-            <a:r>
-              <a:rPr lang="zh-CN" altLang="en-US" sz="1200" b="0" i="0" kern="1200" dirty="0">
-                <a:solidFill>
-                  <a:schemeClr val="tx1"/>
-                </a:solidFill>
-                <a:effectLst/>
-                <a:latin typeface="Arial" pitchFamily="34" charset="0"/>
-                <a:ea typeface="宋体" pitchFamily="2" charset="-122"/>
-                <a:cs typeface="Calibri" pitchFamily="34" charset="0"/>
-              </a:rPr>
-              <a:t>分布式的安全性要高很多，因为每个人电脑里都有完整的版本库，某一个人的电脑坏掉了不要紧，从其他人那里复制一个就可以了。</a:t>
-            </a:r>
-            <a:endParaRPr lang="zh-CN" altLang="en-US" dirty="0"/>
+            <a:endParaRPr lang="zh-CN" altLang="en-US"/>
           </a:p>
         </p:txBody>
       </p:sp>
@@ -1503,7 +1343,7 @@
     </p:spTree>
     <p:extLst>
       <p:ext uri="{BB962C8B-B14F-4D97-AF65-F5344CB8AC3E}">
-        <p14:creationId xmlns:p14="http://schemas.microsoft.com/office/powerpoint/2010/main" val="2428701114"/>
+        <p14:creationId xmlns:p14="http://schemas.microsoft.com/office/powerpoint/2010/main" val="1757636928"/>
       </p:ext>
     </p:extLst>
   </p:cSld>
@@ -1557,6 +1397,166 @@
           <a:bodyPr/>
           <a:lstStyle/>
           <a:p>
+            <a:r>
+              <a:rPr lang="zh-CN" altLang="en-US" sz="1200" b="0" i="0" kern="1200" dirty="0">
+                <a:solidFill>
+                  <a:schemeClr val="tx1"/>
+                </a:solidFill>
+                <a:effectLst/>
+                <a:latin typeface="Arial" pitchFamily="34" charset="0"/>
+                <a:ea typeface="宋体" pitchFamily="2" charset="-122"/>
+                <a:cs typeface="Calibri" pitchFamily="34" charset="0"/>
+              </a:rPr>
+              <a:t>集中式版本：</a:t>
+            </a:r>
+            <a:endParaRPr lang="en-US" altLang="zh-CN" sz="1200" b="0" i="0" kern="1200" dirty="0">
+              <a:solidFill>
+                <a:schemeClr val="tx1"/>
+              </a:solidFill>
+              <a:effectLst/>
+              <a:latin typeface="Arial" pitchFamily="34" charset="0"/>
+              <a:ea typeface="宋体" pitchFamily="2" charset="-122"/>
+              <a:cs typeface="Calibri" pitchFamily="34" charset="0"/>
+            </a:endParaRPr>
+          </a:p>
+          <a:p>
+            <a:endParaRPr lang="en-US" altLang="zh-CN" sz="1200" b="0" i="0" kern="1200" dirty="0">
+              <a:solidFill>
+                <a:schemeClr val="tx1"/>
+              </a:solidFill>
+              <a:effectLst/>
+              <a:latin typeface="Arial" pitchFamily="34" charset="0"/>
+              <a:ea typeface="宋体" pitchFamily="2" charset="-122"/>
+              <a:cs typeface="Calibri" pitchFamily="34" charset="0"/>
+            </a:endParaRPr>
+          </a:p>
+          <a:p>
+            <a:r>
+              <a:rPr lang="zh-CN" altLang="en-US" sz="1200" b="0" i="0" kern="1200" dirty="0">
+                <a:solidFill>
+                  <a:schemeClr val="tx1"/>
+                </a:solidFill>
+                <a:effectLst/>
+                <a:latin typeface="Arial" pitchFamily="34" charset="0"/>
+                <a:ea typeface="宋体" pitchFamily="2" charset="-122"/>
+                <a:cs typeface="Calibri" pitchFamily="34" charset="0"/>
+              </a:rPr>
+              <a:t>版本库是集中存放在中央服务器的，工作时用的都是自己的电脑，所以要先从中央服务器取得最新的版本，干完活了，再把自己的内容推送给中央服务器。</a:t>
+            </a:r>
+            <a:endParaRPr lang="en-US" altLang="zh-CN" sz="1200" b="0" i="0" kern="1200" dirty="0">
+              <a:solidFill>
+                <a:schemeClr val="tx1"/>
+              </a:solidFill>
+              <a:effectLst/>
+              <a:latin typeface="Arial" pitchFamily="34" charset="0"/>
+              <a:ea typeface="宋体" pitchFamily="2" charset="-122"/>
+              <a:cs typeface="Calibri" pitchFamily="34" charset="0"/>
+            </a:endParaRPr>
+          </a:p>
+          <a:p>
+            <a:r>
+              <a:rPr lang="zh-CN" altLang="en-US" sz="1200" b="0" i="0" kern="1200" dirty="0">
+                <a:solidFill>
+                  <a:schemeClr val="tx1"/>
+                </a:solidFill>
+                <a:effectLst/>
+                <a:latin typeface="Arial" pitchFamily="34" charset="0"/>
+                <a:ea typeface="宋体" pitchFamily="2" charset="-122"/>
+                <a:cs typeface="Calibri" pitchFamily="34" charset="0"/>
+              </a:rPr>
+              <a:t>中央服务器就好比是一个图书馆，你要改一本书，必须先从图书馆借出来，然后回到家自己改，改完了，再放回图书馆。</a:t>
+            </a:r>
+            <a:endParaRPr lang="en-US" altLang="zh-CN" sz="1200" b="0" i="0" kern="1200" dirty="0">
+              <a:solidFill>
+                <a:schemeClr val="tx1"/>
+              </a:solidFill>
+              <a:effectLst/>
+              <a:latin typeface="Arial" pitchFamily="34" charset="0"/>
+              <a:ea typeface="宋体" pitchFamily="2" charset="-122"/>
+              <a:cs typeface="Calibri" pitchFamily="34" charset="0"/>
+            </a:endParaRPr>
+          </a:p>
+          <a:p>
+            <a:r>
+              <a:rPr lang="zh-CN" altLang="en-US" sz="1200" b="0" i="0" kern="1200" dirty="0">
+                <a:solidFill>
+                  <a:schemeClr val="tx1"/>
+                </a:solidFill>
+                <a:effectLst/>
+                <a:latin typeface="Arial" pitchFamily="34" charset="0"/>
+                <a:ea typeface="宋体" pitchFamily="2" charset="-122"/>
+                <a:cs typeface="Calibri" pitchFamily="34" charset="0"/>
+              </a:rPr>
+              <a:t>集中式版本控制系统最大的毛病就是必须联网才能工作，如果中央服务器要是出了问题，所有人都没法干活了。</a:t>
+            </a:r>
+            <a:endParaRPr lang="en-US" altLang="zh-CN" sz="1200" b="0" i="0" kern="1200" dirty="0">
+              <a:solidFill>
+                <a:schemeClr val="tx1"/>
+              </a:solidFill>
+              <a:effectLst/>
+              <a:latin typeface="Arial" pitchFamily="34" charset="0"/>
+              <a:ea typeface="宋体" pitchFamily="2" charset="-122"/>
+              <a:cs typeface="Calibri" pitchFamily="34" charset="0"/>
+            </a:endParaRPr>
+          </a:p>
+          <a:p>
+            <a:endParaRPr lang="en-US" altLang="zh-CN" sz="1200" b="0" i="0" kern="1200" dirty="0">
+              <a:solidFill>
+                <a:schemeClr val="tx1"/>
+              </a:solidFill>
+              <a:effectLst/>
+              <a:latin typeface="Arial" pitchFamily="34" charset="0"/>
+              <a:ea typeface="宋体" pitchFamily="2" charset="-122"/>
+              <a:cs typeface="Calibri" pitchFamily="34" charset="0"/>
+            </a:endParaRPr>
+          </a:p>
+          <a:p>
+            <a:r>
+              <a:rPr lang="zh-CN" altLang="en-US" sz="1200" b="0" i="0" kern="1200" dirty="0">
+                <a:solidFill>
+                  <a:schemeClr val="tx1"/>
+                </a:solidFill>
+                <a:effectLst/>
+                <a:latin typeface="Arial" pitchFamily="34" charset="0"/>
+                <a:ea typeface="宋体" pitchFamily="2" charset="-122"/>
+                <a:cs typeface="Calibri" pitchFamily="34" charset="0"/>
+              </a:rPr>
+              <a:t>分布式版本：</a:t>
+            </a:r>
+            <a:endParaRPr lang="en-US" altLang="zh-CN" sz="1200" b="0" i="0" kern="1200" dirty="0">
+              <a:solidFill>
+                <a:schemeClr val="tx1"/>
+              </a:solidFill>
+              <a:effectLst/>
+              <a:latin typeface="Arial" pitchFamily="34" charset="0"/>
+              <a:ea typeface="宋体" pitchFamily="2" charset="-122"/>
+              <a:cs typeface="Calibri" pitchFamily="34" charset="0"/>
+            </a:endParaRPr>
+          </a:p>
+          <a:p>
+            <a:endParaRPr lang="en-US" altLang="zh-CN" sz="1200" b="0" i="0" kern="1200" dirty="0">
+              <a:solidFill>
+                <a:schemeClr val="tx1"/>
+              </a:solidFill>
+              <a:effectLst/>
+              <a:latin typeface="Arial" pitchFamily="34" charset="0"/>
+              <a:ea typeface="宋体" pitchFamily="2" charset="-122"/>
+              <a:cs typeface="Calibri" pitchFamily="34" charset="0"/>
+            </a:endParaRPr>
+          </a:p>
+          <a:p>
+            <a:r>
+              <a:rPr lang="zh-CN" altLang="en-US" sz="1200" b="0" i="0" kern="1200" dirty="0">
+                <a:solidFill>
+                  <a:schemeClr val="tx1"/>
+                </a:solidFill>
+                <a:effectLst/>
+                <a:latin typeface="Arial" pitchFamily="34" charset="0"/>
+                <a:ea typeface="宋体" pitchFamily="2" charset="-122"/>
+                <a:cs typeface="Calibri" pitchFamily="34" charset="0"/>
+              </a:rPr>
+              <a:t>分布式的安全性要高很多，因为每个人电脑里都有完整的版本库，某一个人的电脑坏掉了不要紧，从其他人那里复制一个就可以了。</a:t>
+            </a:r>
             <a:endParaRPr lang="zh-CN" altLang="en-US" dirty="0"/>
           </a:p>
         </p:txBody>
@@ -1618,7 +1618,7 @@
     </p:spTree>
     <p:extLst>
       <p:ext uri="{BB962C8B-B14F-4D97-AF65-F5344CB8AC3E}">
-        <p14:creationId xmlns:p14="http://schemas.microsoft.com/office/powerpoint/2010/main" val="1218629604"/>
+        <p14:creationId xmlns:p14="http://schemas.microsoft.com/office/powerpoint/2010/main" val="2428701114"/>
       </p:ext>
     </p:extLst>
   </p:cSld>
@@ -1672,15 +1672,7 @@
           <a:bodyPr/>
           <a:lstStyle/>
           <a:p>
-            <a:endParaRPr lang="en-US" altLang="zh-CN" sz="1200" b="0" i="0" kern="1200" dirty="0">
-              <a:solidFill>
-                <a:schemeClr val="tx1"/>
-              </a:solidFill>
-              <a:effectLst/>
-              <a:latin typeface="Arial" pitchFamily="34" charset="0"/>
-              <a:ea typeface="宋体" pitchFamily="2" charset="-122"/>
-              <a:cs typeface="Calibri" pitchFamily="34" charset="0"/>
-            </a:endParaRPr>
+            <a:endParaRPr lang="zh-CN" altLang="en-US" dirty="0"/>
           </a:p>
         </p:txBody>
       </p:sp>
@@ -1741,7 +1733,7 @@
     </p:spTree>
     <p:extLst>
       <p:ext uri="{BB962C8B-B14F-4D97-AF65-F5344CB8AC3E}">
-        <p14:creationId xmlns:p14="http://schemas.microsoft.com/office/powerpoint/2010/main" val="942075607"/>
+        <p14:creationId xmlns:p14="http://schemas.microsoft.com/office/powerpoint/2010/main" val="1218629604"/>
       </p:ext>
     </p:extLst>
   </p:cSld>
@@ -1795,450 +1787,6 @@
           <a:bodyPr/>
           <a:lstStyle/>
           <a:p>
-            <a:pPr>
-              <a:lnSpc>
-                <a:spcPct val="150000"/>
-              </a:lnSpc>
-            </a:pPr>
-            <a:r>
-              <a:rPr lang="zh-CN" altLang="en-US" sz="1200" b="0" i="0" kern="1200" dirty="0">
-                <a:solidFill>
-                  <a:schemeClr val="tx1"/>
-                </a:solidFill>
-                <a:effectLst/>
-                <a:latin typeface="Arial" pitchFamily="34" charset="0"/>
-                <a:ea typeface="宋体" pitchFamily="2" charset="-122"/>
-                <a:cs typeface="Calibri" pitchFamily="34" charset="0"/>
-              </a:rPr>
-              <a:t>工作区：</a:t>
-            </a:r>
-            <a:endParaRPr lang="en-US" altLang="zh-CN" sz="1200" b="0" i="0" kern="1200" dirty="0">
-              <a:solidFill>
-                <a:schemeClr val="tx1"/>
-              </a:solidFill>
-              <a:effectLst/>
-              <a:latin typeface="Arial" pitchFamily="34" charset="0"/>
-              <a:ea typeface="宋体" pitchFamily="2" charset="-122"/>
-              <a:cs typeface="Calibri" pitchFamily="34" charset="0"/>
-            </a:endParaRPr>
-          </a:p>
-          <a:p>
-            <a:pPr>
-              <a:lnSpc>
-                <a:spcPct val="150000"/>
-              </a:lnSpc>
-            </a:pPr>
-            <a:r>
-              <a:rPr lang="zh-CN" altLang="en-US" sz="1200" b="0" i="0" kern="1200" dirty="0">
-                <a:solidFill>
-                  <a:schemeClr val="tx1"/>
-                </a:solidFill>
-                <a:effectLst/>
-                <a:latin typeface="Arial" pitchFamily="34" charset="0"/>
-                <a:ea typeface="宋体" pitchFamily="2" charset="-122"/>
-                <a:cs typeface="Calibri" pitchFamily="34" charset="0"/>
-              </a:rPr>
-              <a:t>就是你在电脑里能看到的目录，本地开发的代码环境。</a:t>
-            </a:r>
-            <a:endParaRPr lang="en-US" altLang="zh-CN" sz="1200" b="0" i="0" kern="1200" dirty="0">
-              <a:solidFill>
-                <a:schemeClr val="tx1"/>
-              </a:solidFill>
-              <a:effectLst/>
-              <a:latin typeface="Arial" pitchFamily="34" charset="0"/>
-              <a:ea typeface="宋体" pitchFamily="2" charset="-122"/>
-              <a:cs typeface="Calibri" pitchFamily="34" charset="0"/>
-            </a:endParaRPr>
-          </a:p>
-          <a:p>
-            <a:pPr>
-              <a:lnSpc>
-                <a:spcPct val="150000"/>
-              </a:lnSpc>
-            </a:pPr>
-            <a:r>
-              <a:rPr lang="zh-CN" altLang="en-US" sz="1200" b="0" i="0" kern="1200" dirty="0">
-                <a:solidFill>
-                  <a:schemeClr val="tx1"/>
-                </a:solidFill>
-                <a:effectLst/>
-                <a:latin typeface="Arial" pitchFamily="34" charset="0"/>
-                <a:ea typeface="宋体" pitchFamily="2" charset="-122"/>
-                <a:cs typeface="Calibri" pitchFamily="34" charset="0"/>
-              </a:rPr>
-              <a:t>暂存区：</a:t>
-            </a:r>
-            <a:endParaRPr lang="en-US" altLang="zh-CN" sz="1200" b="0" i="0" kern="1200" dirty="0">
-              <a:solidFill>
-                <a:schemeClr val="tx1"/>
-              </a:solidFill>
-              <a:effectLst/>
-              <a:latin typeface="Arial" pitchFamily="34" charset="0"/>
-              <a:ea typeface="宋体" pitchFamily="2" charset="-122"/>
-              <a:cs typeface="Calibri" pitchFamily="34" charset="0"/>
-            </a:endParaRPr>
-          </a:p>
-          <a:p>
-            <a:pPr>
-              <a:lnSpc>
-                <a:spcPct val="150000"/>
-              </a:lnSpc>
-            </a:pPr>
-            <a:r>
-              <a:rPr lang="zh-CN" altLang="en-US" sz="1200" b="0" i="0" kern="1200" dirty="0">
-                <a:solidFill>
-                  <a:schemeClr val="tx1"/>
-                </a:solidFill>
-                <a:effectLst/>
-                <a:latin typeface="Arial" pitchFamily="34" charset="0"/>
-                <a:ea typeface="宋体" pitchFamily="2" charset="-122"/>
-                <a:cs typeface="Calibri" pitchFamily="34" charset="0"/>
-              </a:rPr>
-              <a:t>在初始化</a:t>
-            </a:r>
-            <a:r>
-              <a:rPr lang="en-US" altLang="zh-CN" sz="1200" b="0" i="0" kern="1200" dirty="0">
-                <a:solidFill>
-                  <a:schemeClr val="tx1"/>
-                </a:solidFill>
-                <a:effectLst/>
-                <a:latin typeface="Arial" pitchFamily="34" charset="0"/>
-                <a:ea typeface="宋体" pitchFamily="2" charset="-122"/>
-                <a:cs typeface="Calibri" pitchFamily="34" charset="0"/>
-              </a:rPr>
-              <a:t>git</a:t>
-            </a:r>
-            <a:r>
-              <a:rPr lang="zh-CN" altLang="en-US" sz="1200" b="0" i="0" kern="1200" dirty="0">
-                <a:solidFill>
-                  <a:schemeClr val="tx1"/>
-                </a:solidFill>
-                <a:effectLst/>
-                <a:latin typeface="Arial" pitchFamily="34" charset="0"/>
-                <a:ea typeface="宋体" pitchFamily="2" charset="-122"/>
-                <a:cs typeface="Calibri" pitchFamily="34" charset="0"/>
-              </a:rPr>
-              <a:t>版本库会生成一个隐藏的文件 </a:t>
-            </a:r>
-            <a:r>
-              <a:rPr lang="en-US" altLang="zh-CN" sz="1200" b="0" i="0" kern="1200" dirty="0">
-                <a:solidFill>
-                  <a:schemeClr val="tx1"/>
-                </a:solidFill>
-                <a:effectLst/>
-                <a:latin typeface="Arial" pitchFamily="34" charset="0"/>
-                <a:ea typeface="宋体" pitchFamily="2" charset="-122"/>
-                <a:cs typeface="Calibri" pitchFamily="34" charset="0"/>
-              </a:rPr>
-              <a:t>.git </a:t>
-            </a:r>
-            <a:r>
-              <a:rPr lang="zh-CN" altLang="en-US" sz="1200" b="0" i="0" kern="1200" dirty="0">
-                <a:solidFill>
-                  <a:schemeClr val="tx1"/>
-                </a:solidFill>
-                <a:effectLst/>
-                <a:latin typeface="Arial" pitchFamily="34" charset="0"/>
-                <a:ea typeface="宋体" pitchFamily="2" charset="-122"/>
-                <a:cs typeface="Calibri" pitchFamily="34" charset="0"/>
-              </a:rPr>
-              <a:t>，它的文件夹里面还有很多文件，其中有一个</a:t>
-            </a:r>
-            <a:r>
-              <a:rPr lang="en-US" altLang="zh-CN" sz="1200" b="0" i="0" kern="1200" dirty="0">
-                <a:solidFill>
-                  <a:schemeClr val="tx1"/>
-                </a:solidFill>
-                <a:effectLst/>
-                <a:latin typeface="Arial" pitchFamily="34" charset="0"/>
-                <a:ea typeface="宋体" pitchFamily="2" charset="-122"/>
-                <a:cs typeface="Calibri" pitchFamily="34" charset="0"/>
-              </a:rPr>
-              <a:t>index </a:t>
-            </a:r>
-            <a:r>
-              <a:rPr lang="zh-CN" altLang="en-US" sz="1200" b="0" i="0" kern="1200" dirty="0">
-                <a:solidFill>
-                  <a:schemeClr val="tx1"/>
-                </a:solidFill>
-                <a:effectLst/>
-                <a:latin typeface="Arial" pitchFamily="34" charset="0"/>
-                <a:ea typeface="宋体" pitchFamily="2" charset="-122"/>
-                <a:cs typeface="Calibri" pitchFamily="34" charset="0"/>
-              </a:rPr>
-              <a:t>文件 就是暂存区也可以叫做 </a:t>
-            </a:r>
-            <a:r>
-              <a:rPr lang="en-US" altLang="zh-CN" sz="1200" b="0" i="0" kern="1200" dirty="0">
-                <a:solidFill>
-                  <a:schemeClr val="tx1"/>
-                </a:solidFill>
-                <a:effectLst/>
-                <a:latin typeface="Arial" pitchFamily="34" charset="0"/>
-                <a:ea typeface="宋体" pitchFamily="2" charset="-122"/>
-                <a:cs typeface="Calibri" pitchFamily="34" charset="0"/>
-              </a:rPr>
-              <a:t>stage </a:t>
-            </a:r>
-            <a:r>
-              <a:rPr lang="zh-CN" altLang="en-US" sz="1200" b="0" i="0" kern="1200" dirty="0">
-                <a:solidFill>
-                  <a:schemeClr val="tx1"/>
-                </a:solidFill>
-                <a:effectLst/>
-                <a:latin typeface="Arial" pitchFamily="34" charset="0"/>
-                <a:ea typeface="宋体" pitchFamily="2" charset="-122"/>
-                <a:cs typeface="Calibri" pitchFamily="34" charset="0"/>
-              </a:rPr>
-              <a:t>。（暂存区只是一个临时保存修改文件的地方。）</a:t>
-            </a:r>
-            <a:endParaRPr lang="en-US" altLang="zh-CN" sz="1200" b="0" i="0" kern="1200" dirty="0">
-              <a:solidFill>
-                <a:schemeClr val="tx1"/>
-              </a:solidFill>
-              <a:effectLst/>
-              <a:latin typeface="Arial" pitchFamily="34" charset="0"/>
-              <a:ea typeface="宋体" pitchFamily="2" charset="-122"/>
-              <a:cs typeface="Calibri" pitchFamily="34" charset="0"/>
-            </a:endParaRPr>
-          </a:p>
-          <a:p>
-            <a:pPr>
-              <a:lnSpc>
-                <a:spcPct val="150000"/>
-              </a:lnSpc>
-            </a:pPr>
-            <a:endParaRPr lang="en-US" altLang="zh-CN" sz="1200" b="0" i="0" kern="1200" dirty="0">
-              <a:solidFill>
-                <a:schemeClr val="tx1"/>
-              </a:solidFill>
-              <a:effectLst/>
-              <a:latin typeface="Arial" pitchFamily="34" charset="0"/>
-              <a:ea typeface="宋体" pitchFamily="2" charset="-122"/>
-              <a:cs typeface="Calibri" pitchFamily="34" charset="0"/>
-            </a:endParaRPr>
-          </a:p>
-          <a:p>
-            <a:pPr>
-              <a:lnSpc>
-                <a:spcPct val="150000"/>
-              </a:lnSpc>
-            </a:pPr>
-            <a:r>
-              <a:rPr lang="zh-CN" altLang="en-US" sz="1200" b="0" i="0" kern="1200" dirty="0">
-                <a:solidFill>
-                  <a:schemeClr val="tx1"/>
-                </a:solidFill>
-                <a:effectLst/>
-                <a:latin typeface="Arial" pitchFamily="34" charset="0"/>
-                <a:ea typeface="宋体" pitchFamily="2" charset="-122"/>
-                <a:cs typeface="Calibri" pitchFamily="34" charset="0"/>
-              </a:rPr>
-              <a:t>我们把文件往</a:t>
-            </a:r>
-            <a:r>
-              <a:rPr lang="en-US" altLang="zh-CN" sz="1200" b="0" i="0" kern="1200" dirty="0">
-                <a:solidFill>
-                  <a:schemeClr val="tx1"/>
-                </a:solidFill>
-                <a:effectLst/>
-                <a:latin typeface="Arial" pitchFamily="34" charset="0"/>
-                <a:ea typeface="宋体" pitchFamily="2" charset="-122"/>
-                <a:cs typeface="Calibri" pitchFamily="34" charset="0"/>
-              </a:rPr>
-              <a:t>Git</a:t>
-            </a:r>
-            <a:r>
-              <a:rPr lang="zh-CN" altLang="en-US" sz="1200" b="0" i="0" kern="1200" dirty="0">
-                <a:solidFill>
-                  <a:schemeClr val="tx1"/>
-                </a:solidFill>
-                <a:effectLst/>
-                <a:latin typeface="Arial" pitchFamily="34" charset="0"/>
-                <a:ea typeface="宋体" pitchFamily="2" charset="-122"/>
-                <a:cs typeface="Calibri" pitchFamily="34" charset="0"/>
-              </a:rPr>
-              <a:t>版本库里添加的时候，是分两步执行的：</a:t>
-            </a:r>
-          </a:p>
-          <a:p>
-            <a:pPr>
-              <a:lnSpc>
-                <a:spcPct val="150000"/>
-              </a:lnSpc>
-            </a:pPr>
-            <a:r>
-              <a:rPr lang="zh-CN" altLang="en-US" sz="1200" b="0" i="0" kern="1200" dirty="0">
-                <a:solidFill>
-                  <a:schemeClr val="tx1"/>
-                </a:solidFill>
-                <a:effectLst/>
-                <a:latin typeface="Arial" pitchFamily="34" charset="0"/>
-                <a:ea typeface="宋体" pitchFamily="2" charset="-122"/>
-                <a:cs typeface="Calibri" pitchFamily="34" charset="0"/>
-              </a:rPr>
-              <a:t>第一步是用</a:t>
-            </a:r>
-            <a:r>
-              <a:rPr lang="en-US" altLang="zh-CN" sz="1200" b="0" i="0" kern="1200" dirty="0">
-                <a:solidFill>
-                  <a:schemeClr val="tx1"/>
-                </a:solidFill>
-                <a:effectLst/>
-                <a:latin typeface="Arial" pitchFamily="34" charset="0"/>
-                <a:ea typeface="宋体" pitchFamily="2" charset="-122"/>
-                <a:cs typeface="Calibri" pitchFamily="34" charset="0"/>
-              </a:rPr>
-              <a:t>git add</a:t>
-            </a:r>
-            <a:r>
-              <a:rPr lang="zh-CN" altLang="en-US" sz="1200" b="0" i="0" kern="1200" dirty="0">
-                <a:solidFill>
-                  <a:schemeClr val="tx1"/>
-                </a:solidFill>
-                <a:effectLst/>
-                <a:latin typeface="Arial" pitchFamily="34" charset="0"/>
-                <a:ea typeface="宋体" pitchFamily="2" charset="-122"/>
-                <a:cs typeface="Calibri" pitchFamily="34" charset="0"/>
-              </a:rPr>
-              <a:t>把文件添加进去，实际上就是把文件修改添加到暂存区；</a:t>
-            </a:r>
-          </a:p>
-          <a:p>
-            <a:pPr>
-              <a:lnSpc>
-                <a:spcPct val="150000"/>
-              </a:lnSpc>
-            </a:pPr>
-            <a:r>
-              <a:rPr lang="zh-CN" altLang="en-US" sz="1200" b="0" i="0" kern="1200" dirty="0">
-                <a:solidFill>
-                  <a:schemeClr val="tx1"/>
-                </a:solidFill>
-                <a:effectLst/>
-                <a:latin typeface="Arial" pitchFamily="34" charset="0"/>
-                <a:ea typeface="宋体" pitchFamily="2" charset="-122"/>
-                <a:cs typeface="Calibri" pitchFamily="34" charset="0"/>
-              </a:rPr>
-              <a:t>第二步是用</a:t>
-            </a:r>
-            <a:r>
-              <a:rPr lang="en-US" altLang="zh-CN" sz="1200" b="0" i="0" kern="1200" dirty="0">
-                <a:solidFill>
-                  <a:schemeClr val="tx1"/>
-                </a:solidFill>
-                <a:effectLst/>
-                <a:latin typeface="Arial" pitchFamily="34" charset="0"/>
-                <a:ea typeface="宋体" pitchFamily="2" charset="-122"/>
-                <a:cs typeface="Calibri" pitchFamily="34" charset="0"/>
-              </a:rPr>
-              <a:t>git commit</a:t>
-            </a:r>
-            <a:r>
-              <a:rPr lang="zh-CN" altLang="en-US" sz="1200" b="0" i="0" kern="1200" dirty="0">
-                <a:solidFill>
-                  <a:schemeClr val="tx1"/>
-                </a:solidFill>
-                <a:effectLst/>
-                <a:latin typeface="Arial" pitchFamily="34" charset="0"/>
-                <a:ea typeface="宋体" pitchFamily="2" charset="-122"/>
-                <a:cs typeface="Calibri" pitchFamily="34" charset="0"/>
-              </a:rPr>
-              <a:t>提交更改，实际上就是把暂存区的所有内容提交到当前分支。</a:t>
-            </a:r>
-          </a:p>
-          <a:p>
-            <a:pPr>
-              <a:lnSpc>
-                <a:spcPct val="150000"/>
-              </a:lnSpc>
-            </a:pPr>
-            <a:r>
-              <a:rPr lang="zh-CN" altLang="en-US" sz="1200" b="0" i="0" kern="1200" dirty="0">
-                <a:solidFill>
-                  <a:schemeClr val="tx1"/>
-                </a:solidFill>
-                <a:effectLst/>
-                <a:latin typeface="Arial" pitchFamily="34" charset="0"/>
-                <a:ea typeface="宋体" pitchFamily="2" charset="-122"/>
-                <a:cs typeface="Calibri" pitchFamily="34" charset="0"/>
-              </a:rPr>
-              <a:t>创建</a:t>
-            </a:r>
-            <a:r>
-              <a:rPr lang="en-US" altLang="zh-CN" sz="1200" b="0" i="0" kern="1200" dirty="0">
-                <a:solidFill>
-                  <a:schemeClr val="tx1"/>
-                </a:solidFill>
-                <a:effectLst/>
-                <a:latin typeface="Arial" pitchFamily="34" charset="0"/>
-                <a:ea typeface="宋体" pitchFamily="2" charset="-122"/>
-                <a:cs typeface="Calibri" pitchFamily="34" charset="0"/>
-              </a:rPr>
-              <a:t>Git</a:t>
-            </a:r>
-            <a:r>
-              <a:rPr lang="zh-CN" altLang="en-US" sz="1200" b="0" i="0" kern="1200" dirty="0">
-                <a:solidFill>
-                  <a:schemeClr val="tx1"/>
-                </a:solidFill>
-                <a:effectLst/>
-                <a:latin typeface="Arial" pitchFamily="34" charset="0"/>
-                <a:ea typeface="宋体" pitchFamily="2" charset="-122"/>
-                <a:cs typeface="Calibri" pitchFamily="34" charset="0"/>
-              </a:rPr>
-              <a:t>版本库时，</a:t>
-            </a:r>
-            <a:r>
-              <a:rPr lang="en-US" altLang="zh-CN" sz="1200" b="0" i="0" kern="1200" dirty="0">
-                <a:solidFill>
-                  <a:schemeClr val="tx1"/>
-                </a:solidFill>
-                <a:effectLst/>
-                <a:latin typeface="Arial" pitchFamily="34" charset="0"/>
-                <a:ea typeface="宋体" pitchFamily="2" charset="-122"/>
-                <a:cs typeface="Calibri" pitchFamily="34" charset="0"/>
-              </a:rPr>
-              <a:t>Git</a:t>
-            </a:r>
-            <a:r>
-              <a:rPr lang="zh-CN" altLang="en-US" sz="1200" b="0" i="0" kern="1200" dirty="0">
-                <a:solidFill>
-                  <a:schemeClr val="tx1"/>
-                </a:solidFill>
-                <a:effectLst/>
-                <a:latin typeface="Arial" pitchFamily="34" charset="0"/>
-                <a:ea typeface="宋体" pitchFamily="2" charset="-122"/>
-                <a:cs typeface="Calibri" pitchFamily="34" charset="0"/>
-              </a:rPr>
-              <a:t>自动为我们创建了唯一一个</a:t>
-            </a:r>
-            <a:r>
-              <a:rPr lang="en-US" altLang="zh-CN" sz="1200" b="0" i="0" kern="1200" dirty="0">
-                <a:solidFill>
-                  <a:schemeClr val="tx1"/>
-                </a:solidFill>
-                <a:effectLst/>
-                <a:latin typeface="Arial" pitchFamily="34" charset="0"/>
-                <a:ea typeface="宋体" pitchFamily="2" charset="-122"/>
-                <a:cs typeface="Calibri" pitchFamily="34" charset="0"/>
-              </a:rPr>
-              <a:t>master</a:t>
-            </a:r>
-            <a:r>
-              <a:rPr lang="zh-CN" altLang="en-US" sz="1200" b="0" i="0" kern="1200" dirty="0">
-                <a:solidFill>
-                  <a:schemeClr val="tx1"/>
-                </a:solidFill>
-                <a:effectLst/>
-                <a:latin typeface="Arial" pitchFamily="34" charset="0"/>
-                <a:ea typeface="宋体" pitchFamily="2" charset="-122"/>
-                <a:cs typeface="Calibri" pitchFamily="34" charset="0"/>
-              </a:rPr>
-              <a:t>分支。</a:t>
-            </a:r>
-          </a:p>
-          <a:p>
             <a:endParaRPr lang="en-US" altLang="zh-CN" sz="1200" b="0" i="0" kern="1200" dirty="0">
               <a:solidFill>
                 <a:schemeClr val="tx1"/>
@@ -2308,7 +1856,7 @@
     </p:spTree>
     <p:extLst>
       <p:ext uri="{BB962C8B-B14F-4D97-AF65-F5344CB8AC3E}">
-        <p14:creationId xmlns:p14="http://schemas.microsoft.com/office/powerpoint/2010/main" val="3809280556"/>
+        <p14:creationId xmlns:p14="http://schemas.microsoft.com/office/powerpoint/2010/main" val="942075607"/>
       </p:ext>
     </p:extLst>
   </p:cSld>
@@ -2362,6 +1910,450 @@
           <a:bodyPr/>
           <a:lstStyle/>
           <a:p>
+            <a:pPr>
+              <a:lnSpc>
+                <a:spcPct val="150000"/>
+              </a:lnSpc>
+            </a:pPr>
+            <a:r>
+              <a:rPr lang="zh-CN" altLang="en-US" sz="1200" b="0" i="0" kern="1200" dirty="0">
+                <a:solidFill>
+                  <a:schemeClr val="tx1"/>
+                </a:solidFill>
+                <a:effectLst/>
+                <a:latin typeface="Arial" pitchFamily="34" charset="0"/>
+                <a:ea typeface="宋体" pitchFamily="2" charset="-122"/>
+                <a:cs typeface="Calibri" pitchFamily="34" charset="0"/>
+              </a:rPr>
+              <a:t>工作区：</a:t>
+            </a:r>
+            <a:endParaRPr lang="en-US" altLang="zh-CN" sz="1200" b="0" i="0" kern="1200" dirty="0">
+              <a:solidFill>
+                <a:schemeClr val="tx1"/>
+              </a:solidFill>
+              <a:effectLst/>
+              <a:latin typeface="Arial" pitchFamily="34" charset="0"/>
+              <a:ea typeface="宋体" pitchFamily="2" charset="-122"/>
+              <a:cs typeface="Calibri" pitchFamily="34" charset="0"/>
+            </a:endParaRPr>
+          </a:p>
+          <a:p>
+            <a:pPr>
+              <a:lnSpc>
+                <a:spcPct val="150000"/>
+              </a:lnSpc>
+            </a:pPr>
+            <a:r>
+              <a:rPr lang="zh-CN" altLang="en-US" sz="1200" b="0" i="0" kern="1200" dirty="0">
+                <a:solidFill>
+                  <a:schemeClr val="tx1"/>
+                </a:solidFill>
+                <a:effectLst/>
+                <a:latin typeface="Arial" pitchFamily="34" charset="0"/>
+                <a:ea typeface="宋体" pitchFamily="2" charset="-122"/>
+                <a:cs typeface="Calibri" pitchFamily="34" charset="0"/>
+              </a:rPr>
+              <a:t>就是你在电脑里能看到的目录，本地开发的代码环境。</a:t>
+            </a:r>
+            <a:endParaRPr lang="en-US" altLang="zh-CN" sz="1200" b="0" i="0" kern="1200" dirty="0">
+              <a:solidFill>
+                <a:schemeClr val="tx1"/>
+              </a:solidFill>
+              <a:effectLst/>
+              <a:latin typeface="Arial" pitchFamily="34" charset="0"/>
+              <a:ea typeface="宋体" pitchFamily="2" charset="-122"/>
+              <a:cs typeface="Calibri" pitchFamily="34" charset="0"/>
+            </a:endParaRPr>
+          </a:p>
+          <a:p>
+            <a:pPr>
+              <a:lnSpc>
+                <a:spcPct val="150000"/>
+              </a:lnSpc>
+            </a:pPr>
+            <a:r>
+              <a:rPr lang="zh-CN" altLang="en-US" sz="1200" b="0" i="0" kern="1200" dirty="0">
+                <a:solidFill>
+                  <a:schemeClr val="tx1"/>
+                </a:solidFill>
+                <a:effectLst/>
+                <a:latin typeface="Arial" pitchFamily="34" charset="0"/>
+                <a:ea typeface="宋体" pitchFamily="2" charset="-122"/>
+                <a:cs typeface="Calibri" pitchFamily="34" charset="0"/>
+              </a:rPr>
+              <a:t>暂存区：</a:t>
+            </a:r>
+            <a:endParaRPr lang="en-US" altLang="zh-CN" sz="1200" b="0" i="0" kern="1200" dirty="0">
+              <a:solidFill>
+                <a:schemeClr val="tx1"/>
+              </a:solidFill>
+              <a:effectLst/>
+              <a:latin typeface="Arial" pitchFamily="34" charset="0"/>
+              <a:ea typeface="宋体" pitchFamily="2" charset="-122"/>
+              <a:cs typeface="Calibri" pitchFamily="34" charset="0"/>
+            </a:endParaRPr>
+          </a:p>
+          <a:p>
+            <a:pPr>
+              <a:lnSpc>
+                <a:spcPct val="150000"/>
+              </a:lnSpc>
+            </a:pPr>
+            <a:r>
+              <a:rPr lang="zh-CN" altLang="en-US" sz="1200" b="0" i="0" kern="1200" dirty="0">
+                <a:solidFill>
+                  <a:schemeClr val="tx1"/>
+                </a:solidFill>
+                <a:effectLst/>
+                <a:latin typeface="Arial" pitchFamily="34" charset="0"/>
+                <a:ea typeface="宋体" pitchFamily="2" charset="-122"/>
+                <a:cs typeface="Calibri" pitchFamily="34" charset="0"/>
+              </a:rPr>
+              <a:t>在初始化</a:t>
+            </a:r>
+            <a:r>
+              <a:rPr lang="en-US" altLang="zh-CN" sz="1200" b="0" i="0" kern="1200" dirty="0">
+                <a:solidFill>
+                  <a:schemeClr val="tx1"/>
+                </a:solidFill>
+                <a:effectLst/>
+                <a:latin typeface="Arial" pitchFamily="34" charset="0"/>
+                <a:ea typeface="宋体" pitchFamily="2" charset="-122"/>
+                <a:cs typeface="Calibri" pitchFamily="34" charset="0"/>
+              </a:rPr>
+              <a:t>git</a:t>
+            </a:r>
+            <a:r>
+              <a:rPr lang="zh-CN" altLang="en-US" sz="1200" b="0" i="0" kern="1200" dirty="0">
+                <a:solidFill>
+                  <a:schemeClr val="tx1"/>
+                </a:solidFill>
+                <a:effectLst/>
+                <a:latin typeface="Arial" pitchFamily="34" charset="0"/>
+                <a:ea typeface="宋体" pitchFamily="2" charset="-122"/>
+                <a:cs typeface="Calibri" pitchFamily="34" charset="0"/>
+              </a:rPr>
+              <a:t>版本库会生成一个隐藏的文件 </a:t>
+            </a:r>
+            <a:r>
+              <a:rPr lang="en-US" altLang="zh-CN" sz="1200" b="0" i="0" kern="1200" dirty="0">
+                <a:solidFill>
+                  <a:schemeClr val="tx1"/>
+                </a:solidFill>
+                <a:effectLst/>
+                <a:latin typeface="Arial" pitchFamily="34" charset="0"/>
+                <a:ea typeface="宋体" pitchFamily="2" charset="-122"/>
+                <a:cs typeface="Calibri" pitchFamily="34" charset="0"/>
+              </a:rPr>
+              <a:t>.git </a:t>
+            </a:r>
+            <a:r>
+              <a:rPr lang="zh-CN" altLang="en-US" sz="1200" b="0" i="0" kern="1200" dirty="0">
+                <a:solidFill>
+                  <a:schemeClr val="tx1"/>
+                </a:solidFill>
+                <a:effectLst/>
+                <a:latin typeface="Arial" pitchFamily="34" charset="0"/>
+                <a:ea typeface="宋体" pitchFamily="2" charset="-122"/>
+                <a:cs typeface="Calibri" pitchFamily="34" charset="0"/>
+              </a:rPr>
+              <a:t>，它的文件夹里面还有很多文件，其中有一个</a:t>
+            </a:r>
+            <a:r>
+              <a:rPr lang="en-US" altLang="zh-CN" sz="1200" b="0" i="0" kern="1200" dirty="0">
+                <a:solidFill>
+                  <a:schemeClr val="tx1"/>
+                </a:solidFill>
+                <a:effectLst/>
+                <a:latin typeface="Arial" pitchFamily="34" charset="0"/>
+                <a:ea typeface="宋体" pitchFamily="2" charset="-122"/>
+                <a:cs typeface="Calibri" pitchFamily="34" charset="0"/>
+              </a:rPr>
+              <a:t>index </a:t>
+            </a:r>
+            <a:r>
+              <a:rPr lang="zh-CN" altLang="en-US" sz="1200" b="0" i="0" kern="1200" dirty="0">
+                <a:solidFill>
+                  <a:schemeClr val="tx1"/>
+                </a:solidFill>
+                <a:effectLst/>
+                <a:latin typeface="Arial" pitchFamily="34" charset="0"/>
+                <a:ea typeface="宋体" pitchFamily="2" charset="-122"/>
+                <a:cs typeface="Calibri" pitchFamily="34" charset="0"/>
+              </a:rPr>
+              <a:t>文件 就是暂存区也可以叫做 </a:t>
+            </a:r>
+            <a:r>
+              <a:rPr lang="en-US" altLang="zh-CN" sz="1200" b="0" i="0" kern="1200" dirty="0">
+                <a:solidFill>
+                  <a:schemeClr val="tx1"/>
+                </a:solidFill>
+                <a:effectLst/>
+                <a:latin typeface="Arial" pitchFamily="34" charset="0"/>
+                <a:ea typeface="宋体" pitchFamily="2" charset="-122"/>
+                <a:cs typeface="Calibri" pitchFamily="34" charset="0"/>
+              </a:rPr>
+              <a:t>stage </a:t>
+            </a:r>
+            <a:r>
+              <a:rPr lang="zh-CN" altLang="en-US" sz="1200" b="0" i="0" kern="1200" dirty="0">
+                <a:solidFill>
+                  <a:schemeClr val="tx1"/>
+                </a:solidFill>
+                <a:effectLst/>
+                <a:latin typeface="Arial" pitchFamily="34" charset="0"/>
+                <a:ea typeface="宋体" pitchFamily="2" charset="-122"/>
+                <a:cs typeface="Calibri" pitchFamily="34" charset="0"/>
+              </a:rPr>
+              <a:t>。（暂存区只是一个临时保存修改文件的地方。）</a:t>
+            </a:r>
+            <a:endParaRPr lang="en-US" altLang="zh-CN" sz="1200" b="0" i="0" kern="1200" dirty="0">
+              <a:solidFill>
+                <a:schemeClr val="tx1"/>
+              </a:solidFill>
+              <a:effectLst/>
+              <a:latin typeface="Arial" pitchFamily="34" charset="0"/>
+              <a:ea typeface="宋体" pitchFamily="2" charset="-122"/>
+              <a:cs typeface="Calibri" pitchFamily="34" charset="0"/>
+            </a:endParaRPr>
+          </a:p>
+          <a:p>
+            <a:pPr>
+              <a:lnSpc>
+                <a:spcPct val="150000"/>
+              </a:lnSpc>
+            </a:pPr>
+            <a:endParaRPr lang="en-US" altLang="zh-CN" sz="1200" b="0" i="0" kern="1200" dirty="0">
+              <a:solidFill>
+                <a:schemeClr val="tx1"/>
+              </a:solidFill>
+              <a:effectLst/>
+              <a:latin typeface="Arial" pitchFamily="34" charset="0"/>
+              <a:ea typeface="宋体" pitchFamily="2" charset="-122"/>
+              <a:cs typeface="Calibri" pitchFamily="34" charset="0"/>
+            </a:endParaRPr>
+          </a:p>
+          <a:p>
+            <a:pPr>
+              <a:lnSpc>
+                <a:spcPct val="150000"/>
+              </a:lnSpc>
+            </a:pPr>
+            <a:r>
+              <a:rPr lang="zh-CN" altLang="en-US" sz="1200" b="0" i="0" kern="1200" dirty="0">
+                <a:solidFill>
+                  <a:schemeClr val="tx1"/>
+                </a:solidFill>
+                <a:effectLst/>
+                <a:latin typeface="Arial" pitchFamily="34" charset="0"/>
+                <a:ea typeface="宋体" pitchFamily="2" charset="-122"/>
+                <a:cs typeface="Calibri" pitchFamily="34" charset="0"/>
+              </a:rPr>
+              <a:t>我们把文件往</a:t>
+            </a:r>
+            <a:r>
+              <a:rPr lang="en-US" altLang="zh-CN" sz="1200" b="0" i="0" kern="1200" dirty="0">
+                <a:solidFill>
+                  <a:schemeClr val="tx1"/>
+                </a:solidFill>
+                <a:effectLst/>
+                <a:latin typeface="Arial" pitchFamily="34" charset="0"/>
+                <a:ea typeface="宋体" pitchFamily="2" charset="-122"/>
+                <a:cs typeface="Calibri" pitchFamily="34" charset="0"/>
+              </a:rPr>
+              <a:t>Git</a:t>
+            </a:r>
+            <a:r>
+              <a:rPr lang="zh-CN" altLang="en-US" sz="1200" b="0" i="0" kern="1200" dirty="0">
+                <a:solidFill>
+                  <a:schemeClr val="tx1"/>
+                </a:solidFill>
+                <a:effectLst/>
+                <a:latin typeface="Arial" pitchFamily="34" charset="0"/>
+                <a:ea typeface="宋体" pitchFamily="2" charset="-122"/>
+                <a:cs typeface="Calibri" pitchFamily="34" charset="0"/>
+              </a:rPr>
+              <a:t>版本库里添加的时候，是分两步执行的：</a:t>
+            </a:r>
+          </a:p>
+          <a:p>
+            <a:pPr>
+              <a:lnSpc>
+                <a:spcPct val="150000"/>
+              </a:lnSpc>
+            </a:pPr>
+            <a:r>
+              <a:rPr lang="zh-CN" altLang="en-US" sz="1200" b="0" i="0" kern="1200" dirty="0">
+                <a:solidFill>
+                  <a:schemeClr val="tx1"/>
+                </a:solidFill>
+                <a:effectLst/>
+                <a:latin typeface="Arial" pitchFamily="34" charset="0"/>
+                <a:ea typeface="宋体" pitchFamily="2" charset="-122"/>
+                <a:cs typeface="Calibri" pitchFamily="34" charset="0"/>
+              </a:rPr>
+              <a:t>第一步是用</a:t>
+            </a:r>
+            <a:r>
+              <a:rPr lang="en-US" altLang="zh-CN" sz="1200" b="0" i="0" kern="1200" dirty="0">
+                <a:solidFill>
+                  <a:schemeClr val="tx1"/>
+                </a:solidFill>
+                <a:effectLst/>
+                <a:latin typeface="Arial" pitchFamily="34" charset="0"/>
+                <a:ea typeface="宋体" pitchFamily="2" charset="-122"/>
+                <a:cs typeface="Calibri" pitchFamily="34" charset="0"/>
+              </a:rPr>
+              <a:t>git add</a:t>
+            </a:r>
+            <a:r>
+              <a:rPr lang="zh-CN" altLang="en-US" sz="1200" b="0" i="0" kern="1200" dirty="0">
+                <a:solidFill>
+                  <a:schemeClr val="tx1"/>
+                </a:solidFill>
+                <a:effectLst/>
+                <a:latin typeface="Arial" pitchFamily="34" charset="0"/>
+                <a:ea typeface="宋体" pitchFamily="2" charset="-122"/>
+                <a:cs typeface="Calibri" pitchFamily="34" charset="0"/>
+              </a:rPr>
+              <a:t>把文件添加进去，实际上就是把文件修改添加到暂存区；</a:t>
+            </a:r>
+          </a:p>
+          <a:p>
+            <a:pPr>
+              <a:lnSpc>
+                <a:spcPct val="150000"/>
+              </a:lnSpc>
+            </a:pPr>
+            <a:r>
+              <a:rPr lang="zh-CN" altLang="en-US" sz="1200" b="0" i="0" kern="1200" dirty="0">
+                <a:solidFill>
+                  <a:schemeClr val="tx1"/>
+                </a:solidFill>
+                <a:effectLst/>
+                <a:latin typeface="Arial" pitchFamily="34" charset="0"/>
+                <a:ea typeface="宋体" pitchFamily="2" charset="-122"/>
+                <a:cs typeface="Calibri" pitchFamily="34" charset="0"/>
+              </a:rPr>
+              <a:t>第二步是用</a:t>
+            </a:r>
+            <a:r>
+              <a:rPr lang="en-US" altLang="zh-CN" sz="1200" b="0" i="0" kern="1200" dirty="0">
+                <a:solidFill>
+                  <a:schemeClr val="tx1"/>
+                </a:solidFill>
+                <a:effectLst/>
+                <a:latin typeface="Arial" pitchFamily="34" charset="0"/>
+                <a:ea typeface="宋体" pitchFamily="2" charset="-122"/>
+                <a:cs typeface="Calibri" pitchFamily="34" charset="0"/>
+              </a:rPr>
+              <a:t>git commit</a:t>
+            </a:r>
+            <a:r>
+              <a:rPr lang="zh-CN" altLang="en-US" sz="1200" b="0" i="0" kern="1200" dirty="0">
+                <a:solidFill>
+                  <a:schemeClr val="tx1"/>
+                </a:solidFill>
+                <a:effectLst/>
+                <a:latin typeface="Arial" pitchFamily="34" charset="0"/>
+                <a:ea typeface="宋体" pitchFamily="2" charset="-122"/>
+                <a:cs typeface="Calibri" pitchFamily="34" charset="0"/>
+              </a:rPr>
+              <a:t>提交更改，实际上就是把暂存区的所有内容提交到当前分支。</a:t>
+            </a:r>
+          </a:p>
+          <a:p>
+            <a:pPr>
+              <a:lnSpc>
+                <a:spcPct val="150000"/>
+              </a:lnSpc>
+            </a:pPr>
+            <a:r>
+              <a:rPr lang="zh-CN" altLang="en-US" sz="1200" b="0" i="0" kern="1200" dirty="0">
+                <a:solidFill>
+                  <a:schemeClr val="tx1"/>
+                </a:solidFill>
+                <a:effectLst/>
+                <a:latin typeface="Arial" pitchFamily="34" charset="0"/>
+                <a:ea typeface="宋体" pitchFamily="2" charset="-122"/>
+                <a:cs typeface="Calibri" pitchFamily="34" charset="0"/>
+              </a:rPr>
+              <a:t>创建</a:t>
+            </a:r>
+            <a:r>
+              <a:rPr lang="en-US" altLang="zh-CN" sz="1200" b="0" i="0" kern="1200" dirty="0">
+                <a:solidFill>
+                  <a:schemeClr val="tx1"/>
+                </a:solidFill>
+                <a:effectLst/>
+                <a:latin typeface="Arial" pitchFamily="34" charset="0"/>
+                <a:ea typeface="宋体" pitchFamily="2" charset="-122"/>
+                <a:cs typeface="Calibri" pitchFamily="34" charset="0"/>
+              </a:rPr>
+              <a:t>Git</a:t>
+            </a:r>
+            <a:r>
+              <a:rPr lang="zh-CN" altLang="en-US" sz="1200" b="0" i="0" kern="1200" dirty="0">
+                <a:solidFill>
+                  <a:schemeClr val="tx1"/>
+                </a:solidFill>
+                <a:effectLst/>
+                <a:latin typeface="Arial" pitchFamily="34" charset="0"/>
+                <a:ea typeface="宋体" pitchFamily="2" charset="-122"/>
+                <a:cs typeface="Calibri" pitchFamily="34" charset="0"/>
+              </a:rPr>
+              <a:t>版本库时，</a:t>
+            </a:r>
+            <a:r>
+              <a:rPr lang="en-US" altLang="zh-CN" sz="1200" b="0" i="0" kern="1200" dirty="0">
+                <a:solidFill>
+                  <a:schemeClr val="tx1"/>
+                </a:solidFill>
+                <a:effectLst/>
+                <a:latin typeface="Arial" pitchFamily="34" charset="0"/>
+                <a:ea typeface="宋体" pitchFamily="2" charset="-122"/>
+                <a:cs typeface="Calibri" pitchFamily="34" charset="0"/>
+              </a:rPr>
+              <a:t>Git</a:t>
+            </a:r>
+            <a:r>
+              <a:rPr lang="zh-CN" altLang="en-US" sz="1200" b="0" i="0" kern="1200" dirty="0">
+                <a:solidFill>
+                  <a:schemeClr val="tx1"/>
+                </a:solidFill>
+                <a:effectLst/>
+                <a:latin typeface="Arial" pitchFamily="34" charset="0"/>
+                <a:ea typeface="宋体" pitchFamily="2" charset="-122"/>
+                <a:cs typeface="Calibri" pitchFamily="34" charset="0"/>
+              </a:rPr>
+              <a:t>自动为我们创建了唯一一个</a:t>
+            </a:r>
+            <a:r>
+              <a:rPr lang="en-US" altLang="zh-CN" sz="1200" b="0" i="0" kern="1200" dirty="0">
+                <a:solidFill>
+                  <a:schemeClr val="tx1"/>
+                </a:solidFill>
+                <a:effectLst/>
+                <a:latin typeface="Arial" pitchFamily="34" charset="0"/>
+                <a:ea typeface="宋体" pitchFamily="2" charset="-122"/>
+                <a:cs typeface="Calibri" pitchFamily="34" charset="0"/>
+              </a:rPr>
+              <a:t>master</a:t>
+            </a:r>
+            <a:r>
+              <a:rPr lang="zh-CN" altLang="en-US" sz="1200" b="0" i="0" kern="1200" dirty="0">
+                <a:solidFill>
+                  <a:schemeClr val="tx1"/>
+                </a:solidFill>
+                <a:effectLst/>
+                <a:latin typeface="Arial" pitchFamily="34" charset="0"/>
+                <a:ea typeface="宋体" pitchFamily="2" charset="-122"/>
+                <a:cs typeface="Calibri" pitchFamily="34" charset="0"/>
+              </a:rPr>
+              <a:t>分支。</a:t>
+            </a:r>
+          </a:p>
+          <a:p>
             <a:endParaRPr lang="en-US" altLang="zh-CN" sz="1200" b="0" i="0" kern="1200" dirty="0">
               <a:solidFill>
                 <a:schemeClr val="tx1"/>
@@ -2431,7 +2423,7 @@
     </p:spTree>
     <p:extLst>
       <p:ext uri="{BB962C8B-B14F-4D97-AF65-F5344CB8AC3E}">
-        <p14:creationId xmlns:p14="http://schemas.microsoft.com/office/powerpoint/2010/main" val="507885838"/>
+        <p14:creationId xmlns:p14="http://schemas.microsoft.com/office/powerpoint/2010/main" val="3809280556"/>
       </p:ext>
     </p:extLst>
   </p:cSld>
@@ -2485,7 +2477,15 @@
           <a:bodyPr/>
           <a:lstStyle/>
           <a:p>
-            <a:endParaRPr lang="zh-CN" altLang="en-US"/>
+            <a:endParaRPr lang="en-US" altLang="zh-CN" sz="1200" b="0" i="0" kern="1200" dirty="0">
+              <a:solidFill>
+                <a:schemeClr val="tx1"/>
+              </a:solidFill>
+              <a:effectLst/>
+              <a:latin typeface="Arial" pitchFamily="34" charset="0"/>
+              <a:ea typeface="宋体" pitchFamily="2" charset="-122"/>
+              <a:cs typeface="Calibri" pitchFamily="34" charset="0"/>
+            </a:endParaRPr>
           </a:p>
         </p:txBody>
       </p:sp>
@@ -2546,7 +2546,7 @@
     </p:spTree>
     <p:extLst>
       <p:ext uri="{BB962C8B-B14F-4D97-AF65-F5344CB8AC3E}">
-        <p14:creationId xmlns:p14="http://schemas.microsoft.com/office/powerpoint/2010/main" val="1605021391"/>
+        <p14:creationId xmlns:p14="http://schemas.microsoft.com/office/powerpoint/2010/main" val="507885838"/>
       </p:ext>
     </p:extLst>
   </p:cSld>
@@ -2797,7 +2797,7 @@
             <a:fld id="{72514870-5082-4025-BC8A-5E070B8EB77D}" type="datetimeFigureOut">
               <a:rPr lang="zh-CN" altLang="en-US" smtClean="0"/>
               <a:pPr/>
-              <a:t>2018/12/26</a:t>
+              <a:t>2019/2/11</a:t>
             </a:fld>
             <a:endParaRPr lang="zh-CN" altLang="en-US"/>
           </a:p>
@@ -2967,7 +2967,7 @@
             <a:fld id="{72514870-5082-4025-BC8A-5E070B8EB77D}" type="datetimeFigureOut">
               <a:rPr lang="zh-CN" altLang="en-US" smtClean="0"/>
               <a:pPr/>
-              <a:t>2018/12/26</a:t>
+              <a:t>2019/2/11</a:t>
             </a:fld>
             <a:endParaRPr lang="zh-CN" altLang="en-US"/>
           </a:p>
@@ -3147,7 +3147,7 @@
             <a:fld id="{72514870-5082-4025-BC8A-5E070B8EB77D}" type="datetimeFigureOut">
               <a:rPr lang="zh-CN" altLang="en-US" smtClean="0"/>
               <a:pPr/>
-              <a:t>2018/12/26</a:t>
+              <a:t>2019/2/11</a:t>
             </a:fld>
             <a:endParaRPr lang="zh-CN" altLang="en-US"/>
           </a:p>
@@ -3335,7 +3335,7 @@
             <a:fld id="{72514870-5082-4025-BC8A-5E070B8EB77D}" type="datetimeFigureOut">
               <a:rPr lang="zh-CN" altLang="en-US" smtClean="0"/>
               <a:pPr/>
-              <a:t>2018/12/26</a:t>
+              <a:t>2019/2/11</a:t>
             </a:fld>
             <a:endParaRPr lang="zh-CN" altLang="en-US"/>
           </a:p>
@@ -3505,7 +3505,7 @@
             <a:fld id="{72514870-5082-4025-BC8A-5E070B8EB77D}" type="datetimeFigureOut">
               <a:rPr lang="zh-CN" altLang="en-US" smtClean="0"/>
               <a:pPr/>
-              <a:t>2018/12/26</a:t>
+              <a:t>2019/2/11</a:t>
             </a:fld>
             <a:endParaRPr lang="zh-CN" altLang="en-US"/>
           </a:p>
@@ -3698,7 +3698,7 @@
             <a:fld id="{72514870-5082-4025-BC8A-5E070B8EB77D}" type="datetimeFigureOut">
               <a:rPr lang="zh-CN" altLang="en-US" smtClean="0"/>
               <a:pPr/>
-              <a:t>2018/12/26</a:t>
+              <a:t>2019/2/11</a:t>
             </a:fld>
             <a:endParaRPr lang="zh-CN" altLang="en-US"/>
           </a:p>
@@ -3985,7 +3985,7 @@
             <a:fld id="{72514870-5082-4025-BC8A-5E070B8EB77D}" type="datetimeFigureOut">
               <a:rPr lang="zh-CN" altLang="en-US" smtClean="0"/>
               <a:pPr/>
-              <a:t>2018/12/26</a:t>
+              <a:t>2019/2/11</a:t>
             </a:fld>
             <a:endParaRPr lang="zh-CN" altLang="en-US"/>
           </a:p>
@@ -4406,7 +4406,7 @@
             <a:fld id="{72514870-5082-4025-BC8A-5E070B8EB77D}" type="datetimeFigureOut">
               <a:rPr lang="zh-CN" altLang="en-US" smtClean="0"/>
               <a:pPr/>
-              <a:t>2018/12/26</a:t>
+              <a:t>2019/2/11</a:t>
             </a:fld>
             <a:endParaRPr lang="zh-CN" altLang="en-US"/>
           </a:p>
@@ -4525,7 +4525,7 @@
             <a:fld id="{72514870-5082-4025-BC8A-5E070B8EB77D}" type="datetimeFigureOut">
               <a:rPr lang="zh-CN" altLang="en-US" smtClean="0"/>
               <a:pPr/>
-              <a:t>2018/12/26</a:t>
+              <a:t>2019/2/11</a:t>
             </a:fld>
             <a:endParaRPr lang="zh-CN" altLang="en-US"/>
           </a:p>
@@ -4622,7 +4622,7 @@
             <a:fld id="{72514870-5082-4025-BC8A-5E070B8EB77D}" type="datetimeFigureOut">
               <a:rPr lang="zh-CN" altLang="en-US" smtClean="0"/>
               <a:pPr/>
-              <a:t>2018/12/26</a:t>
+              <a:t>2019/2/11</a:t>
             </a:fld>
             <a:endParaRPr lang="zh-CN" altLang="en-US"/>
           </a:p>
@@ -4935,7 +4935,7 @@
             <a:fld id="{72514870-5082-4025-BC8A-5E070B8EB77D}" type="datetimeFigureOut">
               <a:rPr lang="zh-CN" altLang="en-US" smtClean="0"/>
               <a:pPr/>
-              <a:t>2018/12/26</a:t>
+              <a:t>2019/2/11</a:t>
             </a:fld>
             <a:endParaRPr lang="zh-CN" altLang="en-US"/>
           </a:p>
@@ -5105,7 +5105,7 @@
             <a:fld id="{72514870-5082-4025-BC8A-5E070B8EB77D}" type="datetimeFigureOut">
               <a:rPr lang="zh-CN" altLang="en-US" smtClean="0"/>
               <a:pPr/>
-              <a:t>2018/12/26</a:t>
+              <a:t>2019/2/11</a:t>
             </a:fld>
             <a:endParaRPr lang="zh-CN" altLang="en-US"/>
           </a:p>
@@ -5359,7 +5359,7 @@
             <a:fld id="{72514870-5082-4025-BC8A-5E070B8EB77D}" type="datetimeFigureOut">
               <a:rPr lang="zh-CN" altLang="en-US" smtClean="0"/>
               <a:pPr/>
-              <a:t>2018/12/26</a:t>
+              <a:t>2019/2/11</a:t>
             </a:fld>
             <a:endParaRPr lang="zh-CN" altLang="en-US"/>
           </a:p>
@@ -5529,7 +5529,7 @@
             <a:fld id="{72514870-5082-4025-BC8A-5E070B8EB77D}" type="datetimeFigureOut">
               <a:rPr lang="zh-CN" altLang="en-US" smtClean="0"/>
               <a:pPr/>
-              <a:t>2018/12/26</a:t>
+              <a:t>2019/2/11</a:t>
             </a:fld>
             <a:endParaRPr lang="zh-CN" altLang="en-US"/>
           </a:p>
@@ -5709,7 +5709,7 @@
             <a:fld id="{72514870-5082-4025-BC8A-5E070B8EB77D}" type="datetimeFigureOut">
               <a:rPr lang="zh-CN" altLang="en-US" smtClean="0"/>
               <a:pPr/>
-              <a:t>2018/12/26</a:t>
+              <a:t>2019/2/11</a:t>
             </a:fld>
             <a:endParaRPr lang="zh-CN" altLang="en-US"/>
           </a:p>
@@ -5902,7 +5902,7 @@
             <a:fld id="{72514870-5082-4025-BC8A-5E070B8EB77D}" type="datetimeFigureOut">
               <a:rPr lang="zh-CN" altLang="en-US" smtClean="0"/>
               <a:pPr/>
-              <a:t>2018/12/26</a:t>
+              <a:t>2019/2/11</a:t>
             </a:fld>
             <a:endParaRPr lang="zh-CN" altLang="en-US"/>
           </a:p>
@@ -6189,7 +6189,7 @@
             <a:fld id="{72514870-5082-4025-BC8A-5E070B8EB77D}" type="datetimeFigureOut">
               <a:rPr lang="zh-CN" altLang="en-US" smtClean="0"/>
               <a:pPr/>
-              <a:t>2018/12/26</a:t>
+              <a:t>2019/2/11</a:t>
             </a:fld>
             <a:endParaRPr lang="zh-CN" altLang="en-US"/>
           </a:p>
@@ -6610,7 +6610,7 @@
             <a:fld id="{72514870-5082-4025-BC8A-5E070B8EB77D}" type="datetimeFigureOut">
               <a:rPr lang="zh-CN" altLang="en-US" smtClean="0"/>
               <a:pPr/>
-              <a:t>2018/12/26</a:t>
+              <a:t>2019/2/11</a:t>
             </a:fld>
             <a:endParaRPr lang="zh-CN" altLang="en-US"/>
           </a:p>
@@ -6729,7 +6729,7 @@
             <a:fld id="{72514870-5082-4025-BC8A-5E070B8EB77D}" type="datetimeFigureOut">
               <a:rPr lang="zh-CN" altLang="en-US" smtClean="0"/>
               <a:pPr/>
-              <a:t>2018/12/26</a:t>
+              <a:t>2019/2/11</a:t>
             </a:fld>
             <a:endParaRPr lang="zh-CN" altLang="en-US"/>
           </a:p>
@@ -6826,7 +6826,7 @@
             <a:fld id="{72514870-5082-4025-BC8A-5E070B8EB77D}" type="datetimeFigureOut">
               <a:rPr lang="zh-CN" altLang="en-US" smtClean="0"/>
               <a:pPr/>
-              <a:t>2018/12/26</a:t>
+              <a:t>2019/2/11</a:t>
             </a:fld>
             <a:endParaRPr lang="zh-CN" altLang="en-US"/>
           </a:p>
@@ -7103,7 +7103,7 @@
             <a:fld id="{72514870-5082-4025-BC8A-5E070B8EB77D}" type="datetimeFigureOut">
               <a:rPr lang="zh-CN" altLang="en-US" smtClean="0"/>
               <a:pPr/>
-              <a:t>2018/12/26</a:t>
+              <a:t>2019/2/11</a:t>
             </a:fld>
             <a:endParaRPr lang="zh-CN" altLang="en-US"/>
           </a:p>
@@ -7357,7 +7357,7 @@
             <a:fld id="{72514870-5082-4025-BC8A-5E070B8EB77D}" type="datetimeFigureOut">
               <a:rPr lang="zh-CN" altLang="en-US" smtClean="0"/>
               <a:pPr/>
-              <a:t>2018/12/26</a:t>
+              <a:t>2019/2/11</a:t>
             </a:fld>
             <a:endParaRPr lang="zh-CN" altLang="en-US"/>
           </a:p>
@@ -8432,6 +8432,419 @@
 </file>
 
 <file path=ppt/slides/slide2.xml><?xml version="1.0" encoding="utf-8"?>
+<p:sld xmlns:a="http://schemas.openxmlformats.org/drawingml/2006/main" xmlns:r="http://schemas.openxmlformats.org/officeDocument/2006/relationships" xmlns:p="http://schemas.openxmlformats.org/presentationml/2006/main">
+  <p:cSld>
+    <p:spTree>
+      <p:nvGrpSpPr>
+        <p:cNvPr id="1" name=""/>
+        <p:cNvGrpSpPr/>
+        <p:nvPr/>
+      </p:nvGrpSpPr>
+      <p:grpSpPr>
+        <a:xfrm>
+          <a:off x="0" y="0"/>
+          <a:ext cx="0" cy="0"/>
+          <a:chOff x="0" y="0"/>
+          <a:chExt cx="0" cy="0"/>
+        </a:xfrm>
+      </p:grpSpPr>
+      <p:sp>
+        <p:nvSpPr>
+          <p:cNvPr id="15" name="矩形"/>
+          <p:cNvSpPr>
+            <a:spLocks/>
+          </p:cNvSpPr>
+          <p:nvPr/>
+        </p:nvSpPr>
+        <p:spPr>
+          <a:xfrm>
+            <a:off x="578721" y="1158774"/>
+            <a:ext cx="8565279" cy="1015663"/>
+          </a:xfrm>
+          <a:prstGeom prst="rect">
+            <a:avLst/>
+          </a:prstGeom>
+          <a:noFill/>
+          <a:ln w="9525" cap="flat" cmpd="sng">
+            <a:noFill/>
+            <a:prstDash val="solid"/>
+            <a:miter/>
+          </a:ln>
+        </p:spPr>
+        <p:txBody>
+          <a:bodyPr vert="horz" wrap="square" lIns="91440" tIns="45720" rIns="91440" bIns="45720" anchor="ctr" anchorCtr="0">
+            <a:prstTxWarp prst="textNoShape">
+              <a:avLst/>
+            </a:prstTxWarp>
+            <a:spAutoFit/>
+          </a:bodyPr>
+          <a:lstStyle/>
+          <a:p>
+            <a:pPr marL="800100" lvl="1" indent="-342900">
+              <a:buFont typeface="Wingdings" panose="05000000000000000000" pitchFamily="2" charset="2"/>
+              <a:buChar char="u"/>
+            </a:pPr>
+            <a:r>
+              <a:rPr lang="en-US" altLang="zh-CN" sz="2000" dirty="0">
+                <a:latin typeface="微软雅黑" charset="0"/>
+                <a:ea typeface="微软雅黑" charset="0"/>
+                <a:cs typeface="微软雅黑" charset="0"/>
+              </a:rPr>
+              <a:t>Windows</a:t>
+            </a:r>
+            <a:r>
+              <a:rPr lang="zh-CN" altLang="en-US" sz="2000" dirty="0">
+                <a:latin typeface="微软雅黑" charset="0"/>
+                <a:ea typeface="微软雅黑" charset="0"/>
+                <a:cs typeface="微软雅黑" charset="0"/>
+              </a:rPr>
+              <a:t>安装参考链接：</a:t>
+            </a:r>
+            <a:endParaRPr lang="en-US" altLang="zh-CN" sz="2000" dirty="0">
+              <a:latin typeface="微软雅黑" charset="0"/>
+              <a:ea typeface="微软雅黑" charset="0"/>
+              <a:cs typeface="微软雅黑" charset="0"/>
+            </a:endParaRPr>
+          </a:p>
+          <a:p>
+            <a:pPr lvl="1"/>
+            <a:endParaRPr lang="en-US" altLang="zh-CN" sz="2000" dirty="0">
+              <a:latin typeface="微软雅黑" charset="0"/>
+              <a:ea typeface="微软雅黑" charset="0"/>
+              <a:cs typeface="微软雅黑" charset="0"/>
+            </a:endParaRPr>
+          </a:p>
+          <a:p>
+            <a:pPr lvl="1"/>
+            <a:r>
+              <a:rPr lang="en-US" altLang="zh-CN" sz="2000" dirty="0">
+                <a:latin typeface="微软雅黑" charset="0"/>
+                <a:ea typeface="微软雅黑" charset="0"/>
+                <a:cs typeface="微软雅黑" charset="0"/>
+              </a:rPr>
+              <a:t>	</a:t>
+            </a:r>
+            <a:r>
+              <a:rPr lang="en-US" altLang="zh-CN" sz="1600" dirty="0">
+                <a:latin typeface="微软雅黑" charset="0"/>
+                <a:ea typeface="微软雅黑" charset="0"/>
+                <a:cs typeface="微软雅黑" charset="0"/>
+              </a:rPr>
+              <a:t>https://segmentfault.com/a/1190000011809698</a:t>
+            </a:r>
+            <a:endParaRPr lang="zh-CN" altLang="en-US" sz="1600" u="none" strike="noStrike" kern="1200" cap="none" spc="0" baseline="0" dirty="0">
+              <a:latin typeface="微软雅黑" charset="0"/>
+              <a:ea typeface="微软雅黑" charset="0"/>
+              <a:cs typeface="微软雅黑" charset="0"/>
+            </a:endParaRPr>
+          </a:p>
+        </p:txBody>
+      </p:sp>
+      <p:sp>
+        <p:nvSpPr>
+          <p:cNvPr id="17" name="矩形"/>
+          <p:cNvSpPr>
+            <a:spLocks/>
+          </p:cNvSpPr>
+          <p:nvPr/>
+        </p:nvSpPr>
+        <p:spPr>
+          <a:xfrm>
+            <a:off x="3811215" y="412416"/>
+            <a:ext cx="1521570" cy="553998"/>
+          </a:xfrm>
+          <a:prstGeom prst="rect">
+            <a:avLst/>
+          </a:prstGeom>
+          <a:noFill/>
+          <a:ln w="9525" cap="flat" cmpd="sng">
+            <a:noFill/>
+            <a:prstDash val="solid"/>
+            <a:miter/>
+          </a:ln>
+        </p:spPr>
+        <p:txBody>
+          <a:bodyPr vert="horz" wrap="none" lIns="91440" tIns="45720" rIns="91440" bIns="45720" anchor="t" anchorCtr="0">
+            <a:prstTxWarp prst="textNoShape">
+              <a:avLst/>
+            </a:prstTxWarp>
+            <a:spAutoFit/>
+          </a:bodyPr>
+          <a:lstStyle/>
+          <a:p>
+            <a:r>
+              <a:rPr lang="en-US" altLang="zh-CN" sz="3000" b="1" kern="0" dirty="0">
+                <a:solidFill>
+                  <a:srgbClr val="C9394A"/>
+                </a:solidFill>
+                <a:latin typeface="微软雅黑" charset="0"/>
+                <a:ea typeface="微软雅黑" charset="0"/>
+                <a:cs typeface="微软雅黑" charset="0"/>
+                <a:sym typeface="Calibri" pitchFamily="34" charset="0"/>
+              </a:rPr>
+              <a:t>Git</a:t>
+            </a:r>
+            <a:r>
+              <a:rPr lang="zh-CN" altLang="en-US" sz="3000" b="1" kern="0" dirty="0">
+                <a:solidFill>
+                  <a:srgbClr val="C9394A"/>
+                </a:solidFill>
+                <a:latin typeface="微软雅黑" charset="0"/>
+                <a:ea typeface="微软雅黑" charset="0"/>
+                <a:cs typeface="微软雅黑" charset="0"/>
+                <a:sym typeface="Calibri" pitchFamily="34" charset="0"/>
+              </a:rPr>
+              <a:t>安装</a:t>
+            </a:r>
+            <a:endParaRPr lang="zh-CN" altLang="en-US" u="none" strike="noStrike" kern="1200" cap="none" spc="0" baseline="0" dirty="0">
+              <a:solidFill>
+                <a:schemeClr val="tx1"/>
+              </a:solidFill>
+              <a:latin typeface="Calibri" pitchFamily="34" charset="0"/>
+              <a:ea typeface="宋体" pitchFamily="2" charset="-122"/>
+              <a:cs typeface="微软雅黑" charset="0"/>
+            </a:endParaRPr>
+          </a:p>
+        </p:txBody>
+      </p:sp>
+      <p:sp>
+        <p:nvSpPr>
+          <p:cNvPr id="8" name="矩形">
+            <a:extLst>
+              <a:ext uri="{FF2B5EF4-FFF2-40B4-BE49-F238E27FC236}">
+                <a16:creationId xmlns:a16="http://schemas.microsoft.com/office/drawing/2014/main" id="{F566A662-EE41-4270-884D-D6CD57CB2DF2}"/>
+              </a:ext>
+            </a:extLst>
+          </p:cNvPr>
+          <p:cNvSpPr>
+            <a:spLocks/>
+          </p:cNvSpPr>
+          <p:nvPr/>
+        </p:nvSpPr>
+        <p:spPr>
+          <a:xfrm>
+            <a:off x="683568" y="2394989"/>
+            <a:ext cx="8565279" cy="707886"/>
+          </a:xfrm>
+          <a:prstGeom prst="rect">
+            <a:avLst/>
+          </a:prstGeom>
+          <a:noFill/>
+          <a:ln w="9525" cap="flat" cmpd="sng">
+            <a:noFill/>
+            <a:prstDash val="solid"/>
+            <a:miter/>
+          </a:ln>
+        </p:spPr>
+        <p:txBody>
+          <a:bodyPr vert="horz" wrap="square" lIns="91440" tIns="45720" rIns="91440" bIns="45720" anchor="ctr" anchorCtr="0">
+            <a:prstTxWarp prst="textNoShape">
+              <a:avLst/>
+            </a:prstTxWarp>
+            <a:spAutoFit/>
+          </a:bodyPr>
+          <a:lstStyle/>
+          <a:p>
+            <a:pPr marL="800100" lvl="1" indent="-342900">
+              <a:buFont typeface="Wingdings" panose="05000000000000000000" pitchFamily="2" charset="2"/>
+              <a:buChar char="u"/>
+            </a:pPr>
+            <a:r>
+              <a:rPr lang="zh-CN" altLang="en-US" sz="2000" u="none" strike="noStrike" kern="1200" cap="none" spc="0" baseline="0">
+                <a:solidFill>
+                  <a:srgbClr val="212121"/>
+                </a:solidFill>
+                <a:latin typeface="微软雅黑" charset="0"/>
+                <a:ea typeface="微软雅黑" charset="0"/>
+                <a:cs typeface="微软雅黑" charset="0"/>
+                <a:sym typeface="Calibri" pitchFamily="34" charset="0"/>
+              </a:rPr>
+              <a:t>全局配置用户信息</a:t>
+            </a:r>
+            <a:r>
+              <a:rPr lang="zh-CN" altLang="en-US" sz="2000" u="none" strike="noStrike" kern="1200" cap="none" spc="0" baseline="0">
+                <a:solidFill>
+                  <a:srgbClr val="474747"/>
+                </a:solidFill>
+                <a:latin typeface="微软雅黑" charset="0"/>
+                <a:ea typeface="微软雅黑" charset="0"/>
+                <a:cs typeface="微软雅黑" charset="0"/>
+                <a:sym typeface="Calibri" pitchFamily="34" charset="0"/>
+              </a:rPr>
+              <a:t>：</a:t>
+            </a:r>
+            <a:endParaRPr lang="en-US" altLang="zh-CN" sz="2000" u="none" strike="noStrike" kern="1200" cap="none" spc="0" baseline="0">
+              <a:solidFill>
+                <a:srgbClr val="474747"/>
+              </a:solidFill>
+              <a:latin typeface="微软雅黑" charset="0"/>
+              <a:ea typeface="微软雅黑" charset="0"/>
+              <a:cs typeface="微软雅黑" charset="0"/>
+              <a:sym typeface="Calibri" pitchFamily="34" charset="0"/>
+            </a:endParaRPr>
+          </a:p>
+          <a:p>
+            <a:pPr lvl="1"/>
+            <a:endParaRPr lang="zh-CN" altLang="en-US" sz="2000" u="none" strike="noStrike" kern="1200" cap="none" spc="0" baseline="0" dirty="0">
+              <a:solidFill>
+                <a:srgbClr val="C9394A"/>
+              </a:solidFill>
+              <a:latin typeface="微软雅黑" charset="0"/>
+              <a:ea typeface="微软雅黑" charset="0"/>
+              <a:cs typeface="微软雅黑" charset="0"/>
+              <a:sym typeface="Calibri" pitchFamily="34" charset="0"/>
+            </a:endParaRPr>
+          </a:p>
+        </p:txBody>
+      </p:sp>
+      <p:sp>
+        <p:nvSpPr>
+          <p:cNvPr id="3" name="文本框 2">
+            <a:extLst>
+              <a:ext uri="{FF2B5EF4-FFF2-40B4-BE49-F238E27FC236}">
+                <a16:creationId xmlns:a16="http://schemas.microsoft.com/office/drawing/2014/main" id="{F6F64CF9-0A4F-43B1-AD4E-4213670D3B49}"/>
+              </a:ext>
+            </a:extLst>
+          </p:cNvPr>
+          <p:cNvSpPr txBox="1"/>
+          <p:nvPr/>
+        </p:nvSpPr>
+        <p:spPr>
+          <a:xfrm>
+            <a:off x="1547664" y="3081489"/>
+            <a:ext cx="5400600" cy="1477328"/>
+          </a:xfrm>
+          <a:prstGeom prst="rect">
+            <a:avLst/>
+          </a:prstGeom>
+          <a:noFill/>
+        </p:spPr>
+        <p:txBody>
+          <a:bodyPr wrap="square" rtlCol="0">
+            <a:spAutoFit/>
+          </a:bodyPr>
+          <a:lstStyle/>
+          <a:p>
+            <a:r>
+              <a:rPr lang="en-US" altLang="zh-CN" dirty="0"/>
+              <a:t>git config </a:t>
+            </a:r>
+            <a:r>
+              <a:rPr lang="en-US" altLang="zh-CN" b="1" dirty="0">
+                <a:solidFill>
+                  <a:srgbClr val="C9394A"/>
+                </a:solidFill>
+              </a:rPr>
+              <a:t>--global</a:t>
+            </a:r>
+            <a:r>
+              <a:rPr lang="en-US" altLang="zh-CN" dirty="0">
+                <a:solidFill>
+                  <a:srgbClr val="C9394A"/>
+                </a:solidFill>
+              </a:rPr>
+              <a:t> </a:t>
+            </a:r>
+            <a:r>
+              <a:rPr lang="en-US" altLang="zh-CN" dirty="0"/>
+              <a:t>user.name</a:t>
+            </a:r>
+            <a:r>
+              <a:rPr lang="zh-CN" altLang="en-US" dirty="0"/>
+              <a:t>  </a:t>
+            </a:r>
+            <a:r>
+              <a:rPr lang="en-US" altLang="zh-CN" dirty="0"/>
+              <a:t>xxx</a:t>
+            </a:r>
+            <a:r>
+              <a:rPr lang="en-US" altLang="zh-CN" sz="1400" dirty="0"/>
+              <a:t>(</a:t>
+            </a:r>
+            <a:r>
+              <a:rPr lang="zh-CN" altLang="en-US" sz="1400" dirty="0"/>
+              <a:t>用户名</a:t>
+            </a:r>
+            <a:r>
+              <a:rPr lang="en-US" altLang="zh-CN" sz="1400" dirty="0"/>
+              <a:t>)</a:t>
+            </a:r>
+          </a:p>
+          <a:p>
+            <a:endParaRPr lang="en-US" altLang="zh-CN" dirty="0"/>
+          </a:p>
+          <a:p>
+            <a:r>
+              <a:rPr lang="en-US" altLang="zh-CN" dirty="0"/>
+              <a:t>git config </a:t>
+            </a:r>
+            <a:r>
+              <a:rPr lang="en-US" altLang="zh-CN" b="1" dirty="0">
+                <a:solidFill>
+                  <a:srgbClr val="C9394A"/>
+                </a:solidFill>
+              </a:rPr>
+              <a:t>--global </a:t>
+            </a:r>
+            <a:r>
+              <a:rPr lang="en-US" altLang="zh-CN" dirty="0" err="1"/>
+              <a:t>user.email</a:t>
+            </a:r>
+            <a:r>
+              <a:rPr lang="en-US" altLang="zh-CN" dirty="0"/>
+              <a:t>  </a:t>
+            </a:r>
+            <a:r>
+              <a:rPr lang="en-US" altLang="zh-CN" dirty="0" err="1"/>
+              <a:t>xxxx</a:t>
+            </a:r>
+            <a:r>
+              <a:rPr lang="en-US" altLang="zh-CN" sz="1400" dirty="0"/>
+              <a:t>(</a:t>
+            </a:r>
+            <a:r>
+              <a:rPr lang="zh-CN" altLang="en-US" sz="1400" dirty="0"/>
+              <a:t>邮箱地址</a:t>
+            </a:r>
+            <a:r>
+              <a:rPr lang="en-US" altLang="zh-CN" sz="1400" dirty="0"/>
+              <a:t>)</a:t>
+            </a:r>
+          </a:p>
+          <a:p>
+            <a:endParaRPr lang="en-US" altLang="zh-CN" dirty="0"/>
+          </a:p>
+          <a:p>
+            <a:r>
+              <a:rPr lang="en-US" altLang="zh-CN" dirty="0"/>
+              <a:t>git config --list   </a:t>
+            </a:r>
+            <a:r>
+              <a:rPr lang="zh-CN" altLang="en-US" sz="1400" dirty="0"/>
+              <a:t>查看全局的配置</a:t>
+            </a:r>
+            <a:r>
+              <a:rPr lang="en-US" altLang="zh-CN" sz="1400" dirty="0"/>
+              <a:t>   </a:t>
+            </a:r>
+            <a:endParaRPr lang="zh-CN" altLang="en-US" sz="1400" dirty="0"/>
+          </a:p>
+        </p:txBody>
+      </p:sp>
+    </p:spTree>
+    <p:extLst>
+      <p:ext uri="{BB962C8B-B14F-4D97-AF65-F5344CB8AC3E}">
+        <p14:creationId xmlns:p14="http://schemas.microsoft.com/office/powerpoint/2010/main" val="1353566610"/>
+      </p:ext>
+    </p:extLst>
+  </p:cSld>
+  <p:clrMapOvr>
+    <a:masterClrMapping/>
+  </p:clrMapOvr>
+</p:sld>
+</file>
+
+<file path=ppt/slides/slide3.xml><?xml version="1.0" encoding="utf-8"?>
 <p:sld xmlns:a="http://schemas.openxmlformats.org/drawingml/2006/main" xmlns:r="http://schemas.openxmlformats.org/officeDocument/2006/relationships" xmlns:p="http://schemas.openxmlformats.org/presentationml/2006/main">
   <p:cSld>
     <p:spTree>
@@ -8991,7 +9404,7 @@
 </p:sld>
 </file>
 
-<file path=ppt/slides/slide3.xml><?xml version="1.0" encoding="utf-8"?>
+<file path=ppt/slides/slide4.xml><?xml version="1.0" encoding="utf-8"?>
 <p:sld xmlns:a="http://schemas.openxmlformats.org/drawingml/2006/main" xmlns:r="http://schemas.openxmlformats.org/officeDocument/2006/relationships" xmlns:p="http://schemas.openxmlformats.org/presentationml/2006/main">
   <p:cSld>
     <p:spTree>
@@ -9155,7 +9568,7 @@
         </p:nvSpPr>
         <p:spPr>
           <a:xfrm>
-            <a:off x="1547664" y="1281693"/>
+            <a:off x="1678614" y="1311056"/>
             <a:ext cx="877163" cy="369332"/>
           </a:xfrm>
           <a:prstGeom prst="rect">
@@ -9482,7 +9895,7 @@
 </p:sld>
 </file>
 
-<file path=ppt/slides/slide4.xml><?xml version="1.0" encoding="utf-8"?>
+<file path=ppt/slides/slide5.xml><?xml version="1.0" encoding="utf-8"?>
 <p:sld xmlns:a="http://schemas.openxmlformats.org/drawingml/2006/main" xmlns:r="http://schemas.openxmlformats.org/officeDocument/2006/relationships" xmlns:p="http://schemas.openxmlformats.org/presentationml/2006/main">
   <p:cSld>
     <p:spTree>
@@ -9643,7 +10056,7 @@
                 <a:latin typeface="微软雅黑" panose="020B0503020204020204" pitchFamily="34" charset="-122"/>
                 <a:ea typeface="微软雅黑" panose="020B0503020204020204" pitchFamily="34" charset="-122"/>
               </a:rPr>
-              <a:t>git可离线完成大部分操作，svn则不能。</a:t>
+              <a:t>git可离线完成大部分操作，svn则不能。(最核心)</a:t>
             </a:r>
             <a:endParaRPr lang="en-US" altLang="zh-CN" dirty="0">
               <a:latin typeface="微软雅黑" panose="020B0503020204020204" pitchFamily="34" charset="-122"/>
@@ -9733,7 +10146,7 @@
 </p:sld>
 </file>
 
-<file path=ppt/slides/slide5.xml><?xml version="1.0" encoding="utf-8"?>
+<file path=ppt/slides/slide6.xml><?xml version="1.0" encoding="utf-8"?>
 <p:sld xmlns:a="http://schemas.openxmlformats.org/drawingml/2006/main" xmlns:r="http://schemas.openxmlformats.org/officeDocument/2006/relationships" xmlns:p="http://schemas.openxmlformats.org/presentationml/2006/main">
   <p:cSld>
     <p:spTree>
@@ -9857,7 +10270,7 @@
 </p:sld>
 </file>
 
-<file path=ppt/slides/slide6.xml><?xml version="1.0" encoding="utf-8"?>
+<file path=ppt/slides/slide7.xml><?xml version="1.0" encoding="utf-8"?>
 <p:sld xmlns:a="http://schemas.openxmlformats.org/drawingml/2006/main" xmlns:r="http://schemas.openxmlformats.org/officeDocument/2006/relationships" xmlns:p="http://schemas.openxmlformats.org/presentationml/2006/main">
   <p:cSld>
     <p:spTree>
@@ -10007,7 +10420,7 @@
 </p:sld>
 </file>
 
-<file path=ppt/slides/slide7.xml><?xml version="1.0" encoding="utf-8"?>
+<file path=ppt/slides/slide8.xml><?xml version="1.0" encoding="utf-8"?>
 <p:sld xmlns:a="http://schemas.openxmlformats.org/drawingml/2006/main" xmlns:r="http://schemas.openxmlformats.org/officeDocument/2006/relationships" xmlns:p="http://schemas.openxmlformats.org/presentationml/2006/main">
   <p:cSld>
     <p:spTree>
@@ -10097,419 +10510,6 @@
 </p:sld>
 </file>
 
-<file path=ppt/slides/slide8.xml><?xml version="1.0" encoding="utf-8"?>
-<p:sld xmlns:a="http://schemas.openxmlformats.org/drawingml/2006/main" xmlns:r="http://schemas.openxmlformats.org/officeDocument/2006/relationships" xmlns:p="http://schemas.openxmlformats.org/presentationml/2006/main">
-  <p:cSld>
-    <p:spTree>
-      <p:nvGrpSpPr>
-        <p:cNvPr id="1" name=""/>
-        <p:cNvGrpSpPr/>
-        <p:nvPr/>
-      </p:nvGrpSpPr>
-      <p:grpSpPr>
-        <a:xfrm>
-          <a:off x="0" y="0"/>
-          <a:ext cx="0" cy="0"/>
-          <a:chOff x="0" y="0"/>
-          <a:chExt cx="0" cy="0"/>
-        </a:xfrm>
-      </p:grpSpPr>
-      <p:sp>
-        <p:nvSpPr>
-          <p:cNvPr id="15" name="矩形"/>
-          <p:cNvSpPr>
-            <a:spLocks/>
-          </p:cNvSpPr>
-          <p:nvPr/>
-        </p:nvSpPr>
-        <p:spPr>
-          <a:xfrm>
-            <a:off x="578721" y="1158774"/>
-            <a:ext cx="8565279" cy="1015663"/>
-          </a:xfrm>
-          <a:prstGeom prst="rect">
-            <a:avLst/>
-          </a:prstGeom>
-          <a:noFill/>
-          <a:ln w="9525" cap="flat" cmpd="sng">
-            <a:noFill/>
-            <a:prstDash val="solid"/>
-            <a:miter/>
-          </a:ln>
-        </p:spPr>
-        <p:txBody>
-          <a:bodyPr vert="horz" wrap="square" lIns="91440" tIns="45720" rIns="91440" bIns="45720" anchor="ctr" anchorCtr="0">
-            <a:prstTxWarp prst="textNoShape">
-              <a:avLst/>
-            </a:prstTxWarp>
-            <a:spAutoFit/>
-          </a:bodyPr>
-          <a:lstStyle/>
-          <a:p>
-            <a:pPr marL="800100" lvl="1" indent="-342900">
-              <a:buFont typeface="Wingdings" panose="05000000000000000000" pitchFamily="2" charset="2"/>
-              <a:buChar char="u"/>
-            </a:pPr>
-            <a:r>
-              <a:rPr lang="en-US" altLang="zh-CN" sz="2000" dirty="0">
-                <a:latin typeface="微软雅黑" charset="0"/>
-                <a:ea typeface="微软雅黑" charset="0"/>
-                <a:cs typeface="微软雅黑" charset="0"/>
-              </a:rPr>
-              <a:t>Windows</a:t>
-            </a:r>
-            <a:r>
-              <a:rPr lang="zh-CN" altLang="en-US" sz="2000" dirty="0">
-                <a:latin typeface="微软雅黑" charset="0"/>
-                <a:ea typeface="微软雅黑" charset="0"/>
-                <a:cs typeface="微软雅黑" charset="0"/>
-              </a:rPr>
-              <a:t>安装参考链接：</a:t>
-            </a:r>
-            <a:endParaRPr lang="en-US" altLang="zh-CN" sz="2000" dirty="0">
-              <a:latin typeface="微软雅黑" charset="0"/>
-              <a:ea typeface="微软雅黑" charset="0"/>
-              <a:cs typeface="微软雅黑" charset="0"/>
-            </a:endParaRPr>
-          </a:p>
-          <a:p>
-            <a:pPr lvl="1"/>
-            <a:endParaRPr lang="en-US" altLang="zh-CN" sz="2000" dirty="0">
-              <a:latin typeface="微软雅黑" charset="0"/>
-              <a:ea typeface="微软雅黑" charset="0"/>
-              <a:cs typeface="微软雅黑" charset="0"/>
-            </a:endParaRPr>
-          </a:p>
-          <a:p>
-            <a:pPr lvl="1"/>
-            <a:r>
-              <a:rPr lang="en-US" altLang="zh-CN" sz="2000" dirty="0">
-                <a:latin typeface="微软雅黑" charset="0"/>
-                <a:ea typeface="微软雅黑" charset="0"/>
-                <a:cs typeface="微软雅黑" charset="0"/>
-              </a:rPr>
-              <a:t>	</a:t>
-            </a:r>
-            <a:r>
-              <a:rPr lang="en-US" altLang="zh-CN" sz="1600" dirty="0">
-                <a:latin typeface="微软雅黑" charset="0"/>
-                <a:ea typeface="微软雅黑" charset="0"/>
-                <a:cs typeface="微软雅黑" charset="0"/>
-              </a:rPr>
-              <a:t>https://segmentfault.com/a/1190000011809698</a:t>
-            </a:r>
-            <a:endParaRPr lang="zh-CN" altLang="en-US" sz="1600" u="none" strike="noStrike" kern="1200" cap="none" spc="0" baseline="0" dirty="0">
-              <a:latin typeface="微软雅黑" charset="0"/>
-              <a:ea typeface="微软雅黑" charset="0"/>
-              <a:cs typeface="微软雅黑" charset="0"/>
-            </a:endParaRPr>
-          </a:p>
-        </p:txBody>
-      </p:sp>
-      <p:sp>
-        <p:nvSpPr>
-          <p:cNvPr id="17" name="矩形"/>
-          <p:cNvSpPr>
-            <a:spLocks/>
-          </p:cNvSpPr>
-          <p:nvPr/>
-        </p:nvSpPr>
-        <p:spPr>
-          <a:xfrm>
-            <a:off x="3811215" y="412416"/>
-            <a:ext cx="1521570" cy="553998"/>
-          </a:xfrm>
-          <a:prstGeom prst="rect">
-            <a:avLst/>
-          </a:prstGeom>
-          <a:noFill/>
-          <a:ln w="9525" cap="flat" cmpd="sng">
-            <a:noFill/>
-            <a:prstDash val="solid"/>
-            <a:miter/>
-          </a:ln>
-        </p:spPr>
-        <p:txBody>
-          <a:bodyPr vert="horz" wrap="none" lIns="91440" tIns="45720" rIns="91440" bIns="45720" anchor="t" anchorCtr="0">
-            <a:prstTxWarp prst="textNoShape">
-              <a:avLst/>
-            </a:prstTxWarp>
-            <a:spAutoFit/>
-          </a:bodyPr>
-          <a:lstStyle/>
-          <a:p>
-            <a:r>
-              <a:rPr lang="en-US" altLang="zh-CN" sz="3000" b="1" kern="0" dirty="0">
-                <a:solidFill>
-                  <a:srgbClr val="C9394A"/>
-                </a:solidFill>
-                <a:latin typeface="微软雅黑" charset="0"/>
-                <a:ea typeface="微软雅黑" charset="0"/>
-                <a:cs typeface="微软雅黑" charset="0"/>
-                <a:sym typeface="Calibri" pitchFamily="34" charset="0"/>
-              </a:rPr>
-              <a:t>Git</a:t>
-            </a:r>
-            <a:r>
-              <a:rPr lang="zh-CN" altLang="en-US" sz="3000" b="1" kern="0" dirty="0">
-                <a:solidFill>
-                  <a:srgbClr val="C9394A"/>
-                </a:solidFill>
-                <a:latin typeface="微软雅黑" charset="0"/>
-                <a:ea typeface="微软雅黑" charset="0"/>
-                <a:cs typeface="微软雅黑" charset="0"/>
-                <a:sym typeface="Calibri" pitchFamily="34" charset="0"/>
-              </a:rPr>
-              <a:t>安装</a:t>
-            </a:r>
-            <a:endParaRPr lang="zh-CN" altLang="en-US" u="none" strike="noStrike" kern="1200" cap="none" spc="0" baseline="0" dirty="0">
-              <a:solidFill>
-                <a:schemeClr val="tx1"/>
-              </a:solidFill>
-              <a:latin typeface="Calibri" pitchFamily="34" charset="0"/>
-              <a:ea typeface="宋体" pitchFamily="2" charset="-122"/>
-              <a:cs typeface="微软雅黑" charset="0"/>
-            </a:endParaRPr>
-          </a:p>
-        </p:txBody>
-      </p:sp>
-      <p:sp>
-        <p:nvSpPr>
-          <p:cNvPr id="8" name="矩形">
-            <a:extLst>
-              <a:ext uri="{FF2B5EF4-FFF2-40B4-BE49-F238E27FC236}">
-                <a16:creationId xmlns:a16="http://schemas.microsoft.com/office/drawing/2014/main" id="{F566A662-EE41-4270-884D-D6CD57CB2DF2}"/>
-              </a:ext>
-            </a:extLst>
-          </p:cNvPr>
-          <p:cNvSpPr>
-            <a:spLocks/>
-          </p:cNvSpPr>
-          <p:nvPr/>
-        </p:nvSpPr>
-        <p:spPr>
-          <a:xfrm>
-            <a:off x="683568" y="2394989"/>
-            <a:ext cx="8565279" cy="707886"/>
-          </a:xfrm>
-          <a:prstGeom prst="rect">
-            <a:avLst/>
-          </a:prstGeom>
-          <a:noFill/>
-          <a:ln w="9525" cap="flat" cmpd="sng">
-            <a:noFill/>
-            <a:prstDash val="solid"/>
-            <a:miter/>
-          </a:ln>
-        </p:spPr>
-        <p:txBody>
-          <a:bodyPr vert="horz" wrap="square" lIns="91440" tIns="45720" rIns="91440" bIns="45720" anchor="ctr" anchorCtr="0">
-            <a:prstTxWarp prst="textNoShape">
-              <a:avLst/>
-            </a:prstTxWarp>
-            <a:spAutoFit/>
-          </a:bodyPr>
-          <a:lstStyle/>
-          <a:p>
-            <a:pPr marL="800100" lvl="1" indent="-342900">
-              <a:buFont typeface="Wingdings" panose="05000000000000000000" pitchFamily="2" charset="2"/>
-              <a:buChar char="u"/>
-            </a:pPr>
-            <a:r>
-              <a:rPr lang="zh-CN" altLang="en-US" sz="2000" u="none" strike="noStrike" kern="1200" cap="none" spc="0" baseline="0">
-                <a:solidFill>
-                  <a:srgbClr val="212121"/>
-                </a:solidFill>
-                <a:latin typeface="微软雅黑" charset="0"/>
-                <a:ea typeface="微软雅黑" charset="0"/>
-                <a:cs typeface="微软雅黑" charset="0"/>
-                <a:sym typeface="Calibri" pitchFamily="34" charset="0"/>
-              </a:rPr>
-              <a:t>全局配置用户信息</a:t>
-            </a:r>
-            <a:r>
-              <a:rPr lang="zh-CN" altLang="en-US" sz="2000" u="none" strike="noStrike" kern="1200" cap="none" spc="0" baseline="0">
-                <a:solidFill>
-                  <a:srgbClr val="474747"/>
-                </a:solidFill>
-                <a:latin typeface="微软雅黑" charset="0"/>
-                <a:ea typeface="微软雅黑" charset="0"/>
-                <a:cs typeface="微软雅黑" charset="0"/>
-                <a:sym typeface="Calibri" pitchFamily="34" charset="0"/>
-              </a:rPr>
-              <a:t>：</a:t>
-            </a:r>
-            <a:endParaRPr lang="en-US" altLang="zh-CN" sz="2000" u="none" strike="noStrike" kern="1200" cap="none" spc="0" baseline="0">
-              <a:solidFill>
-                <a:srgbClr val="474747"/>
-              </a:solidFill>
-              <a:latin typeface="微软雅黑" charset="0"/>
-              <a:ea typeface="微软雅黑" charset="0"/>
-              <a:cs typeface="微软雅黑" charset="0"/>
-              <a:sym typeface="Calibri" pitchFamily="34" charset="0"/>
-            </a:endParaRPr>
-          </a:p>
-          <a:p>
-            <a:pPr lvl="1"/>
-            <a:endParaRPr lang="zh-CN" altLang="en-US" sz="2000" u="none" strike="noStrike" kern="1200" cap="none" spc="0" baseline="0" dirty="0">
-              <a:solidFill>
-                <a:srgbClr val="C9394A"/>
-              </a:solidFill>
-              <a:latin typeface="微软雅黑" charset="0"/>
-              <a:ea typeface="微软雅黑" charset="0"/>
-              <a:cs typeface="微软雅黑" charset="0"/>
-              <a:sym typeface="Calibri" pitchFamily="34" charset="0"/>
-            </a:endParaRPr>
-          </a:p>
-        </p:txBody>
-      </p:sp>
-      <p:sp>
-        <p:nvSpPr>
-          <p:cNvPr id="3" name="文本框 2">
-            <a:extLst>
-              <a:ext uri="{FF2B5EF4-FFF2-40B4-BE49-F238E27FC236}">
-                <a16:creationId xmlns:a16="http://schemas.microsoft.com/office/drawing/2014/main" id="{F6F64CF9-0A4F-43B1-AD4E-4213670D3B49}"/>
-              </a:ext>
-            </a:extLst>
-          </p:cNvPr>
-          <p:cNvSpPr txBox="1"/>
-          <p:nvPr/>
-        </p:nvSpPr>
-        <p:spPr>
-          <a:xfrm>
-            <a:off x="1547664" y="3122952"/>
-            <a:ext cx="5400600" cy="1477328"/>
-          </a:xfrm>
-          <a:prstGeom prst="rect">
-            <a:avLst/>
-          </a:prstGeom>
-          <a:noFill/>
-        </p:spPr>
-        <p:txBody>
-          <a:bodyPr wrap="square" rtlCol="0">
-            <a:spAutoFit/>
-          </a:bodyPr>
-          <a:lstStyle/>
-          <a:p>
-            <a:r>
-              <a:rPr lang="en-US" altLang="zh-CN" dirty="0"/>
-              <a:t>git config </a:t>
-            </a:r>
-            <a:r>
-              <a:rPr lang="en-US" altLang="zh-CN" b="1" dirty="0">
-                <a:solidFill>
-                  <a:srgbClr val="C9394A"/>
-                </a:solidFill>
-              </a:rPr>
-              <a:t>--global</a:t>
-            </a:r>
-            <a:r>
-              <a:rPr lang="en-US" altLang="zh-CN" dirty="0">
-                <a:solidFill>
-                  <a:srgbClr val="C9394A"/>
-                </a:solidFill>
-              </a:rPr>
-              <a:t> </a:t>
-            </a:r>
-            <a:r>
-              <a:rPr lang="en-US" altLang="zh-CN" dirty="0"/>
-              <a:t>user.name</a:t>
-            </a:r>
-            <a:r>
-              <a:rPr lang="zh-CN" altLang="en-US" dirty="0"/>
-              <a:t>  </a:t>
-            </a:r>
-            <a:r>
-              <a:rPr lang="en-US" altLang="zh-CN" dirty="0"/>
-              <a:t>xxx</a:t>
-            </a:r>
-            <a:r>
-              <a:rPr lang="en-US" altLang="zh-CN" sz="1400" dirty="0"/>
-              <a:t>(</a:t>
-            </a:r>
-            <a:r>
-              <a:rPr lang="zh-CN" altLang="en-US" sz="1400" dirty="0"/>
-              <a:t>用户名</a:t>
-            </a:r>
-            <a:r>
-              <a:rPr lang="en-US" altLang="zh-CN" sz="1400" dirty="0"/>
-              <a:t>)</a:t>
-            </a:r>
-          </a:p>
-          <a:p>
-            <a:endParaRPr lang="en-US" altLang="zh-CN" dirty="0"/>
-          </a:p>
-          <a:p>
-            <a:r>
-              <a:rPr lang="en-US" altLang="zh-CN" dirty="0"/>
-              <a:t>git config </a:t>
-            </a:r>
-            <a:r>
-              <a:rPr lang="en-US" altLang="zh-CN" b="1" dirty="0">
-                <a:solidFill>
-                  <a:srgbClr val="C9394A"/>
-                </a:solidFill>
-              </a:rPr>
-              <a:t>--global </a:t>
-            </a:r>
-            <a:r>
-              <a:rPr lang="en-US" altLang="zh-CN" dirty="0" err="1"/>
-              <a:t>user.email</a:t>
-            </a:r>
-            <a:r>
-              <a:rPr lang="en-US" altLang="zh-CN" dirty="0"/>
-              <a:t>  </a:t>
-            </a:r>
-            <a:r>
-              <a:rPr lang="en-US" altLang="zh-CN" dirty="0" err="1"/>
-              <a:t>xxxx</a:t>
-            </a:r>
-            <a:r>
-              <a:rPr lang="en-US" altLang="zh-CN" sz="1400" dirty="0"/>
-              <a:t>(</a:t>
-            </a:r>
-            <a:r>
-              <a:rPr lang="zh-CN" altLang="en-US" sz="1400" dirty="0"/>
-              <a:t>邮箱地址</a:t>
-            </a:r>
-            <a:r>
-              <a:rPr lang="en-US" altLang="zh-CN" sz="1400" dirty="0"/>
-              <a:t>)</a:t>
-            </a:r>
-          </a:p>
-          <a:p>
-            <a:endParaRPr lang="en-US" altLang="zh-CN" dirty="0"/>
-          </a:p>
-          <a:p>
-            <a:r>
-              <a:rPr lang="en-US" altLang="zh-CN" dirty="0"/>
-              <a:t>git config --list   </a:t>
-            </a:r>
-            <a:r>
-              <a:rPr lang="zh-CN" altLang="en-US" sz="1400" dirty="0"/>
-              <a:t>查看全局的配置</a:t>
-            </a:r>
-            <a:r>
-              <a:rPr lang="en-US" altLang="zh-CN" sz="1400" dirty="0"/>
-              <a:t>   </a:t>
-            </a:r>
-            <a:endParaRPr lang="zh-CN" altLang="en-US" sz="1400" dirty="0"/>
-          </a:p>
-        </p:txBody>
-      </p:sp>
-    </p:spTree>
-    <p:extLst>
-      <p:ext uri="{BB962C8B-B14F-4D97-AF65-F5344CB8AC3E}">
-        <p14:creationId xmlns:p14="http://schemas.microsoft.com/office/powerpoint/2010/main" val="1872313213"/>
-      </p:ext>
-    </p:extLst>
-  </p:cSld>
-  <p:clrMapOvr>
-    <a:masterClrMapping/>
-  </p:clrMapOvr>
-</p:sld>
-</file>
-
 <file path=ppt/slides/slide9.xml><?xml version="1.0" encoding="utf-8"?>
 <p:sld xmlns:a="http://schemas.openxmlformats.org/drawingml/2006/main" xmlns:r="http://schemas.openxmlformats.org/officeDocument/2006/relationships" xmlns:p="http://schemas.openxmlformats.org/presentationml/2006/main">
   <p:cSld>
@@ -10575,8 +10575,8 @@
         </p:nvSpPr>
         <p:spPr>
           <a:xfrm>
-            <a:off x="1547664" y="597331"/>
-            <a:ext cx="6336704" cy="4247317"/>
+            <a:off x="1403648" y="411510"/>
+            <a:ext cx="6336704" cy="1754326"/>
           </a:xfrm>
           <a:prstGeom prst="rect">
             <a:avLst/>
@@ -10604,13 +10604,6 @@
               </a:rPr>
               <a:t>基本操作</a:t>
             </a:r>
-            <a:endParaRPr lang="en-US" altLang="zh-CN" b="1" dirty="0">
-              <a:latin typeface="微软雅黑" panose="020B0503020204020204" pitchFamily="34" charset="-122"/>
-              <a:ea typeface="微软雅黑" panose="020B0503020204020204" pitchFamily="34" charset="-122"/>
-            </a:endParaRPr>
-          </a:p>
-          <a:p>
-            <a:pPr lvl="0"/>
             <a:endParaRPr lang="zh-CN" altLang="zh-CN" b="1" dirty="0"/>
           </a:p>
           <a:p>
@@ -10638,118 +10631,7 @@
                 <a:latin typeface="微软雅黑" panose="020B0503020204020204" pitchFamily="34" charset="-122"/>
                 <a:ea typeface="微软雅黑" panose="020B0503020204020204" pitchFamily="34" charset="-122"/>
               </a:rPr>
-              <a:t>git config --list </a:t>
-            </a:r>
-            <a:endParaRPr lang="zh-CN" altLang="zh-CN" sz="1600" dirty="0">
-              <a:latin typeface="微软雅黑" panose="020B0503020204020204" pitchFamily="34" charset="-122"/>
-              <a:ea typeface="微软雅黑" panose="020B0503020204020204" pitchFamily="34" charset="-122"/>
-            </a:endParaRPr>
-          </a:p>
-          <a:p>
-            <a:pPr lvl="0">
-              <a:lnSpc>
-                <a:spcPct val="150000"/>
-              </a:lnSpc>
-            </a:pPr>
-            <a:r>
-              <a:rPr lang="en-US" altLang="zh-CN" sz="1600" dirty="0">
-                <a:latin typeface="微软雅黑" panose="020B0503020204020204" pitchFamily="34" charset="-122"/>
-                <a:ea typeface="微软雅黑" panose="020B0503020204020204" pitchFamily="34" charset="-122"/>
-              </a:rPr>
-              <a:t>git </a:t>
-            </a:r>
-            <a:r>
-              <a:rPr lang="en-US" altLang="zh-CN" sz="1600" dirty="0" err="1">
-                <a:latin typeface="微软雅黑" panose="020B0503020204020204" pitchFamily="34" charset="-122"/>
-                <a:ea typeface="微软雅黑" panose="020B0503020204020204" pitchFamily="34" charset="-122"/>
-              </a:rPr>
-              <a:t>init</a:t>
-            </a:r>
-            <a:endParaRPr lang="zh-CN" altLang="zh-CN" sz="1600" dirty="0">
-              <a:latin typeface="微软雅黑" panose="020B0503020204020204" pitchFamily="34" charset="-122"/>
-              <a:ea typeface="微软雅黑" panose="020B0503020204020204" pitchFamily="34" charset="-122"/>
-            </a:endParaRPr>
-          </a:p>
-          <a:p>
-            <a:pPr lvl="0">
-              <a:lnSpc>
-                <a:spcPct val="150000"/>
-              </a:lnSpc>
-            </a:pPr>
-            <a:r>
-              <a:rPr lang="en-US" altLang="zh-CN" sz="1600" dirty="0">
-                <a:latin typeface="微软雅黑" panose="020B0503020204020204" pitchFamily="34" charset="-122"/>
-                <a:ea typeface="微软雅黑" panose="020B0503020204020204" pitchFamily="34" charset="-122"/>
-              </a:rPr>
-              <a:t>git add .</a:t>
-            </a:r>
-            <a:endParaRPr lang="zh-CN" altLang="zh-CN" sz="1600" dirty="0">
-              <a:latin typeface="微软雅黑" panose="020B0503020204020204" pitchFamily="34" charset="-122"/>
-              <a:ea typeface="微软雅黑" panose="020B0503020204020204" pitchFamily="34" charset="-122"/>
-            </a:endParaRPr>
-          </a:p>
-          <a:p>
-            <a:pPr lvl="0">
-              <a:lnSpc>
-                <a:spcPct val="150000"/>
-              </a:lnSpc>
-            </a:pPr>
-            <a:r>
-              <a:rPr lang="en-US" altLang="zh-CN" sz="1600" dirty="0">
-                <a:latin typeface="微软雅黑" panose="020B0503020204020204" pitchFamily="34" charset="-122"/>
-                <a:ea typeface="微软雅黑" panose="020B0503020204020204" pitchFamily="34" charset="-122"/>
-              </a:rPr>
-              <a:t>git commit –m “</a:t>
-            </a:r>
-            <a:r>
-              <a:rPr lang="zh-CN" altLang="en-US" sz="1600" dirty="0">
-                <a:latin typeface="微软雅黑" panose="020B0503020204020204" pitchFamily="34" charset="-122"/>
-                <a:ea typeface="微软雅黑" panose="020B0503020204020204" pitchFamily="34" charset="-122"/>
-              </a:rPr>
-              <a:t>注释</a:t>
-            </a:r>
-            <a:r>
-              <a:rPr lang="en-US" altLang="zh-CN" sz="1600" dirty="0">
-                <a:latin typeface="微软雅黑" panose="020B0503020204020204" pitchFamily="34" charset="-122"/>
-                <a:ea typeface="微软雅黑" panose="020B0503020204020204" pitchFamily="34" charset="-122"/>
-              </a:rPr>
-              <a:t>”</a:t>
-            </a:r>
-            <a:endParaRPr lang="zh-CN" altLang="zh-CN" sz="1600" dirty="0">
-              <a:latin typeface="微软雅黑" panose="020B0503020204020204" pitchFamily="34" charset="-122"/>
-              <a:ea typeface="微软雅黑" panose="020B0503020204020204" pitchFamily="34" charset="-122"/>
-            </a:endParaRPr>
-          </a:p>
-          <a:p>
-            <a:pPr lvl="0">
-              <a:lnSpc>
-                <a:spcPct val="150000"/>
-              </a:lnSpc>
-            </a:pPr>
-            <a:r>
-              <a:rPr lang="en-US" altLang="zh-CN" sz="1600" dirty="0">
-                <a:latin typeface="微软雅黑" panose="020B0503020204020204" pitchFamily="34" charset="-122"/>
-                <a:ea typeface="微软雅黑" panose="020B0503020204020204" pitchFamily="34" charset="-122"/>
-              </a:rPr>
-              <a:t>git status </a:t>
-            </a:r>
-            <a:endParaRPr lang="zh-CN" altLang="zh-CN" sz="1600" dirty="0">
-              <a:latin typeface="微软雅黑" panose="020B0503020204020204" pitchFamily="34" charset="-122"/>
-              <a:ea typeface="微软雅黑" panose="020B0503020204020204" pitchFamily="34" charset="-122"/>
-            </a:endParaRPr>
-          </a:p>
-          <a:p>
-            <a:pPr lvl="0">
-              <a:lnSpc>
-                <a:spcPct val="150000"/>
-              </a:lnSpc>
-            </a:pPr>
-            <a:r>
-              <a:rPr lang="en-US" altLang="zh-CN" sz="1600" dirty="0">
-                <a:latin typeface="微软雅黑" panose="020B0503020204020204" pitchFamily="34" charset="-122"/>
-                <a:ea typeface="微软雅黑" panose="020B0503020204020204" pitchFamily="34" charset="-122"/>
-              </a:rPr>
-              <a:t>git reset </a:t>
+              <a:t> </a:t>
             </a:r>
             <a:endParaRPr lang="zh-CN" altLang="zh-CN" sz="1600" dirty="0">
               <a:latin typeface="微软雅黑" panose="020B0503020204020204" pitchFamily="34" charset="-122"/>
@@ -10763,24 +10645,6 @@
               </a:lnSpc>
             </a:pPr>
             <a:r>
-              <a:rPr lang="en-US" altLang="zh-CN" sz="1600" dirty="0">
-                <a:latin typeface="微软雅黑" panose="020B0503020204020204" pitchFamily="34" charset="-122"/>
-                <a:ea typeface="微软雅黑" panose="020B0503020204020204" pitchFamily="34" charset="-122"/>
-              </a:rPr>
-              <a:t> </a:t>
-            </a:r>
-            <a:endParaRPr lang="zh-CN" altLang="zh-CN" sz="1600" dirty="0">
-              <a:latin typeface="微软雅黑" panose="020B0503020204020204" pitchFamily="34" charset="-122"/>
-              <a:ea typeface="微软雅黑" panose="020B0503020204020204" pitchFamily="34" charset="-122"/>
-            </a:endParaRPr>
-          </a:p>
-          <a:p>
-            <a:pPr>
-              <a:lnSpc>
-                <a:spcPct val="150000"/>
-              </a:lnSpc>
-            </a:pPr>
-            <a:r>
               <a:rPr lang="zh-CN" altLang="zh-CN" sz="1600" dirty="0">
                 <a:latin typeface="微软雅黑" panose="020B0503020204020204" pitchFamily="34" charset="-122"/>
                 <a:ea typeface="微软雅黑" panose="020B0503020204020204" pitchFamily="34" charset="-122"/>
@@ -10793,6 +10657,1298 @@
           </a:p>
         </p:txBody>
       </p:sp>
+      <p:graphicFrame>
+        <p:nvGraphicFramePr>
+          <p:cNvPr id="5" name="表格 4">
+            <a:extLst>
+              <a:ext uri="{FF2B5EF4-FFF2-40B4-BE49-F238E27FC236}">
+                <a16:creationId xmlns:a16="http://schemas.microsoft.com/office/drawing/2014/main" id="{0610F3F6-B03B-43AA-9EFB-E09442613BA6}"/>
+              </a:ext>
+            </a:extLst>
+          </p:cNvPr>
+          <p:cNvGraphicFramePr>
+            <a:graphicFrameLocks noGrp="1"/>
+          </p:cNvGraphicFramePr>
+          <p:nvPr>
+            <p:extLst>
+              <p:ext uri="{D42A27DB-BD31-4B8C-83A1-F6EECF244321}">
+                <p14:modId xmlns:p14="http://schemas.microsoft.com/office/powerpoint/2010/main" val="1158435344"/>
+              </p:ext>
+            </p:extLst>
+          </p:nvPr>
+        </p:nvGraphicFramePr>
+        <p:xfrm>
+          <a:off x="1187624" y="1188422"/>
+          <a:ext cx="7103878" cy="3471560"/>
+        </p:xfrm>
+        <a:graphic>
+          <a:graphicData uri="http://schemas.openxmlformats.org/drawingml/2006/table">
+            <a:tbl>
+              <a:tblPr/>
+              <a:tblGrid>
+                <a:gridCol w="3551939">
+                  <a:extLst>
+                    <a:ext uri="{9D8B030D-6E8A-4147-A177-3AD203B41FA5}">
+                      <a16:colId xmlns:a16="http://schemas.microsoft.com/office/drawing/2014/main" val="320442646"/>
+                    </a:ext>
+                  </a:extLst>
+                </a:gridCol>
+                <a:gridCol w="3551939">
+                  <a:extLst>
+                    <a:ext uri="{9D8B030D-6E8A-4147-A177-3AD203B41FA5}">
+                      <a16:colId xmlns:a16="http://schemas.microsoft.com/office/drawing/2014/main" val="788509136"/>
+                    </a:ext>
+                  </a:extLst>
+                </a:gridCol>
+              </a:tblGrid>
+              <a:tr h="315728">
+                <a:tc>
+                  <a:txBody>
+                    <a:bodyPr/>
+                    <a:lstStyle/>
+                    <a:p>
+                      <a:pPr latinLnBrk="1"/>
+                      <a:r>
+                        <a:rPr lang="en-US" sz="1600" dirty="0">
+                          <a:effectLst/>
+                        </a:rPr>
+                        <a:t>git config --list</a:t>
+                      </a:r>
+                    </a:p>
+                  </a:txBody>
+                  <a:tcPr marL="85510" marR="85510" marT="39466" marB="39466" anchor="ctr">
+                    <a:lnL w="7620" cap="flat" cmpd="sng" algn="ctr">
+                      <a:solidFill>
+                        <a:srgbClr val="DFE2E5"/>
+                      </a:solidFill>
+                      <a:prstDash val="solid"/>
+                      <a:round/>
+                      <a:headEnd type="none" w="med" len="med"/>
+                      <a:tailEnd type="none" w="med" len="med"/>
+                    </a:lnL>
+                    <a:lnR w="7620" cap="flat" cmpd="sng" algn="ctr">
+                      <a:solidFill>
+                        <a:srgbClr val="DFE2E5"/>
+                      </a:solidFill>
+                      <a:prstDash val="solid"/>
+                      <a:round/>
+                      <a:headEnd type="none" w="med" len="med"/>
+                      <a:tailEnd type="none" w="med" len="med"/>
+                    </a:lnR>
+                    <a:lnT w="7620" cap="flat" cmpd="sng" algn="ctr">
+                      <a:solidFill>
+                        <a:srgbClr val="DFE2E5"/>
+                      </a:solidFill>
+                      <a:prstDash val="solid"/>
+                      <a:round/>
+                      <a:headEnd type="none" w="med" len="med"/>
+                      <a:tailEnd type="none" w="med" len="med"/>
+                    </a:lnT>
+                    <a:lnB w="7620" cap="flat" cmpd="sng" algn="ctr">
+                      <a:solidFill>
+                        <a:srgbClr val="DFE2E5"/>
+                      </a:solidFill>
+                      <a:prstDash val="solid"/>
+                      <a:round/>
+                      <a:headEnd type="none" w="med" len="med"/>
+                      <a:tailEnd type="none" w="med" len="med"/>
+                    </a:lnB>
+                    <a:solidFill>
+                      <a:srgbClr val="FFFFFF"/>
+                    </a:solidFill>
+                  </a:tcPr>
+                </a:tc>
+                <a:tc>
+                  <a:txBody>
+                    <a:bodyPr/>
+                    <a:lstStyle/>
+                    <a:p>
+                      <a:pPr latinLnBrk="1"/>
+                      <a:r>
+                        <a:rPr lang="zh-CN" altLang="en-US" sz="1600">
+                          <a:effectLst/>
+                        </a:rPr>
+                        <a:t>获取</a:t>
+                      </a:r>
+                      <a:r>
+                        <a:rPr lang="en-US" altLang="zh-CN" sz="1600">
+                          <a:effectLst/>
+                        </a:rPr>
+                        <a:t>git </a:t>
+                      </a:r>
+                      <a:r>
+                        <a:rPr lang="zh-CN" altLang="en-US" sz="1600">
+                          <a:effectLst/>
+                        </a:rPr>
+                        <a:t>的配置项</a:t>
+                      </a:r>
+                    </a:p>
+                  </a:txBody>
+                  <a:tcPr marL="85510" marR="85510" marT="39466" marB="39466" anchor="ctr">
+                    <a:lnL w="7620" cap="flat" cmpd="sng" algn="ctr">
+                      <a:solidFill>
+                        <a:srgbClr val="DFE2E5"/>
+                      </a:solidFill>
+                      <a:prstDash val="solid"/>
+                      <a:round/>
+                      <a:headEnd type="none" w="med" len="med"/>
+                      <a:tailEnd type="none" w="med" len="med"/>
+                    </a:lnL>
+                    <a:lnR w="7620" cap="flat" cmpd="sng" algn="ctr">
+                      <a:solidFill>
+                        <a:srgbClr val="DFE2E5"/>
+                      </a:solidFill>
+                      <a:prstDash val="solid"/>
+                      <a:round/>
+                      <a:headEnd type="none" w="med" len="med"/>
+                      <a:tailEnd type="none" w="med" len="med"/>
+                    </a:lnR>
+                    <a:lnT w="7620" cap="flat" cmpd="sng" algn="ctr">
+                      <a:solidFill>
+                        <a:srgbClr val="DFE2E5"/>
+                      </a:solidFill>
+                      <a:prstDash val="solid"/>
+                      <a:round/>
+                      <a:headEnd type="none" w="med" len="med"/>
+                      <a:tailEnd type="none" w="med" len="med"/>
+                    </a:lnT>
+                    <a:lnB w="7620" cap="flat" cmpd="sng" algn="ctr">
+                      <a:solidFill>
+                        <a:srgbClr val="DFE2E5"/>
+                      </a:solidFill>
+                      <a:prstDash val="solid"/>
+                      <a:round/>
+                      <a:headEnd type="none" w="med" len="med"/>
+                      <a:tailEnd type="none" w="med" len="med"/>
+                    </a:lnB>
+                    <a:solidFill>
+                      <a:srgbClr val="FFFFFF"/>
+                    </a:solidFill>
+                  </a:tcPr>
+                </a:tc>
+                <a:extLst>
+                  <a:ext uri="{0D108BD9-81ED-4DB2-BD59-A6C34878D82A}">
+                    <a16:rowId xmlns:a16="http://schemas.microsoft.com/office/drawing/2014/main" val="1343918905"/>
+                  </a:ext>
+                </a:extLst>
+              </a:tr>
+              <a:tr h="315728">
+                <a:tc>
+                  <a:txBody>
+                    <a:bodyPr/>
+                    <a:lstStyle/>
+                    <a:p>
+                      <a:pPr latinLnBrk="1"/>
+                      <a:r>
+                        <a:rPr lang="en-US" sz="1600">
+                          <a:effectLst/>
+                        </a:rPr>
+                        <a:t>git config </a:t>
+                      </a:r>
+                      <a:r>
+                        <a:rPr lang="zh-CN" altLang="en-US" sz="1600">
+                          <a:effectLst/>
+                        </a:rPr>
+                        <a:t>配置项名</a:t>
+                      </a:r>
+                    </a:p>
+                  </a:txBody>
+                  <a:tcPr marL="85510" marR="85510" marT="39466" marB="39466" anchor="ctr">
+                    <a:lnL w="7620" cap="flat" cmpd="sng" algn="ctr">
+                      <a:solidFill>
+                        <a:srgbClr val="DFE2E5"/>
+                      </a:solidFill>
+                      <a:prstDash val="solid"/>
+                      <a:round/>
+                      <a:headEnd type="none" w="med" len="med"/>
+                      <a:tailEnd type="none" w="med" len="med"/>
+                    </a:lnL>
+                    <a:lnR w="7620" cap="flat" cmpd="sng" algn="ctr">
+                      <a:solidFill>
+                        <a:srgbClr val="DFE2E5"/>
+                      </a:solidFill>
+                      <a:prstDash val="solid"/>
+                      <a:round/>
+                      <a:headEnd type="none" w="med" len="med"/>
+                      <a:tailEnd type="none" w="med" len="med"/>
+                    </a:lnR>
+                    <a:lnT w="7620" cap="flat" cmpd="sng" algn="ctr">
+                      <a:solidFill>
+                        <a:srgbClr val="DFE2E5"/>
+                      </a:solidFill>
+                      <a:prstDash val="solid"/>
+                      <a:round/>
+                      <a:headEnd type="none" w="med" len="med"/>
+                      <a:tailEnd type="none" w="med" len="med"/>
+                    </a:lnT>
+                    <a:lnB w="7620" cap="flat" cmpd="sng" algn="ctr">
+                      <a:solidFill>
+                        <a:srgbClr val="DFE2E5"/>
+                      </a:solidFill>
+                      <a:prstDash val="solid"/>
+                      <a:round/>
+                      <a:headEnd type="none" w="med" len="med"/>
+                      <a:tailEnd type="none" w="med" len="med"/>
+                    </a:lnB>
+                    <a:solidFill>
+                      <a:srgbClr val="F6F8FA"/>
+                    </a:solidFill>
+                  </a:tcPr>
+                </a:tc>
+                <a:tc>
+                  <a:txBody>
+                    <a:bodyPr/>
+                    <a:lstStyle/>
+                    <a:p>
+                      <a:pPr latinLnBrk="1"/>
+                      <a:r>
+                        <a:rPr lang="zh-CN" altLang="en-US" sz="1600">
+                          <a:effectLst/>
+                        </a:rPr>
+                        <a:t>获取具体的配置名</a:t>
+                      </a:r>
+                    </a:p>
+                  </a:txBody>
+                  <a:tcPr marL="85510" marR="85510" marT="39466" marB="39466" anchor="ctr">
+                    <a:lnL w="7620" cap="flat" cmpd="sng" algn="ctr">
+                      <a:solidFill>
+                        <a:srgbClr val="DFE2E5"/>
+                      </a:solidFill>
+                      <a:prstDash val="solid"/>
+                      <a:round/>
+                      <a:headEnd type="none" w="med" len="med"/>
+                      <a:tailEnd type="none" w="med" len="med"/>
+                    </a:lnL>
+                    <a:lnR w="7620" cap="flat" cmpd="sng" algn="ctr">
+                      <a:solidFill>
+                        <a:srgbClr val="DFE2E5"/>
+                      </a:solidFill>
+                      <a:prstDash val="solid"/>
+                      <a:round/>
+                      <a:headEnd type="none" w="med" len="med"/>
+                      <a:tailEnd type="none" w="med" len="med"/>
+                    </a:lnR>
+                    <a:lnT w="7620" cap="flat" cmpd="sng" algn="ctr">
+                      <a:solidFill>
+                        <a:srgbClr val="DFE2E5"/>
+                      </a:solidFill>
+                      <a:prstDash val="solid"/>
+                      <a:round/>
+                      <a:headEnd type="none" w="med" len="med"/>
+                      <a:tailEnd type="none" w="med" len="med"/>
+                    </a:lnT>
+                    <a:lnB w="7620" cap="flat" cmpd="sng" algn="ctr">
+                      <a:solidFill>
+                        <a:srgbClr val="DFE2E5"/>
+                      </a:solidFill>
+                      <a:prstDash val="solid"/>
+                      <a:round/>
+                      <a:headEnd type="none" w="med" len="med"/>
+                      <a:tailEnd type="none" w="med" len="med"/>
+                    </a:lnB>
+                    <a:solidFill>
+                      <a:srgbClr val="F6F8FA"/>
+                    </a:solidFill>
+                  </a:tcPr>
+                </a:tc>
+                <a:extLst>
+                  <a:ext uri="{0D108BD9-81ED-4DB2-BD59-A6C34878D82A}">
+                    <a16:rowId xmlns:a16="http://schemas.microsoft.com/office/drawing/2014/main" val="2975315914"/>
+                  </a:ext>
+                </a:extLst>
+              </a:tr>
+              <a:tr h="315728">
+                <a:tc>
+                  <a:txBody>
+                    <a:bodyPr/>
+                    <a:lstStyle/>
+                    <a:p>
+                      <a:pPr latinLnBrk="1"/>
+                      <a:r>
+                        <a:rPr lang="en-US" sz="1600">
+                          <a:effectLst/>
+                        </a:rPr>
+                        <a:t>git config </a:t>
+                      </a:r>
+                      <a:r>
+                        <a:rPr lang="zh-CN" altLang="en-US" sz="1600">
+                          <a:effectLst/>
+                        </a:rPr>
+                        <a:t>配置项名 新名字</a:t>
+                      </a:r>
+                    </a:p>
+                  </a:txBody>
+                  <a:tcPr marL="85510" marR="85510" marT="39466" marB="39466" anchor="ctr">
+                    <a:lnL w="7620" cap="flat" cmpd="sng" algn="ctr">
+                      <a:solidFill>
+                        <a:srgbClr val="DFE2E5"/>
+                      </a:solidFill>
+                      <a:prstDash val="solid"/>
+                      <a:round/>
+                      <a:headEnd type="none" w="med" len="med"/>
+                      <a:tailEnd type="none" w="med" len="med"/>
+                    </a:lnL>
+                    <a:lnR w="7620" cap="flat" cmpd="sng" algn="ctr">
+                      <a:solidFill>
+                        <a:srgbClr val="DFE2E5"/>
+                      </a:solidFill>
+                      <a:prstDash val="solid"/>
+                      <a:round/>
+                      <a:headEnd type="none" w="med" len="med"/>
+                      <a:tailEnd type="none" w="med" len="med"/>
+                    </a:lnR>
+                    <a:lnT w="7620" cap="flat" cmpd="sng" algn="ctr">
+                      <a:solidFill>
+                        <a:srgbClr val="DFE2E5"/>
+                      </a:solidFill>
+                      <a:prstDash val="solid"/>
+                      <a:round/>
+                      <a:headEnd type="none" w="med" len="med"/>
+                      <a:tailEnd type="none" w="med" len="med"/>
+                    </a:lnT>
+                    <a:lnB w="7620" cap="flat" cmpd="sng" algn="ctr">
+                      <a:solidFill>
+                        <a:srgbClr val="DFE2E5"/>
+                      </a:solidFill>
+                      <a:prstDash val="solid"/>
+                      <a:round/>
+                      <a:headEnd type="none" w="med" len="med"/>
+                      <a:tailEnd type="none" w="med" len="med"/>
+                    </a:lnB>
+                    <a:solidFill>
+                      <a:srgbClr val="FFFFFF"/>
+                    </a:solidFill>
+                  </a:tcPr>
+                </a:tc>
+                <a:tc>
+                  <a:txBody>
+                    <a:bodyPr/>
+                    <a:lstStyle/>
+                    <a:p>
+                      <a:pPr latinLnBrk="1"/>
+                      <a:r>
+                        <a:rPr lang="zh-CN" altLang="en-US" sz="1600" dirty="0">
+                          <a:effectLst/>
+                        </a:rPr>
+                        <a:t>修改配置项</a:t>
+                      </a:r>
+                    </a:p>
+                  </a:txBody>
+                  <a:tcPr marL="85510" marR="85510" marT="39466" marB="39466" anchor="ctr">
+                    <a:lnL w="7620" cap="flat" cmpd="sng" algn="ctr">
+                      <a:solidFill>
+                        <a:srgbClr val="DFE2E5"/>
+                      </a:solidFill>
+                      <a:prstDash val="solid"/>
+                      <a:round/>
+                      <a:headEnd type="none" w="med" len="med"/>
+                      <a:tailEnd type="none" w="med" len="med"/>
+                    </a:lnL>
+                    <a:lnR w="7620" cap="flat" cmpd="sng" algn="ctr">
+                      <a:solidFill>
+                        <a:srgbClr val="DFE2E5"/>
+                      </a:solidFill>
+                      <a:prstDash val="solid"/>
+                      <a:round/>
+                      <a:headEnd type="none" w="med" len="med"/>
+                      <a:tailEnd type="none" w="med" len="med"/>
+                    </a:lnR>
+                    <a:lnT w="7620" cap="flat" cmpd="sng" algn="ctr">
+                      <a:solidFill>
+                        <a:srgbClr val="DFE2E5"/>
+                      </a:solidFill>
+                      <a:prstDash val="solid"/>
+                      <a:round/>
+                      <a:headEnd type="none" w="med" len="med"/>
+                      <a:tailEnd type="none" w="med" len="med"/>
+                    </a:lnT>
+                    <a:lnB w="7620" cap="flat" cmpd="sng" algn="ctr">
+                      <a:solidFill>
+                        <a:srgbClr val="DFE2E5"/>
+                      </a:solidFill>
+                      <a:prstDash val="solid"/>
+                      <a:round/>
+                      <a:headEnd type="none" w="med" len="med"/>
+                      <a:tailEnd type="none" w="med" len="med"/>
+                    </a:lnB>
+                    <a:solidFill>
+                      <a:srgbClr val="FFFFFF"/>
+                    </a:solidFill>
+                  </a:tcPr>
+                </a:tc>
+                <a:extLst>
+                  <a:ext uri="{0D108BD9-81ED-4DB2-BD59-A6C34878D82A}">
+                    <a16:rowId xmlns:a16="http://schemas.microsoft.com/office/drawing/2014/main" val="1468630741"/>
+                  </a:ext>
+                </a:extLst>
+              </a:tr>
+              <a:tr h="315728">
+                <a:tc>
+                  <a:txBody>
+                    <a:bodyPr/>
+                    <a:lstStyle/>
+                    <a:p>
+                      <a:pPr latinLnBrk="1"/>
+                      <a:r>
+                        <a:rPr lang="en-US" sz="1600">
+                          <a:effectLst/>
+                        </a:rPr>
+                        <a:t>git init</a:t>
+                      </a:r>
+                    </a:p>
+                  </a:txBody>
+                  <a:tcPr marL="85510" marR="85510" marT="39466" marB="39466" anchor="ctr">
+                    <a:lnL w="7620" cap="flat" cmpd="sng" algn="ctr">
+                      <a:solidFill>
+                        <a:srgbClr val="DFE2E5"/>
+                      </a:solidFill>
+                      <a:prstDash val="solid"/>
+                      <a:round/>
+                      <a:headEnd type="none" w="med" len="med"/>
+                      <a:tailEnd type="none" w="med" len="med"/>
+                    </a:lnL>
+                    <a:lnR w="7620" cap="flat" cmpd="sng" algn="ctr">
+                      <a:solidFill>
+                        <a:srgbClr val="DFE2E5"/>
+                      </a:solidFill>
+                      <a:prstDash val="solid"/>
+                      <a:round/>
+                      <a:headEnd type="none" w="med" len="med"/>
+                      <a:tailEnd type="none" w="med" len="med"/>
+                    </a:lnR>
+                    <a:lnT w="7620" cap="flat" cmpd="sng" algn="ctr">
+                      <a:solidFill>
+                        <a:srgbClr val="DFE2E5"/>
+                      </a:solidFill>
+                      <a:prstDash val="solid"/>
+                      <a:round/>
+                      <a:headEnd type="none" w="med" len="med"/>
+                      <a:tailEnd type="none" w="med" len="med"/>
+                    </a:lnT>
+                    <a:lnB w="7620" cap="flat" cmpd="sng" algn="ctr">
+                      <a:solidFill>
+                        <a:srgbClr val="DFE2E5"/>
+                      </a:solidFill>
+                      <a:prstDash val="solid"/>
+                      <a:round/>
+                      <a:headEnd type="none" w="med" len="med"/>
+                      <a:tailEnd type="none" w="med" len="med"/>
+                    </a:lnB>
+                    <a:solidFill>
+                      <a:srgbClr val="F6F8FA"/>
+                    </a:solidFill>
+                  </a:tcPr>
+                </a:tc>
+                <a:tc>
+                  <a:txBody>
+                    <a:bodyPr/>
+                    <a:lstStyle/>
+                    <a:p>
+                      <a:pPr latinLnBrk="1"/>
+                      <a:r>
+                        <a:rPr lang="zh-CN" altLang="en-US" sz="1600">
+                          <a:effectLst/>
+                        </a:rPr>
+                        <a:t>初始化本地版本库</a:t>
+                      </a:r>
+                    </a:p>
+                  </a:txBody>
+                  <a:tcPr marL="85510" marR="85510" marT="39466" marB="39466" anchor="ctr">
+                    <a:lnL w="7620" cap="flat" cmpd="sng" algn="ctr">
+                      <a:solidFill>
+                        <a:srgbClr val="DFE2E5"/>
+                      </a:solidFill>
+                      <a:prstDash val="solid"/>
+                      <a:round/>
+                      <a:headEnd type="none" w="med" len="med"/>
+                      <a:tailEnd type="none" w="med" len="med"/>
+                    </a:lnL>
+                    <a:lnR w="7620" cap="flat" cmpd="sng" algn="ctr">
+                      <a:solidFill>
+                        <a:srgbClr val="DFE2E5"/>
+                      </a:solidFill>
+                      <a:prstDash val="solid"/>
+                      <a:round/>
+                      <a:headEnd type="none" w="med" len="med"/>
+                      <a:tailEnd type="none" w="med" len="med"/>
+                    </a:lnR>
+                    <a:lnT w="7620" cap="flat" cmpd="sng" algn="ctr">
+                      <a:solidFill>
+                        <a:srgbClr val="DFE2E5"/>
+                      </a:solidFill>
+                      <a:prstDash val="solid"/>
+                      <a:round/>
+                      <a:headEnd type="none" w="med" len="med"/>
+                      <a:tailEnd type="none" w="med" len="med"/>
+                    </a:lnT>
+                    <a:lnB w="7620" cap="flat" cmpd="sng" algn="ctr">
+                      <a:solidFill>
+                        <a:srgbClr val="DFE2E5"/>
+                      </a:solidFill>
+                      <a:prstDash val="solid"/>
+                      <a:round/>
+                      <a:headEnd type="none" w="med" len="med"/>
+                      <a:tailEnd type="none" w="med" len="med"/>
+                    </a:lnB>
+                    <a:solidFill>
+                      <a:srgbClr val="F6F8FA"/>
+                    </a:solidFill>
+                  </a:tcPr>
+                </a:tc>
+                <a:extLst>
+                  <a:ext uri="{0D108BD9-81ED-4DB2-BD59-A6C34878D82A}">
+                    <a16:rowId xmlns:a16="http://schemas.microsoft.com/office/drawing/2014/main" val="1245031015"/>
+                  </a:ext>
+                </a:extLst>
+              </a:tr>
+              <a:tr h="315728">
+                <a:tc>
+                  <a:txBody>
+                    <a:bodyPr/>
+                    <a:lstStyle/>
+                    <a:p>
+                      <a:pPr latinLnBrk="1"/>
+                      <a:r>
+                        <a:rPr lang="en-US" sz="1600">
+                          <a:effectLst/>
+                        </a:rPr>
+                        <a:t>git status</a:t>
+                      </a:r>
+                    </a:p>
+                  </a:txBody>
+                  <a:tcPr marL="85510" marR="85510" marT="39466" marB="39466" anchor="ctr">
+                    <a:lnL w="7620" cap="flat" cmpd="sng" algn="ctr">
+                      <a:solidFill>
+                        <a:srgbClr val="DFE2E5"/>
+                      </a:solidFill>
+                      <a:prstDash val="solid"/>
+                      <a:round/>
+                      <a:headEnd type="none" w="med" len="med"/>
+                      <a:tailEnd type="none" w="med" len="med"/>
+                    </a:lnL>
+                    <a:lnR w="7620" cap="flat" cmpd="sng" algn="ctr">
+                      <a:solidFill>
+                        <a:srgbClr val="DFE2E5"/>
+                      </a:solidFill>
+                      <a:prstDash val="solid"/>
+                      <a:round/>
+                      <a:headEnd type="none" w="med" len="med"/>
+                      <a:tailEnd type="none" w="med" len="med"/>
+                    </a:lnR>
+                    <a:lnT w="7620" cap="flat" cmpd="sng" algn="ctr">
+                      <a:solidFill>
+                        <a:srgbClr val="DFE2E5"/>
+                      </a:solidFill>
+                      <a:prstDash val="solid"/>
+                      <a:round/>
+                      <a:headEnd type="none" w="med" len="med"/>
+                      <a:tailEnd type="none" w="med" len="med"/>
+                    </a:lnT>
+                    <a:lnB w="7620" cap="flat" cmpd="sng" algn="ctr">
+                      <a:solidFill>
+                        <a:srgbClr val="DFE2E5"/>
+                      </a:solidFill>
+                      <a:prstDash val="solid"/>
+                      <a:round/>
+                      <a:headEnd type="none" w="med" len="med"/>
+                      <a:tailEnd type="none" w="med" len="med"/>
+                    </a:lnB>
+                    <a:solidFill>
+                      <a:srgbClr val="FFFFFF"/>
+                    </a:solidFill>
+                  </a:tcPr>
+                </a:tc>
+                <a:tc>
+                  <a:txBody>
+                    <a:bodyPr/>
+                    <a:lstStyle/>
+                    <a:p>
+                      <a:pPr latinLnBrk="1"/>
+                      <a:r>
+                        <a:rPr lang="zh-CN" altLang="en-US" sz="1600" dirty="0">
+                          <a:effectLst/>
+                        </a:rPr>
+                        <a:t>查看仓库状态</a:t>
+                      </a:r>
+                    </a:p>
+                  </a:txBody>
+                  <a:tcPr marL="85510" marR="85510" marT="39466" marB="39466" anchor="ctr">
+                    <a:lnL w="7620" cap="flat" cmpd="sng" algn="ctr">
+                      <a:solidFill>
+                        <a:srgbClr val="DFE2E5"/>
+                      </a:solidFill>
+                      <a:prstDash val="solid"/>
+                      <a:round/>
+                      <a:headEnd type="none" w="med" len="med"/>
+                      <a:tailEnd type="none" w="med" len="med"/>
+                    </a:lnL>
+                    <a:lnR w="7620" cap="flat" cmpd="sng" algn="ctr">
+                      <a:solidFill>
+                        <a:srgbClr val="DFE2E5"/>
+                      </a:solidFill>
+                      <a:prstDash val="solid"/>
+                      <a:round/>
+                      <a:headEnd type="none" w="med" len="med"/>
+                      <a:tailEnd type="none" w="med" len="med"/>
+                    </a:lnR>
+                    <a:lnT w="7620" cap="flat" cmpd="sng" algn="ctr">
+                      <a:solidFill>
+                        <a:srgbClr val="DFE2E5"/>
+                      </a:solidFill>
+                      <a:prstDash val="solid"/>
+                      <a:round/>
+                      <a:headEnd type="none" w="med" len="med"/>
+                      <a:tailEnd type="none" w="med" len="med"/>
+                    </a:lnT>
+                    <a:lnB w="7620" cap="flat" cmpd="sng" algn="ctr">
+                      <a:solidFill>
+                        <a:srgbClr val="DFE2E5"/>
+                      </a:solidFill>
+                      <a:prstDash val="solid"/>
+                      <a:round/>
+                      <a:headEnd type="none" w="med" len="med"/>
+                      <a:tailEnd type="none" w="med" len="med"/>
+                    </a:lnB>
+                    <a:solidFill>
+                      <a:srgbClr val="FFFFFF"/>
+                    </a:solidFill>
+                  </a:tcPr>
+                </a:tc>
+                <a:extLst>
+                  <a:ext uri="{0D108BD9-81ED-4DB2-BD59-A6C34878D82A}">
+                    <a16:rowId xmlns:a16="http://schemas.microsoft.com/office/drawing/2014/main" val="1668440706"/>
+                  </a:ext>
+                </a:extLst>
+              </a:tr>
+              <a:tr h="315728">
+                <a:tc>
+                  <a:txBody>
+                    <a:bodyPr/>
+                    <a:lstStyle/>
+                    <a:p>
+                      <a:pPr latinLnBrk="1"/>
+                      <a:r>
+                        <a:rPr lang="en-US" sz="1600">
+                          <a:effectLst/>
+                        </a:rPr>
+                        <a:t>git add .</a:t>
+                      </a:r>
+                    </a:p>
+                  </a:txBody>
+                  <a:tcPr marL="85510" marR="85510" marT="39466" marB="39466" anchor="ctr">
+                    <a:lnL w="7620" cap="flat" cmpd="sng" algn="ctr">
+                      <a:solidFill>
+                        <a:srgbClr val="DFE2E5"/>
+                      </a:solidFill>
+                      <a:prstDash val="solid"/>
+                      <a:round/>
+                      <a:headEnd type="none" w="med" len="med"/>
+                      <a:tailEnd type="none" w="med" len="med"/>
+                    </a:lnL>
+                    <a:lnR w="7620" cap="flat" cmpd="sng" algn="ctr">
+                      <a:solidFill>
+                        <a:srgbClr val="DFE2E5"/>
+                      </a:solidFill>
+                      <a:prstDash val="solid"/>
+                      <a:round/>
+                      <a:headEnd type="none" w="med" len="med"/>
+                      <a:tailEnd type="none" w="med" len="med"/>
+                    </a:lnR>
+                    <a:lnT w="7620" cap="flat" cmpd="sng" algn="ctr">
+                      <a:solidFill>
+                        <a:srgbClr val="DFE2E5"/>
+                      </a:solidFill>
+                      <a:prstDash val="solid"/>
+                      <a:round/>
+                      <a:headEnd type="none" w="med" len="med"/>
+                      <a:tailEnd type="none" w="med" len="med"/>
+                    </a:lnT>
+                    <a:lnB w="7620" cap="flat" cmpd="sng" algn="ctr">
+                      <a:solidFill>
+                        <a:srgbClr val="DFE2E5"/>
+                      </a:solidFill>
+                      <a:prstDash val="solid"/>
+                      <a:round/>
+                      <a:headEnd type="none" w="med" len="med"/>
+                      <a:tailEnd type="none" w="med" len="med"/>
+                    </a:lnB>
+                    <a:solidFill>
+                      <a:srgbClr val="F6F8FA"/>
+                    </a:solidFill>
+                  </a:tcPr>
+                </a:tc>
+                <a:tc>
+                  <a:txBody>
+                    <a:bodyPr/>
+                    <a:lstStyle/>
+                    <a:p>
+                      <a:pPr latinLnBrk="1"/>
+                      <a:r>
+                        <a:rPr lang="zh-CN" altLang="en-US" sz="1600">
+                          <a:effectLst/>
+                        </a:rPr>
+                        <a:t>把工作区的所有修改提交到暂存区</a:t>
+                      </a:r>
+                    </a:p>
+                  </a:txBody>
+                  <a:tcPr marL="85510" marR="85510" marT="39466" marB="39466" anchor="ctr">
+                    <a:lnL w="7620" cap="flat" cmpd="sng" algn="ctr">
+                      <a:solidFill>
+                        <a:srgbClr val="DFE2E5"/>
+                      </a:solidFill>
+                      <a:prstDash val="solid"/>
+                      <a:round/>
+                      <a:headEnd type="none" w="med" len="med"/>
+                      <a:tailEnd type="none" w="med" len="med"/>
+                    </a:lnL>
+                    <a:lnR w="7620" cap="flat" cmpd="sng" algn="ctr">
+                      <a:solidFill>
+                        <a:srgbClr val="DFE2E5"/>
+                      </a:solidFill>
+                      <a:prstDash val="solid"/>
+                      <a:round/>
+                      <a:headEnd type="none" w="med" len="med"/>
+                      <a:tailEnd type="none" w="med" len="med"/>
+                    </a:lnR>
+                    <a:lnT w="7620" cap="flat" cmpd="sng" algn="ctr">
+                      <a:solidFill>
+                        <a:srgbClr val="DFE2E5"/>
+                      </a:solidFill>
+                      <a:prstDash val="solid"/>
+                      <a:round/>
+                      <a:headEnd type="none" w="med" len="med"/>
+                      <a:tailEnd type="none" w="med" len="med"/>
+                    </a:lnT>
+                    <a:lnB w="7620" cap="flat" cmpd="sng" algn="ctr">
+                      <a:solidFill>
+                        <a:srgbClr val="DFE2E5"/>
+                      </a:solidFill>
+                      <a:prstDash val="solid"/>
+                      <a:round/>
+                      <a:headEnd type="none" w="med" len="med"/>
+                      <a:tailEnd type="none" w="med" len="med"/>
+                    </a:lnB>
+                    <a:solidFill>
+                      <a:srgbClr val="F6F8FA"/>
+                    </a:solidFill>
+                  </a:tcPr>
+                </a:tc>
+                <a:extLst>
+                  <a:ext uri="{0D108BD9-81ED-4DB2-BD59-A6C34878D82A}">
+                    <a16:rowId xmlns:a16="http://schemas.microsoft.com/office/drawing/2014/main" val="616762091"/>
+                  </a:ext>
+                </a:extLst>
+              </a:tr>
+              <a:tr h="315728">
+                <a:tc>
+                  <a:txBody>
+                    <a:bodyPr/>
+                    <a:lstStyle/>
+                    <a:p>
+                      <a:pPr latinLnBrk="1"/>
+                      <a:r>
+                        <a:rPr lang="en-US" sz="1600">
+                          <a:effectLst/>
+                        </a:rPr>
+                        <a:t>git add </a:t>
+                      </a:r>
+                      <a:r>
+                        <a:rPr lang="zh-CN" altLang="en-US" sz="1600">
+                          <a:effectLst/>
+                        </a:rPr>
+                        <a:t>文件路径</a:t>
+                      </a:r>
+                    </a:p>
+                  </a:txBody>
+                  <a:tcPr marL="85510" marR="85510" marT="39466" marB="39466" anchor="ctr">
+                    <a:lnL w="7620" cap="flat" cmpd="sng" algn="ctr">
+                      <a:solidFill>
+                        <a:srgbClr val="DFE2E5"/>
+                      </a:solidFill>
+                      <a:prstDash val="solid"/>
+                      <a:round/>
+                      <a:headEnd type="none" w="med" len="med"/>
+                      <a:tailEnd type="none" w="med" len="med"/>
+                    </a:lnL>
+                    <a:lnR w="7620" cap="flat" cmpd="sng" algn="ctr">
+                      <a:solidFill>
+                        <a:srgbClr val="DFE2E5"/>
+                      </a:solidFill>
+                      <a:prstDash val="solid"/>
+                      <a:round/>
+                      <a:headEnd type="none" w="med" len="med"/>
+                      <a:tailEnd type="none" w="med" len="med"/>
+                    </a:lnR>
+                    <a:lnT w="7620" cap="flat" cmpd="sng" algn="ctr">
+                      <a:solidFill>
+                        <a:srgbClr val="DFE2E5"/>
+                      </a:solidFill>
+                      <a:prstDash val="solid"/>
+                      <a:round/>
+                      <a:headEnd type="none" w="med" len="med"/>
+                      <a:tailEnd type="none" w="med" len="med"/>
+                    </a:lnT>
+                    <a:lnB w="7620" cap="flat" cmpd="sng" algn="ctr">
+                      <a:solidFill>
+                        <a:srgbClr val="DFE2E5"/>
+                      </a:solidFill>
+                      <a:prstDash val="solid"/>
+                      <a:round/>
+                      <a:headEnd type="none" w="med" len="med"/>
+                      <a:tailEnd type="none" w="med" len="med"/>
+                    </a:lnB>
+                    <a:solidFill>
+                      <a:srgbClr val="FFFFFF"/>
+                    </a:solidFill>
+                  </a:tcPr>
+                </a:tc>
+                <a:tc>
+                  <a:txBody>
+                    <a:bodyPr/>
+                    <a:lstStyle/>
+                    <a:p>
+                      <a:pPr latinLnBrk="1"/>
+                      <a:r>
+                        <a:rPr lang="zh-CN" altLang="en-US" sz="1600">
+                          <a:effectLst/>
+                        </a:rPr>
+                        <a:t>把工作区指定文件提交到暂存区</a:t>
+                      </a:r>
+                    </a:p>
+                  </a:txBody>
+                  <a:tcPr marL="85510" marR="85510" marT="39466" marB="39466" anchor="ctr">
+                    <a:lnL w="7620" cap="flat" cmpd="sng" algn="ctr">
+                      <a:solidFill>
+                        <a:srgbClr val="DFE2E5"/>
+                      </a:solidFill>
+                      <a:prstDash val="solid"/>
+                      <a:round/>
+                      <a:headEnd type="none" w="med" len="med"/>
+                      <a:tailEnd type="none" w="med" len="med"/>
+                    </a:lnL>
+                    <a:lnR w="7620" cap="flat" cmpd="sng" algn="ctr">
+                      <a:solidFill>
+                        <a:srgbClr val="DFE2E5"/>
+                      </a:solidFill>
+                      <a:prstDash val="solid"/>
+                      <a:round/>
+                      <a:headEnd type="none" w="med" len="med"/>
+                      <a:tailEnd type="none" w="med" len="med"/>
+                    </a:lnR>
+                    <a:lnT w="7620" cap="flat" cmpd="sng" algn="ctr">
+                      <a:solidFill>
+                        <a:srgbClr val="DFE2E5"/>
+                      </a:solidFill>
+                      <a:prstDash val="solid"/>
+                      <a:round/>
+                      <a:headEnd type="none" w="med" len="med"/>
+                      <a:tailEnd type="none" w="med" len="med"/>
+                    </a:lnT>
+                    <a:lnB w="7620" cap="flat" cmpd="sng" algn="ctr">
+                      <a:solidFill>
+                        <a:srgbClr val="DFE2E5"/>
+                      </a:solidFill>
+                      <a:prstDash val="solid"/>
+                      <a:round/>
+                      <a:headEnd type="none" w="med" len="med"/>
+                      <a:tailEnd type="none" w="med" len="med"/>
+                    </a:lnB>
+                    <a:solidFill>
+                      <a:srgbClr val="FFFFFF"/>
+                    </a:solidFill>
+                  </a:tcPr>
+                </a:tc>
+                <a:extLst>
+                  <a:ext uri="{0D108BD9-81ED-4DB2-BD59-A6C34878D82A}">
+                    <a16:rowId xmlns:a16="http://schemas.microsoft.com/office/drawing/2014/main" val="2121893237"/>
+                  </a:ext>
+                </a:extLst>
+              </a:tr>
+              <a:tr h="552524">
+                <a:tc>
+                  <a:txBody>
+                    <a:bodyPr/>
+                    <a:lstStyle/>
+                    <a:p>
+                      <a:pPr latinLnBrk="1"/>
+                      <a:r>
+                        <a:rPr lang="en-US" sz="1600">
+                          <a:effectLst/>
+                        </a:rPr>
+                        <a:t>git commit -m "</a:t>
+                      </a:r>
+                      <a:r>
+                        <a:rPr lang="zh-CN" altLang="en-US" sz="1600">
+                          <a:effectLst/>
+                        </a:rPr>
+                        <a:t>描述</a:t>
+                      </a:r>
+                      <a:r>
+                        <a:rPr lang="en-US" altLang="zh-CN" sz="1600">
+                          <a:effectLst/>
+                        </a:rPr>
+                        <a:t>"</a:t>
+                      </a:r>
+                    </a:p>
+                  </a:txBody>
+                  <a:tcPr marL="85510" marR="85510" marT="39466" marB="39466" anchor="ctr">
+                    <a:lnL w="7620" cap="flat" cmpd="sng" algn="ctr">
+                      <a:solidFill>
+                        <a:srgbClr val="DFE2E5"/>
+                      </a:solidFill>
+                      <a:prstDash val="solid"/>
+                      <a:round/>
+                      <a:headEnd type="none" w="med" len="med"/>
+                      <a:tailEnd type="none" w="med" len="med"/>
+                    </a:lnL>
+                    <a:lnR w="7620" cap="flat" cmpd="sng" algn="ctr">
+                      <a:solidFill>
+                        <a:srgbClr val="DFE2E5"/>
+                      </a:solidFill>
+                      <a:prstDash val="solid"/>
+                      <a:round/>
+                      <a:headEnd type="none" w="med" len="med"/>
+                      <a:tailEnd type="none" w="med" len="med"/>
+                    </a:lnR>
+                    <a:lnT w="7620" cap="flat" cmpd="sng" algn="ctr">
+                      <a:solidFill>
+                        <a:srgbClr val="DFE2E5"/>
+                      </a:solidFill>
+                      <a:prstDash val="solid"/>
+                      <a:round/>
+                      <a:headEnd type="none" w="med" len="med"/>
+                      <a:tailEnd type="none" w="med" len="med"/>
+                    </a:lnT>
+                    <a:lnB w="7620" cap="flat" cmpd="sng" algn="ctr">
+                      <a:solidFill>
+                        <a:srgbClr val="DFE2E5"/>
+                      </a:solidFill>
+                      <a:prstDash val="solid"/>
+                      <a:round/>
+                      <a:headEnd type="none" w="med" len="med"/>
+                      <a:tailEnd type="none" w="med" len="med"/>
+                    </a:lnB>
+                    <a:solidFill>
+                      <a:srgbClr val="F6F8FA"/>
+                    </a:solidFill>
+                  </a:tcPr>
+                </a:tc>
+                <a:tc>
+                  <a:txBody>
+                    <a:bodyPr/>
+                    <a:lstStyle/>
+                    <a:p>
+                      <a:pPr latinLnBrk="1"/>
+                      <a:r>
+                        <a:rPr lang="zh-CN" altLang="en-US" sz="1600">
+                          <a:effectLst/>
+                        </a:rPr>
+                        <a:t>把暂存区的修改提交本地版本库（</a:t>
+                      </a:r>
+                      <a:r>
+                        <a:rPr lang="en-US" altLang="zh-CN" sz="1600">
+                          <a:effectLst/>
+                        </a:rPr>
+                        <a:t>master</a:t>
+                      </a:r>
+                      <a:r>
+                        <a:rPr lang="zh-CN" altLang="en-US" sz="1600">
+                          <a:effectLst/>
+                        </a:rPr>
+                        <a:t>分支）</a:t>
+                      </a:r>
+                    </a:p>
+                  </a:txBody>
+                  <a:tcPr marL="85510" marR="85510" marT="39466" marB="39466" anchor="ctr">
+                    <a:lnL w="7620" cap="flat" cmpd="sng" algn="ctr">
+                      <a:solidFill>
+                        <a:srgbClr val="DFE2E5"/>
+                      </a:solidFill>
+                      <a:prstDash val="solid"/>
+                      <a:round/>
+                      <a:headEnd type="none" w="med" len="med"/>
+                      <a:tailEnd type="none" w="med" len="med"/>
+                    </a:lnL>
+                    <a:lnR w="7620" cap="flat" cmpd="sng" algn="ctr">
+                      <a:solidFill>
+                        <a:srgbClr val="DFE2E5"/>
+                      </a:solidFill>
+                      <a:prstDash val="solid"/>
+                      <a:round/>
+                      <a:headEnd type="none" w="med" len="med"/>
+                      <a:tailEnd type="none" w="med" len="med"/>
+                    </a:lnR>
+                    <a:lnT w="7620" cap="flat" cmpd="sng" algn="ctr">
+                      <a:solidFill>
+                        <a:srgbClr val="DFE2E5"/>
+                      </a:solidFill>
+                      <a:prstDash val="solid"/>
+                      <a:round/>
+                      <a:headEnd type="none" w="med" len="med"/>
+                      <a:tailEnd type="none" w="med" len="med"/>
+                    </a:lnT>
+                    <a:lnB w="7620" cap="flat" cmpd="sng" algn="ctr">
+                      <a:solidFill>
+                        <a:srgbClr val="DFE2E5"/>
+                      </a:solidFill>
+                      <a:prstDash val="solid"/>
+                      <a:round/>
+                      <a:headEnd type="none" w="med" len="med"/>
+                      <a:tailEnd type="none" w="med" len="med"/>
+                    </a:lnB>
+                    <a:solidFill>
+                      <a:srgbClr val="F6F8FA"/>
+                    </a:solidFill>
+                  </a:tcPr>
+                </a:tc>
+                <a:extLst>
+                  <a:ext uri="{0D108BD9-81ED-4DB2-BD59-A6C34878D82A}">
+                    <a16:rowId xmlns:a16="http://schemas.microsoft.com/office/drawing/2014/main" val="2501761784"/>
+                  </a:ext>
+                </a:extLst>
+              </a:tr>
+              <a:tr h="315728">
+                <a:tc>
+                  <a:txBody>
+                    <a:bodyPr/>
+                    <a:lstStyle/>
+                    <a:p>
+                      <a:pPr latinLnBrk="1"/>
+                      <a:r>
+                        <a:rPr lang="en-US" sz="1600">
+                          <a:effectLst/>
+                        </a:rPr>
+                        <a:t>git diff</a:t>
+                      </a:r>
+                    </a:p>
+                  </a:txBody>
+                  <a:tcPr marL="85510" marR="85510" marT="39466" marB="39466" anchor="ctr">
+                    <a:lnL w="7620" cap="flat" cmpd="sng" algn="ctr">
+                      <a:solidFill>
+                        <a:srgbClr val="DFE2E5"/>
+                      </a:solidFill>
+                      <a:prstDash val="solid"/>
+                      <a:round/>
+                      <a:headEnd type="none" w="med" len="med"/>
+                      <a:tailEnd type="none" w="med" len="med"/>
+                    </a:lnL>
+                    <a:lnR w="7620" cap="flat" cmpd="sng" algn="ctr">
+                      <a:solidFill>
+                        <a:srgbClr val="DFE2E5"/>
+                      </a:solidFill>
+                      <a:prstDash val="solid"/>
+                      <a:round/>
+                      <a:headEnd type="none" w="med" len="med"/>
+                      <a:tailEnd type="none" w="med" len="med"/>
+                    </a:lnR>
+                    <a:lnT w="7620" cap="flat" cmpd="sng" algn="ctr">
+                      <a:solidFill>
+                        <a:srgbClr val="DFE2E5"/>
+                      </a:solidFill>
+                      <a:prstDash val="solid"/>
+                      <a:round/>
+                      <a:headEnd type="none" w="med" len="med"/>
+                      <a:tailEnd type="none" w="med" len="med"/>
+                    </a:lnT>
+                    <a:lnB w="7620" cap="flat" cmpd="sng" algn="ctr">
+                      <a:solidFill>
+                        <a:srgbClr val="DFE2E5"/>
+                      </a:solidFill>
+                      <a:prstDash val="solid"/>
+                      <a:round/>
+                      <a:headEnd type="none" w="med" len="med"/>
+                      <a:tailEnd type="none" w="med" len="med"/>
+                    </a:lnB>
+                    <a:solidFill>
+                      <a:srgbClr val="FFFFFF"/>
+                    </a:solidFill>
+                  </a:tcPr>
+                </a:tc>
+                <a:tc>
+                  <a:txBody>
+                    <a:bodyPr/>
+                    <a:lstStyle/>
+                    <a:p>
+                      <a:pPr latinLnBrk="1"/>
+                      <a:r>
+                        <a:rPr lang="zh-CN" altLang="en-US" sz="1600">
+                          <a:effectLst/>
+                        </a:rPr>
+                        <a:t>查看工作区具体修改</a:t>
+                      </a:r>
+                    </a:p>
+                  </a:txBody>
+                  <a:tcPr marL="85510" marR="85510" marT="39466" marB="39466" anchor="ctr">
+                    <a:lnL w="7620" cap="flat" cmpd="sng" algn="ctr">
+                      <a:solidFill>
+                        <a:srgbClr val="DFE2E5"/>
+                      </a:solidFill>
+                      <a:prstDash val="solid"/>
+                      <a:round/>
+                      <a:headEnd type="none" w="med" len="med"/>
+                      <a:tailEnd type="none" w="med" len="med"/>
+                    </a:lnL>
+                    <a:lnR w="7620" cap="flat" cmpd="sng" algn="ctr">
+                      <a:solidFill>
+                        <a:srgbClr val="DFE2E5"/>
+                      </a:solidFill>
+                      <a:prstDash val="solid"/>
+                      <a:round/>
+                      <a:headEnd type="none" w="med" len="med"/>
+                      <a:tailEnd type="none" w="med" len="med"/>
+                    </a:lnR>
+                    <a:lnT w="7620" cap="flat" cmpd="sng" algn="ctr">
+                      <a:solidFill>
+                        <a:srgbClr val="DFE2E5"/>
+                      </a:solidFill>
+                      <a:prstDash val="solid"/>
+                      <a:round/>
+                      <a:headEnd type="none" w="med" len="med"/>
+                      <a:tailEnd type="none" w="med" len="med"/>
+                    </a:lnT>
+                    <a:lnB w="7620" cap="flat" cmpd="sng" algn="ctr">
+                      <a:solidFill>
+                        <a:srgbClr val="DFE2E5"/>
+                      </a:solidFill>
+                      <a:prstDash val="solid"/>
+                      <a:round/>
+                      <a:headEnd type="none" w="med" len="med"/>
+                      <a:tailEnd type="none" w="med" len="med"/>
+                    </a:lnB>
+                    <a:solidFill>
+                      <a:srgbClr val="FFFFFF"/>
+                    </a:solidFill>
+                  </a:tcPr>
+                </a:tc>
+                <a:extLst>
+                  <a:ext uri="{0D108BD9-81ED-4DB2-BD59-A6C34878D82A}">
+                    <a16:rowId xmlns:a16="http://schemas.microsoft.com/office/drawing/2014/main" val="3811702775"/>
+                  </a:ext>
+                </a:extLst>
+              </a:tr>
+              <a:tr h="315728">
+                <a:tc>
+                  <a:txBody>
+                    <a:bodyPr/>
+                    <a:lstStyle/>
+                    <a:p>
+                      <a:pPr latinLnBrk="1"/>
+                      <a:r>
+                        <a:rPr lang="en-US" sz="1600">
+                          <a:effectLst/>
+                        </a:rPr>
+                        <a:t>git diff --cached</a:t>
+                      </a:r>
+                    </a:p>
+                  </a:txBody>
+                  <a:tcPr marL="85510" marR="85510" marT="39466" marB="39466" anchor="ctr">
+                    <a:lnL w="7620" cap="flat" cmpd="sng" algn="ctr">
+                      <a:solidFill>
+                        <a:srgbClr val="DFE2E5"/>
+                      </a:solidFill>
+                      <a:prstDash val="solid"/>
+                      <a:round/>
+                      <a:headEnd type="none" w="med" len="med"/>
+                      <a:tailEnd type="none" w="med" len="med"/>
+                    </a:lnL>
+                    <a:lnR w="7620" cap="flat" cmpd="sng" algn="ctr">
+                      <a:solidFill>
+                        <a:srgbClr val="DFE2E5"/>
+                      </a:solidFill>
+                      <a:prstDash val="solid"/>
+                      <a:round/>
+                      <a:headEnd type="none" w="med" len="med"/>
+                      <a:tailEnd type="none" w="med" len="med"/>
+                    </a:lnR>
+                    <a:lnT w="7620" cap="flat" cmpd="sng" algn="ctr">
+                      <a:solidFill>
+                        <a:srgbClr val="DFE2E5"/>
+                      </a:solidFill>
+                      <a:prstDash val="solid"/>
+                      <a:round/>
+                      <a:headEnd type="none" w="med" len="med"/>
+                      <a:tailEnd type="none" w="med" len="med"/>
+                    </a:lnT>
+                    <a:lnB w="7620" cap="flat" cmpd="sng" algn="ctr">
+                      <a:solidFill>
+                        <a:srgbClr val="DFE2E5"/>
+                      </a:solidFill>
+                      <a:prstDash val="solid"/>
+                      <a:round/>
+                      <a:headEnd type="none" w="med" len="med"/>
+                      <a:tailEnd type="none" w="med" len="med"/>
+                    </a:lnB>
+                    <a:solidFill>
+                      <a:srgbClr val="F6F8FA"/>
+                    </a:solidFill>
+                  </a:tcPr>
+                </a:tc>
+                <a:tc>
+                  <a:txBody>
+                    <a:bodyPr/>
+                    <a:lstStyle/>
+                    <a:p>
+                      <a:pPr latinLnBrk="1"/>
+                      <a:r>
+                        <a:rPr lang="zh-CN" altLang="en-US" sz="1600" dirty="0">
+                          <a:effectLst/>
+                        </a:rPr>
+                        <a:t>查看暂存区具体修改</a:t>
+                      </a:r>
+                    </a:p>
+                  </a:txBody>
+                  <a:tcPr marL="85510" marR="85510" marT="39466" marB="39466" anchor="ctr">
+                    <a:lnL w="7620" cap="flat" cmpd="sng" algn="ctr">
+                      <a:solidFill>
+                        <a:srgbClr val="DFE2E5"/>
+                      </a:solidFill>
+                      <a:prstDash val="solid"/>
+                      <a:round/>
+                      <a:headEnd type="none" w="med" len="med"/>
+                      <a:tailEnd type="none" w="med" len="med"/>
+                    </a:lnL>
+                    <a:lnR w="7620" cap="flat" cmpd="sng" algn="ctr">
+                      <a:solidFill>
+                        <a:srgbClr val="DFE2E5"/>
+                      </a:solidFill>
+                      <a:prstDash val="solid"/>
+                      <a:round/>
+                      <a:headEnd type="none" w="med" len="med"/>
+                      <a:tailEnd type="none" w="med" len="med"/>
+                    </a:lnR>
+                    <a:lnT w="7620" cap="flat" cmpd="sng" algn="ctr">
+                      <a:solidFill>
+                        <a:srgbClr val="DFE2E5"/>
+                      </a:solidFill>
+                      <a:prstDash val="solid"/>
+                      <a:round/>
+                      <a:headEnd type="none" w="med" len="med"/>
+                      <a:tailEnd type="none" w="med" len="med"/>
+                    </a:lnT>
+                    <a:lnB w="7620" cap="flat" cmpd="sng" algn="ctr">
+                      <a:solidFill>
+                        <a:srgbClr val="DFE2E5"/>
+                      </a:solidFill>
+                      <a:prstDash val="solid"/>
+                      <a:round/>
+                      <a:headEnd type="none" w="med" len="med"/>
+                      <a:tailEnd type="none" w="med" len="med"/>
+                    </a:lnB>
+                    <a:solidFill>
+                      <a:srgbClr val="F6F8FA"/>
+                    </a:solidFill>
+                  </a:tcPr>
+                </a:tc>
+                <a:extLst>
+                  <a:ext uri="{0D108BD9-81ED-4DB2-BD59-A6C34878D82A}">
+                    <a16:rowId xmlns:a16="http://schemas.microsoft.com/office/drawing/2014/main" val="154194618"/>
+                  </a:ext>
+                </a:extLst>
+              </a:tr>
+            </a:tbl>
+          </a:graphicData>
+        </a:graphic>
+      </p:graphicFrame>
     </p:spTree>
     <p:extLst>
       <p:ext uri="{BB962C8B-B14F-4D97-AF65-F5344CB8AC3E}">

--- a/git.pptx
+++ b/git.pptx
@@ -346,7 +346,7 @@
                 <a:cs typeface="Calibri" pitchFamily="34" charset="0"/>
               </a:rPr>
               <a:pPr algn="r"/>
-              <a:t>2019/2/11</a:t>
+              <a:t>2019/3/12</a:t>
             </a:fld>
             <a:endParaRPr lang="zh-CN" altLang="en-US" sz="1200">
               <a:latin typeface="Calibri" pitchFamily="34" charset="0"/>
@@ -870,7 +870,7 @@
                 <a:cs typeface="Calibri" pitchFamily="34" charset="0"/>
               </a:rPr>
               <a:pPr algn="r"/>
-              <a:t>2019/2/11</a:t>
+              <a:t>2019/3/12</a:t>
             </a:fld>
             <a:endParaRPr lang="zh-CN" altLang="en-US" sz="1200">
               <a:latin typeface="Calibri" pitchFamily="34" charset="0"/>
@@ -2797,7 +2797,7 @@
             <a:fld id="{72514870-5082-4025-BC8A-5E070B8EB77D}" type="datetimeFigureOut">
               <a:rPr lang="zh-CN" altLang="en-US" smtClean="0"/>
               <a:pPr/>
-              <a:t>2019/2/11</a:t>
+              <a:t>2019/3/12</a:t>
             </a:fld>
             <a:endParaRPr lang="zh-CN" altLang="en-US"/>
           </a:p>
@@ -2967,7 +2967,7 @@
             <a:fld id="{72514870-5082-4025-BC8A-5E070B8EB77D}" type="datetimeFigureOut">
               <a:rPr lang="zh-CN" altLang="en-US" smtClean="0"/>
               <a:pPr/>
-              <a:t>2019/2/11</a:t>
+              <a:t>2019/3/12</a:t>
             </a:fld>
             <a:endParaRPr lang="zh-CN" altLang="en-US"/>
           </a:p>
@@ -3147,7 +3147,7 @@
             <a:fld id="{72514870-5082-4025-BC8A-5E070B8EB77D}" type="datetimeFigureOut">
               <a:rPr lang="zh-CN" altLang="en-US" smtClean="0"/>
               <a:pPr/>
-              <a:t>2019/2/11</a:t>
+              <a:t>2019/3/12</a:t>
             </a:fld>
             <a:endParaRPr lang="zh-CN" altLang="en-US"/>
           </a:p>
@@ -3335,7 +3335,7 @@
             <a:fld id="{72514870-5082-4025-BC8A-5E070B8EB77D}" type="datetimeFigureOut">
               <a:rPr lang="zh-CN" altLang="en-US" smtClean="0"/>
               <a:pPr/>
-              <a:t>2019/2/11</a:t>
+              <a:t>2019/3/12</a:t>
             </a:fld>
             <a:endParaRPr lang="zh-CN" altLang="en-US"/>
           </a:p>
@@ -3505,7 +3505,7 @@
             <a:fld id="{72514870-5082-4025-BC8A-5E070B8EB77D}" type="datetimeFigureOut">
               <a:rPr lang="zh-CN" altLang="en-US" smtClean="0"/>
               <a:pPr/>
-              <a:t>2019/2/11</a:t>
+              <a:t>2019/3/12</a:t>
             </a:fld>
             <a:endParaRPr lang="zh-CN" altLang="en-US"/>
           </a:p>
@@ -3698,7 +3698,7 @@
             <a:fld id="{72514870-5082-4025-BC8A-5E070B8EB77D}" type="datetimeFigureOut">
               <a:rPr lang="zh-CN" altLang="en-US" smtClean="0"/>
               <a:pPr/>
-              <a:t>2019/2/11</a:t>
+              <a:t>2019/3/12</a:t>
             </a:fld>
             <a:endParaRPr lang="zh-CN" altLang="en-US"/>
           </a:p>
@@ -3985,7 +3985,7 @@
             <a:fld id="{72514870-5082-4025-BC8A-5E070B8EB77D}" type="datetimeFigureOut">
               <a:rPr lang="zh-CN" altLang="en-US" smtClean="0"/>
               <a:pPr/>
-              <a:t>2019/2/11</a:t>
+              <a:t>2019/3/12</a:t>
             </a:fld>
             <a:endParaRPr lang="zh-CN" altLang="en-US"/>
           </a:p>
@@ -4406,7 +4406,7 @@
             <a:fld id="{72514870-5082-4025-BC8A-5E070B8EB77D}" type="datetimeFigureOut">
               <a:rPr lang="zh-CN" altLang="en-US" smtClean="0"/>
               <a:pPr/>
-              <a:t>2019/2/11</a:t>
+              <a:t>2019/3/12</a:t>
             </a:fld>
             <a:endParaRPr lang="zh-CN" altLang="en-US"/>
           </a:p>
@@ -4525,7 +4525,7 @@
             <a:fld id="{72514870-5082-4025-BC8A-5E070B8EB77D}" type="datetimeFigureOut">
               <a:rPr lang="zh-CN" altLang="en-US" smtClean="0"/>
               <a:pPr/>
-              <a:t>2019/2/11</a:t>
+              <a:t>2019/3/12</a:t>
             </a:fld>
             <a:endParaRPr lang="zh-CN" altLang="en-US"/>
           </a:p>
@@ -4622,7 +4622,7 @@
             <a:fld id="{72514870-5082-4025-BC8A-5E070B8EB77D}" type="datetimeFigureOut">
               <a:rPr lang="zh-CN" altLang="en-US" smtClean="0"/>
               <a:pPr/>
-              <a:t>2019/2/11</a:t>
+              <a:t>2019/3/12</a:t>
             </a:fld>
             <a:endParaRPr lang="zh-CN" altLang="en-US"/>
           </a:p>
@@ -4935,7 +4935,7 @@
             <a:fld id="{72514870-5082-4025-BC8A-5E070B8EB77D}" type="datetimeFigureOut">
               <a:rPr lang="zh-CN" altLang="en-US" smtClean="0"/>
               <a:pPr/>
-              <a:t>2019/2/11</a:t>
+              <a:t>2019/3/12</a:t>
             </a:fld>
             <a:endParaRPr lang="zh-CN" altLang="en-US"/>
           </a:p>
@@ -5105,7 +5105,7 @@
             <a:fld id="{72514870-5082-4025-BC8A-5E070B8EB77D}" type="datetimeFigureOut">
               <a:rPr lang="zh-CN" altLang="en-US" smtClean="0"/>
               <a:pPr/>
-              <a:t>2019/2/11</a:t>
+              <a:t>2019/3/12</a:t>
             </a:fld>
             <a:endParaRPr lang="zh-CN" altLang="en-US"/>
           </a:p>
@@ -5359,7 +5359,7 @@
             <a:fld id="{72514870-5082-4025-BC8A-5E070B8EB77D}" type="datetimeFigureOut">
               <a:rPr lang="zh-CN" altLang="en-US" smtClean="0"/>
               <a:pPr/>
-              <a:t>2019/2/11</a:t>
+              <a:t>2019/3/12</a:t>
             </a:fld>
             <a:endParaRPr lang="zh-CN" altLang="en-US"/>
           </a:p>
@@ -5529,7 +5529,7 @@
             <a:fld id="{72514870-5082-4025-BC8A-5E070B8EB77D}" type="datetimeFigureOut">
               <a:rPr lang="zh-CN" altLang="en-US" smtClean="0"/>
               <a:pPr/>
-              <a:t>2019/2/11</a:t>
+              <a:t>2019/3/12</a:t>
             </a:fld>
             <a:endParaRPr lang="zh-CN" altLang="en-US"/>
           </a:p>
@@ -5709,7 +5709,7 @@
             <a:fld id="{72514870-5082-4025-BC8A-5E070B8EB77D}" type="datetimeFigureOut">
               <a:rPr lang="zh-CN" altLang="en-US" smtClean="0"/>
               <a:pPr/>
-              <a:t>2019/2/11</a:t>
+              <a:t>2019/3/12</a:t>
             </a:fld>
             <a:endParaRPr lang="zh-CN" altLang="en-US"/>
           </a:p>
@@ -5902,7 +5902,7 @@
             <a:fld id="{72514870-5082-4025-BC8A-5E070B8EB77D}" type="datetimeFigureOut">
               <a:rPr lang="zh-CN" altLang="en-US" smtClean="0"/>
               <a:pPr/>
-              <a:t>2019/2/11</a:t>
+              <a:t>2019/3/12</a:t>
             </a:fld>
             <a:endParaRPr lang="zh-CN" altLang="en-US"/>
           </a:p>
@@ -6189,7 +6189,7 @@
             <a:fld id="{72514870-5082-4025-BC8A-5E070B8EB77D}" type="datetimeFigureOut">
               <a:rPr lang="zh-CN" altLang="en-US" smtClean="0"/>
               <a:pPr/>
-              <a:t>2019/2/11</a:t>
+              <a:t>2019/3/12</a:t>
             </a:fld>
             <a:endParaRPr lang="zh-CN" altLang="en-US"/>
           </a:p>
@@ -6610,7 +6610,7 @@
             <a:fld id="{72514870-5082-4025-BC8A-5E070B8EB77D}" type="datetimeFigureOut">
               <a:rPr lang="zh-CN" altLang="en-US" smtClean="0"/>
               <a:pPr/>
-              <a:t>2019/2/11</a:t>
+              <a:t>2019/3/12</a:t>
             </a:fld>
             <a:endParaRPr lang="zh-CN" altLang="en-US"/>
           </a:p>
@@ -6729,7 +6729,7 @@
             <a:fld id="{72514870-5082-4025-BC8A-5E070B8EB77D}" type="datetimeFigureOut">
               <a:rPr lang="zh-CN" altLang="en-US" smtClean="0"/>
               <a:pPr/>
-              <a:t>2019/2/11</a:t>
+              <a:t>2019/3/12</a:t>
             </a:fld>
             <a:endParaRPr lang="zh-CN" altLang="en-US"/>
           </a:p>
@@ -6826,7 +6826,7 @@
             <a:fld id="{72514870-5082-4025-BC8A-5E070B8EB77D}" type="datetimeFigureOut">
               <a:rPr lang="zh-CN" altLang="en-US" smtClean="0"/>
               <a:pPr/>
-              <a:t>2019/2/11</a:t>
+              <a:t>2019/3/12</a:t>
             </a:fld>
             <a:endParaRPr lang="zh-CN" altLang="en-US"/>
           </a:p>
@@ -7103,7 +7103,7 @@
             <a:fld id="{72514870-5082-4025-BC8A-5E070B8EB77D}" type="datetimeFigureOut">
               <a:rPr lang="zh-CN" altLang="en-US" smtClean="0"/>
               <a:pPr/>
-              <a:t>2019/2/11</a:t>
+              <a:t>2019/3/12</a:t>
             </a:fld>
             <a:endParaRPr lang="zh-CN" altLang="en-US"/>
           </a:p>
@@ -7357,7 +7357,7 @@
             <a:fld id="{72514870-5082-4025-BC8A-5E070B8EB77D}" type="datetimeFigureOut">
               <a:rPr lang="zh-CN" altLang="en-US" smtClean="0"/>
               <a:pPr/>
-              <a:t>2019/2/11</a:t>
+              <a:t>2019/3/12</a:t>
             </a:fld>
             <a:endParaRPr lang="zh-CN" altLang="en-US"/>
           </a:p>
@@ -8711,7 +8711,7 @@
         </p:nvSpPr>
         <p:spPr>
           <a:xfrm>
-            <a:off x="1547664" y="3081489"/>
+            <a:off x="1619672" y="3102865"/>
             <a:ext cx="5400600" cy="1477328"/>
           </a:xfrm>
           <a:prstGeom prst="rect">
@@ -10089,10 +10089,20 @@
             </a:pPr>
             <a:r>
               <a:rPr lang="zh-CN" altLang="en-US" dirty="0">
+                <a:solidFill>
+                  <a:srgbClr val="FF0000"/>
+                </a:solidFill>
                 <a:latin typeface="微软雅黑" panose="020B0503020204020204" pitchFamily="34" charset="-122"/>
                 <a:ea typeface="微软雅黑" panose="020B0503020204020204" pitchFamily="34" charset="-122"/>
               </a:rPr>
-              <a:t>强大的分支管理可以完成多人协作开发</a:t>
+              <a:t>强大的分支管理</a:t>
+            </a:r>
+            <a:r>
+              <a:rPr lang="zh-CN" altLang="en-US" dirty="0">
+                <a:latin typeface="微软雅黑" panose="020B0503020204020204" pitchFamily="34" charset="-122"/>
+                <a:ea typeface="微软雅黑" panose="020B0503020204020204" pitchFamily="34" charset="-122"/>
+              </a:rPr>
+              <a:t>可以完成多人协作开发</a:t>
             </a:r>
             <a:endParaRPr lang="en-US" altLang="zh-CN" dirty="0">
               <a:latin typeface="微软雅黑" panose="020B0503020204020204" pitchFamily="34" charset="-122"/>
@@ -10672,28 +10682,28 @@
           <p:nvPr>
             <p:extLst>
               <p:ext uri="{D42A27DB-BD31-4B8C-83A1-F6EECF244321}">
-                <p14:modId xmlns:p14="http://schemas.microsoft.com/office/powerpoint/2010/main" val="1158435344"/>
+                <p14:modId xmlns:p14="http://schemas.microsoft.com/office/powerpoint/2010/main" val="3687351029"/>
               </p:ext>
             </p:extLst>
           </p:nvPr>
         </p:nvGraphicFramePr>
         <p:xfrm>
-          <a:off x="1187624" y="1188422"/>
-          <a:ext cx="7103878" cy="3471560"/>
+          <a:off x="899592" y="1188422"/>
+          <a:ext cx="7391910" cy="3471560"/>
         </p:xfrm>
         <a:graphic>
           <a:graphicData uri="http://schemas.openxmlformats.org/drawingml/2006/table">
             <a:tbl>
               <a:tblPr/>
               <a:tblGrid>
-                <a:gridCol w="3551939">
+                <a:gridCol w="3744416">
                   <a:extLst>
                     <a:ext uri="{9D8B030D-6E8A-4147-A177-3AD203B41FA5}">
                       <a16:colId xmlns:a16="http://schemas.microsoft.com/office/drawing/2014/main" val="320442646"/>
                     </a:ext>
                   </a:extLst>
                 </a:gridCol>
-                <a:gridCol w="3551939">
+                <a:gridCol w="3647494">
                   <a:extLst>
                     <a:ext uri="{9D8B030D-6E8A-4147-A177-3AD203B41FA5}">
                       <a16:colId xmlns:a16="http://schemas.microsoft.com/office/drawing/2014/main" val="788509136"/>
@@ -10701,7 +10711,7 @@
                   </a:extLst>
                 </a:gridCol>
               </a:tblGrid>
-              <a:tr h="315728">
+              <a:tr h="321361">
                 <a:tc>
                   <a:txBody>
                     <a:bodyPr/>
@@ -10765,19 +10775,19 @@
                     <a:p>
                       <a:pPr latinLnBrk="1"/>
                       <a:r>
-                        <a:rPr lang="zh-CN" altLang="en-US" sz="1600">
+                        <a:rPr lang="zh-CN" altLang="en-US" sz="1600" dirty="0">
                           <a:effectLst/>
                         </a:rPr>
                         <a:t>获取</a:t>
                       </a:r>
                       <a:r>
-                        <a:rPr lang="en-US" altLang="zh-CN" sz="1600">
+                        <a:rPr lang="en-US" altLang="zh-CN" sz="1600" dirty="0">
                           <a:effectLst/>
                         </a:rPr>
                         <a:t>git </a:t>
                       </a:r>
                       <a:r>
-                        <a:rPr lang="zh-CN" altLang="en-US" sz="1600">
+                        <a:rPr lang="zh-CN" altLang="en-US" sz="1600" dirty="0">
                           <a:effectLst/>
                         </a:rPr>
                         <a:t>的配置项</a:t>
@@ -10832,7 +10842,7 @@
                   </a:ext>
                 </a:extLst>
               </a:tr>
-              <a:tr h="315728">
+              <a:tr h="321361">
                 <a:tc>
                   <a:txBody>
                     <a:bodyPr/>
@@ -10840,13 +10850,13 @@
                     <a:p>
                       <a:pPr latinLnBrk="1"/>
                       <a:r>
-                        <a:rPr lang="en-US" sz="1600">
+                        <a:rPr lang="en-US" sz="1600" dirty="0">
                           <a:effectLst/>
                         </a:rPr>
                         <a:t>git config </a:t>
                       </a:r>
                       <a:r>
-                        <a:rPr lang="zh-CN" altLang="en-US" sz="1600">
+                        <a:rPr lang="zh-CN" altLang="en-US" sz="1600" dirty="0">
                           <a:effectLst/>
                         </a:rPr>
                         <a:t>配置项名</a:t>
@@ -10957,7 +10967,7 @@
                   </a:ext>
                 </a:extLst>
               </a:tr>
-              <a:tr h="315728">
+              <a:tr h="321361">
                 <a:tc>
                   <a:txBody>
                     <a:bodyPr/>
@@ -10965,13 +10975,38 @@
                     <a:p>
                       <a:pPr latinLnBrk="1"/>
                       <a:r>
-                        <a:rPr lang="en-US" sz="1600">
-                          <a:effectLst/>
-                        </a:rPr>
+                        <a:rPr lang="en-US" altLang="zh-CN" sz="1600" dirty="0"/>
                         <a:t>git config </a:t>
                       </a:r>
                       <a:r>
-                        <a:rPr lang="zh-CN" altLang="en-US" sz="1600">
+                        <a:rPr lang="en-US" altLang="zh-CN" sz="1600" b="1" dirty="0">
+                          <a:solidFill>
+                            <a:schemeClr val="tx1"/>
+                          </a:solidFill>
+                        </a:rPr>
+                        <a:t>--</a:t>
+                      </a:r>
+                      <a:r>
+                        <a:rPr lang="en-US" altLang="zh-CN" sz="1600" dirty="0">
+                          <a:solidFill>
+                            <a:schemeClr val="tx1"/>
+                          </a:solidFill>
+                          <a:latin typeface="+mn-lt"/>
+                          <a:ea typeface="+mn-ea"/>
+                          <a:cs typeface="+mn-cs"/>
+                        </a:rPr>
+                        <a:t>global</a:t>
+                      </a:r>
+                      <a:r>
+                        <a:rPr lang="en-US" altLang="zh-CN" sz="1600" dirty="0">
+                          <a:solidFill>
+                            <a:srgbClr val="C9394A"/>
+                          </a:solidFill>
+                        </a:rPr>
+                        <a:t> </a:t>
+                      </a:r>
+                      <a:r>
+                        <a:rPr lang="zh-CN" altLang="en-US" sz="1600" dirty="0">
                           <a:effectLst/>
                         </a:rPr>
                         <a:t>配置项名 新名字</a:t>
@@ -11082,7 +11117,7 @@
                   </a:ext>
                 </a:extLst>
               </a:tr>
-              <a:tr h="315728">
+              <a:tr h="321361">
                 <a:tc>
                   <a:txBody>
                     <a:bodyPr/>
@@ -11090,11 +11125,20 @@
                     <a:p>
                       <a:pPr latinLnBrk="1"/>
                       <a:r>
-                        <a:rPr lang="en-US" sz="1600">
+                        <a:rPr lang="en-US" sz="1600" dirty="0">
                           <a:effectLst/>
                         </a:rPr>
-                        <a:t>git init</a:t>
+                        <a:t>git </a:t>
                       </a:r>
+                      <a:r>
+                        <a:rPr lang="en-US" sz="1600" dirty="0" err="1">
+                          <a:effectLst/>
+                        </a:rPr>
+                        <a:t>init</a:t>
+                      </a:r>
+                      <a:endParaRPr lang="en-US" sz="1600" dirty="0">
+                        <a:effectLst/>
+                      </a:endParaRPr>
                     </a:p>
                   </a:txBody>
                   <a:tcPr marL="85510" marR="85510" marT="39466" marB="39466" anchor="ctr">
@@ -11146,7 +11190,7 @@
                     <a:p>
                       <a:pPr latinLnBrk="1"/>
                       <a:r>
-                        <a:rPr lang="zh-CN" altLang="en-US" sz="1600">
+                        <a:rPr lang="zh-CN" altLang="en-US" sz="1600" dirty="0">
                           <a:effectLst/>
                         </a:rPr>
                         <a:t>初始化本地版本库</a:t>
@@ -11201,7 +11245,7 @@
                   </a:ext>
                 </a:extLst>
               </a:tr>
-              <a:tr h="315728">
+              <a:tr h="321361">
                 <a:tc>
                   <a:txBody>
                     <a:bodyPr/>
@@ -11209,7 +11253,7 @@
                     <a:p>
                       <a:pPr latinLnBrk="1"/>
                       <a:r>
-                        <a:rPr lang="en-US" sz="1600">
+                        <a:rPr lang="en-US" sz="1600" dirty="0">
                           <a:effectLst/>
                         </a:rPr>
                         <a:t>git status</a:t>
@@ -11320,7 +11364,7 @@
                   </a:ext>
                 </a:extLst>
               </a:tr>
-              <a:tr h="315728">
+              <a:tr h="321361">
                 <a:tc>
                   <a:txBody>
                     <a:bodyPr/>
@@ -11328,7 +11372,7 @@
                     <a:p>
                       <a:pPr latinLnBrk="1"/>
                       <a:r>
-                        <a:rPr lang="en-US" sz="1600">
+                        <a:rPr lang="en-US" sz="1600" dirty="0">
                           <a:effectLst/>
                         </a:rPr>
                         <a:t>git add .</a:t>
@@ -11384,7 +11428,7 @@
                     <a:p>
                       <a:pPr latinLnBrk="1"/>
                       <a:r>
-                        <a:rPr lang="zh-CN" altLang="en-US" sz="1600">
+                        <a:rPr lang="zh-CN" altLang="en-US" sz="1600" dirty="0">
                           <a:effectLst/>
                         </a:rPr>
                         <a:t>把工作区的所有修改提交到暂存区</a:t>
@@ -11439,7 +11483,7 @@
                   </a:ext>
                 </a:extLst>
               </a:tr>
-              <a:tr h="315728">
+              <a:tr h="321361">
                 <a:tc>
                   <a:txBody>
                     <a:bodyPr/>
@@ -11447,13 +11491,13 @@
                     <a:p>
                       <a:pPr latinLnBrk="1"/>
                       <a:r>
-                        <a:rPr lang="en-US" sz="1600">
+                        <a:rPr lang="en-US" sz="1600" dirty="0">
                           <a:effectLst/>
                         </a:rPr>
                         <a:t>git add </a:t>
                       </a:r>
                       <a:r>
-                        <a:rPr lang="zh-CN" altLang="en-US" sz="1600">
+                        <a:rPr lang="zh-CN" altLang="en-US" sz="1600" dirty="0">
                           <a:effectLst/>
                         </a:rPr>
                         <a:t>文件路径</a:t>
@@ -11564,7 +11608,7 @@
                   </a:ext>
                 </a:extLst>
               </a:tr>
-              <a:tr h="552524">
+              <a:tr h="564135">
                 <a:tc>
                   <a:txBody>
                     <a:bodyPr/>
@@ -11572,19 +11616,19 @@
                     <a:p>
                       <a:pPr latinLnBrk="1"/>
                       <a:r>
-                        <a:rPr lang="en-US" sz="1600">
+                        <a:rPr lang="en-US" sz="1600" dirty="0">
                           <a:effectLst/>
                         </a:rPr>
                         <a:t>git commit -m "</a:t>
                       </a:r>
                       <a:r>
-                        <a:rPr lang="zh-CN" altLang="en-US" sz="1600">
+                        <a:rPr lang="zh-CN" altLang="en-US" sz="1600" dirty="0">
                           <a:effectLst/>
                         </a:rPr>
                         <a:t>描述</a:t>
                       </a:r>
                       <a:r>
-                        <a:rPr lang="en-US" altLang="zh-CN" sz="1600">
+                        <a:rPr lang="en-US" altLang="zh-CN" sz="1600" dirty="0">
                           <a:effectLst/>
                         </a:rPr>
                         <a:t>"</a:t>
@@ -11640,19 +11684,19 @@
                     <a:p>
                       <a:pPr latinLnBrk="1"/>
                       <a:r>
-                        <a:rPr lang="zh-CN" altLang="en-US" sz="1600">
+                        <a:rPr lang="zh-CN" altLang="en-US" sz="1600" dirty="0">
                           <a:effectLst/>
                         </a:rPr>
                         <a:t>把暂存区的修改提交本地版本库（</a:t>
                       </a:r>
                       <a:r>
-                        <a:rPr lang="en-US" altLang="zh-CN" sz="1600">
+                        <a:rPr lang="en-US" altLang="zh-CN" sz="1600" dirty="0">
                           <a:effectLst/>
                         </a:rPr>
                         <a:t>master</a:t>
                       </a:r>
                       <a:r>
-                        <a:rPr lang="zh-CN" altLang="en-US" sz="1600">
+                        <a:rPr lang="zh-CN" altLang="en-US" sz="1600" dirty="0">
                           <a:effectLst/>
                         </a:rPr>
                         <a:t>分支）</a:t>
@@ -11707,7 +11751,7 @@
                   </a:ext>
                 </a:extLst>
               </a:tr>
-              <a:tr h="315728">
+              <a:tr h="321361">
                 <a:tc>
                   <a:txBody>
                     <a:bodyPr/>
@@ -11715,7 +11759,7 @@
                     <a:p>
                       <a:pPr latinLnBrk="1"/>
                       <a:r>
-                        <a:rPr lang="en-US" sz="1600">
+                        <a:rPr lang="en-US" sz="1600" dirty="0">
                           <a:effectLst/>
                         </a:rPr>
                         <a:t>git diff</a:t>
@@ -11771,7 +11815,7 @@
                     <a:p>
                       <a:pPr latinLnBrk="1"/>
                       <a:r>
-                        <a:rPr lang="zh-CN" altLang="en-US" sz="1600">
+                        <a:rPr lang="zh-CN" altLang="en-US" sz="1600" dirty="0">
                           <a:effectLst/>
                         </a:rPr>
                         <a:t>查看工作区具体修改</a:t>
@@ -11826,7 +11870,7 @@
                   </a:ext>
                 </a:extLst>
               </a:tr>
-              <a:tr h="315728">
+              <a:tr h="321361">
                 <a:tc>
                   <a:txBody>
                     <a:bodyPr/>
@@ -11834,7 +11878,7 @@
                     <a:p>
                       <a:pPr latinLnBrk="1"/>
                       <a:r>
-                        <a:rPr lang="en-US" sz="1600">
+                        <a:rPr lang="en-US" sz="1600" dirty="0">
                           <a:effectLst/>
                         </a:rPr>
                         <a:t>git diff --cached</a:t>
